--- a/My EZ Shopper.pptx
+++ b/My EZ Shopper.pptx
@@ -6,31 +6,31 @@
   </p:sldMasterIdLst>
   <p:sldIdLst>
     <p:sldId id="256" r:id="rId2"/>
-    <p:sldId id="257" r:id="rId3"/>
-    <p:sldId id="264" r:id="rId4"/>
-    <p:sldId id="265" r:id="rId5"/>
-    <p:sldId id="278" r:id="rId6"/>
-    <p:sldId id="279" r:id="rId7"/>
-    <p:sldId id="280" r:id="rId8"/>
-    <p:sldId id="281" r:id="rId9"/>
-    <p:sldId id="258" r:id="rId10"/>
-    <p:sldId id="266" r:id="rId11"/>
-    <p:sldId id="259" r:id="rId12"/>
-    <p:sldId id="267" r:id="rId13"/>
-    <p:sldId id="268" r:id="rId14"/>
-    <p:sldId id="273" r:id="rId15"/>
-    <p:sldId id="274" r:id="rId16"/>
-    <p:sldId id="275" r:id="rId17"/>
-    <p:sldId id="260" r:id="rId18"/>
-    <p:sldId id="269" r:id="rId19"/>
-    <p:sldId id="270" r:id="rId20"/>
-    <p:sldId id="271" r:id="rId21"/>
-    <p:sldId id="272" r:id="rId22"/>
-    <p:sldId id="261" r:id="rId23"/>
-    <p:sldId id="276" r:id="rId24"/>
-    <p:sldId id="277" r:id="rId25"/>
-    <p:sldId id="262" r:id="rId26"/>
-    <p:sldId id="263" r:id="rId27"/>
+    <p:sldId id="283" r:id="rId3"/>
+    <p:sldId id="284" r:id="rId4"/>
+    <p:sldId id="257" r:id="rId5"/>
+    <p:sldId id="264" r:id="rId6"/>
+    <p:sldId id="265" r:id="rId7"/>
+    <p:sldId id="278" r:id="rId8"/>
+    <p:sldId id="279" r:id="rId9"/>
+    <p:sldId id="280" r:id="rId10"/>
+    <p:sldId id="281" r:id="rId11"/>
+    <p:sldId id="258" r:id="rId12"/>
+    <p:sldId id="266" r:id="rId13"/>
+    <p:sldId id="259" r:id="rId14"/>
+    <p:sldId id="267" r:id="rId15"/>
+    <p:sldId id="268" r:id="rId16"/>
+    <p:sldId id="273" r:id="rId17"/>
+    <p:sldId id="274" r:id="rId18"/>
+    <p:sldId id="275" r:id="rId19"/>
+    <p:sldId id="260" r:id="rId20"/>
+    <p:sldId id="269" r:id="rId21"/>
+    <p:sldId id="270" r:id="rId22"/>
+    <p:sldId id="271" r:id="rId23"/>
+    <p:sldId id="272" r:id="rId24"/>
+    <p:sldId id="261" r:id="rId25"/>
+    <p:sldId id="276" r:id="rId26"/>
+    <p:sldId id="277" r:id="rId27"/>
     <p:sldId id="282" r:id="rId28"/>
   </p:sldIdLst>
   <p:sldSz cx="12192000" cy="6858000"/>
@@ -5913,7 +5913,7 @@
           <a:p>
             <a:r>
               <a:rPr lang="en-US" dirty="0" smtClean="0"/>
-              <a:t>API Deals—Client Side Implementation</a:t>
+              <a:t>Shopping List, Remove—Server Side Implementation</a:t>
             </a:r>
             <a:endParaRPr lang="en-US" dirty="0"/>
           </a:p>
@@ -5941,7 +5941,7 @@
     </p:spTree>
     <p:extLst>
       <p:ext uri="{BB962C8B-B14F-4D97-AF65-F5344CB8AC3E}">
-        <p14:creationId xmlns:p14="http://schemas.microsoft.com/office/powerpoint/2010/main" val="2221208027"/>
+        <p14:creationId xmlns:p14="http://schemas.microsoft.com/office/powerpoint/2010/main" val="1923779810"/>
       </p:ext>
     </p:extLst>
   </p:cSld>
@@ -5985,7 +5985,7 @@
           <a:p>
             <a:r>
               <a:rPr lang="en-US" dirty="0" smtClean="0"/>
-              <a:t>Functional Requirement—User Deals</a:t>
+              <a:t>Functional Requirement—API Deals</a:t>
             </a:r>
             <a:endParaRPr lang="en-US" dirty="0"/>
           </a:p>
@@ -6008,47 +6008,12 @@
           <a:p>
             <a:r>
               <a:rPr lang="en-US" dirty="0"/>
-              <a:t>3. Users will be able to add an item that is available for sale to the system.  </a:t>
+              <a:t>2. Users will be able to search for sale prices at supported stores for an item in their shopping list. </a:t>
             </a:r>
             <a:r>
               <a:rPr lang="en-US" i="1" dirty="0"/>
-              <a:t>(This allows users to add items that are not located by Requirement 2</a:t>
-            </a:r>
-            <a:r>
-              <a:rPr lang="en-US" i="1" dirty="0" smtClean="0"/>
-              <a:t>.)</a:t>
-            </a:r>
-          </a:p>
-          <a:p>
-            <a:r>
-              <a:rPr lang="en-US" dirty="0" smtClean="0"/>
-              <a:t>4. Users </a:t>
-            </a:r>
-            <a:r>
-              <a:rPr lang="en-US" dirty="0"/>
-              <a:t>will be able to validate whether an item is available at a sales price. </a:t>
-            </a:r>
-            <a:r>
-              <a:rPr lang="en-US" i="1" dirty="0"/>
-              <a:t>(This allows users to determine whether an item is still available</a:t>
-            </a:r>
-            <a:r>
-              <a:rPr lang="en-US" i="1" dirty="0" smtClean="0"/>
-              <a:t>.)</a:t>
-            </a:r>
-          </a:p>
-          <a:p>
-            <a:r>
-              <a:rPr lang="en-US" dirty="0"/>
-              <a:t>5. Expired user-created deals will not appear in search results.  </a:t>
-            </a:r>
-            <a:r>
-              <a:rPr lang="en-US" i="1" dirty="0"/>
-              <a:t>(This feature is necessary for ensuring that only valid deals appear.)</a:t>
-            </a:r>
-            <a:endParaRPr lang="en-US" dirty="0"/>
-          </a:p>
-          <a:p>
+              <a:t>(This will allow users to find prices for an item of interest.)</a:t>
+            </a:r>
             <a:endParaRPr lang="en-US" dirty="0"/>
           </a:p>
         </p:txBody>
@@ -6056,7 +6021,7 @@
     </p:spTree>
     <p:extLst>
       <p:ext uri="{BB962C8B-B14F-4D97-AF65-F5344CB8AC3E}">
-        <p14:creationId xmlns:p14="http://schemas.microsoft.com/office/powerpoint/2010/main" val="3002737573"/>
+        <p14:creationId xmlns:p14="http://schemas.microsoft.com/office/powerpoint/2010/main" val="3396351313"/>
       </p:ext>
     </p:extLst>
   </p:cSld>
@@ -6100,7 +6065,7 @@
           <a:p>
             <a:r>
               <a:rPr lang="en-US" dirty="0" smtClean="0"/>
-              <a:t>User Deals, Add—Client Side Implementation</a:t>
+              <a:t>API Deals—Client Side Implementation</a:t>
             </a:r>
             <a:endParaRPr lang="en-US" dirty="0"/>
           </a:p>
@@ -6128,7 +6093,7 @@
     </p:spTree>
     <p:extLst>
       <p:ext uri="{BB962C8B-B14F-4D97-AF65-F5344CB8AC3E}">
-        <p14:creationId xmlns:p14="http://schemas.microsoft.com/office/powerpoint/2010/main" val="449716672"/>
+        <p14:creationId xmlns:p14="http://schemas.microsoft.com/office/powerpoint/2010/main" val="2221208027"/>
       </p:ext>
     </p:extLst>
   </p:cSld>
@@ -6172,7 +6137,7 @@
           <a:p>
             <a:r>
               <a:rPr lang="en-US" dirty="0" smtClean="0"/>
-              <a:t>User Deals, Add—Server Side Implementation</a:t>
+              <a:t>Functional Requirement—User Deals</a:t>
             </a:r>
             <a:endParaRPr lang="en-US" dirty="0"/>
           </a:p>
@@ -6193,14 +6158,57 @@
           <a:bodyPr/>
           <a:lstStyle/>
           <a:p>
-            <a:endParaRPr lang="en-US"/>
+            <a:r>
+              <a:rPr lang="en-US" dirty="0"/>
+              <a:t>3. Users will be able to add an item that is available for sale to the system.  </a:t>
+            </a:r>
+            <a:r>
+              <a:rPr lang="en-US" i="1" dirty="0"/>
+              <a:t>(This allows users to add items that are not located by Requirement 2</a:t>
+            </a:r>
+            <a:r>
+              <a:rPr lang="en-US" i="1" dirty="0" smtClean="0"/>
+              <a:t>.)</a:t>
+            </a:r>
+          </a:p>
+          <a:p>
+            <a:r>
+              <a:rPr lang="en-US" dirty="0" smtClean="0"/>
+              <a:t>4. Users </a:t>
+            </a:r>
+            <a:r>
+              <a:rPr lang="en-US" dirty="0"/>
+              <a:t>will be able to validate whether an item is available at a sales price. </a:t>
+            </a:r>
+            <a:r>
+              <a:rPr lang="en-US" i="1" dirty="0"/>
+              <a:t>(This allows users to determine whether an item is still available</a:t>
+            </a:r>
+            <a:r>
+              <a:rPr lang="en-US" i="1" dirty="0" smtClean="0"/>
+              <a:t>.)</a:t>
+            </a:r>
+          </a:p>
+          <a:p>
+            <a:r>
+              <a:rPr lang="en-US" dirty="0"/>
+              <a:t>5. Expired user-created deals will not appear in search results.  </a:t>
+            </a:r>
+            <a:r>
+              <a:rPr lang="en-US" i="1" dirty="0"/>
+              <a:t>(This feature is necessary for ensuring that only valid deals appear.)</a:t>
+            </a:r>
+            <a:endParaRPr lang="en-US" dirty="0"/>
+          </a:p>
+          <a:p>
+            <a:endParaRPr lang="en-US" dirty="0"/>
           </a:p>
         </p:txBody>
       </p:sp>
     </p:spTree>
     <p:extLst>
       <p:ext uri="{BB962C8B-B14F-4D97-AF65-F5344CB8AC3E}">
-        <p14:creationId xmlns:p14="http://schemas.microsoft.com/office/powerpoint/2010/main" val="100306373"/>
+        <p14:creationId xmlns:p14="http://schemas.microsoft.com/office/powerpoint/2010/main" val="3002737573"/>
       </p:ext>
     </p:extLst>
   </p:cSld>
@@ -6244,7 +6252,7 @@
           <a:p>
             <a:r>
               <a:rPr lang="en-US" dirty="0" smtClean="0"/>
-              <a:t>User Deals, Validate—Client Side Implementation</a:t>
+              <a:t>User Deals, Add—Client Side Implementation</a:t>
             </a:r>
             <a:endParaRPr lang="en-US" dirty="0"/>
           </a:p>
@@ -6272,7 +6280,7 @@
     </p:spTree>
     <p:extLst>
       <p:ext uri="{BB962C8B-B14F-4D97-AF65-F5344CB8AC3E}">
-        <p14:creationId xmlns:p14="http://schemas.microsoft.com/office/powerpoint/2010/main" val="2954434646"/>
+        <p14:creationId xmlns:p14="http://schemas.microsoft.com/office/powerpoint/2010/main" val="449716672"/>
       </p:ext>
     </p:extLst>
   </p:cSld>
@@ -6316,7 +6324,7 @@
           <a:p>
             <a:r>
               <a:rPr lang="en-US" dirty="0" smtClean="0"/>
-              <a:t>User Deals, Validate—Server Side Implementation</a:t>
+              <a:t>User Deals, Add—Server Side Implementation</a:t>
             </a:r>
             <a:endParaRPr lang="en-US" dirty="0"/>
           </a:p>
@@ -6344,7 +6352,7 @@
     </p:spTree>
     <p:extLst>
       <p:ext uri="{BB962C8B-B14F-4D97-AF65-F5344CB8AC3E}">
-        <p14:creationId xmlns:p14="http://schemas.microsoft.com/office/powerpoint/2010/main" val="1348877492"/>
+        <p14:creationId xmlns:p14="http://schemas.microsoft.com/office/powerpoint/2010/main" val="100306373"/>
       </p:ext>
     </p:extLst>
   </p:cSld>
@@ -6388,7 +6396,7 @@
           <a:p>
             <a:r>
               <a:rPr lang="en-US" dirty="0" smtClean="0"/>
-              <a:t>User Deals, Expire—Server Side Implementation</a:t>
+              <a:t>User Deals, Validate—Client Side Implementation</a:t>
             </a:r>
             <a:endParaRPr lang="en-US" dirty="0"/>
           </a:p>
@@ -6416,7 +6424,7 @@
     </p:spTree>
     <p:extLst>
       <p:ext uri="{BB962C8B-B14F-4D97-AF65-F5344CB8AC3E}">
-        <p14:creationId xmlns:p14="http://schemas.microsoft.com/office/powerpoint/2010/main" val="2455070259"/>
+        <p14:creationId xmlns:p14="http://schemas.microsoft.com/office/powerpoint/2010/main" val="2954434646"/>
       </p:ext>
     </p:extLst>
   </p:cSld>
@@ -6460,7 +6468,7 @@
           <a:p>
             <a:r>
               <a:rPr lang="en-US" dirty="0" smtClean="0"/>
-              <a:t>Functional Requirement--Database</a:t>
+              <a:t>User Deals, Validate—Server Side Implementation</a:t>
             </a:r>
             <a:endParaRPr lang="en-US" dirty="0"/>
           </a:p>
@@ -6481,22 +6489,14 @@
           <a:bodyPr/>
           <a:lstStyle/>
           <a:p>
-            <a:r>
-              <a:rPr lang="en-US" dirty="0"/>
-              <a:t>6. User information and user-created deals will be stored in a database. </a:t>
-            </a:r>
-            <a:r>
-              <a:rPr lang="en-US" i="1" dirty="0"/>
-              <a:t>(This is an essential feature ensuring that information is stored.)</a:t>
-            </a:r>
-            <a:endParaRPr lang="en-US" dirty="0"/>
+            <a:endParaRPr lang="en-US"/>
           </a:p>
         </p:txBody>
       </p:sp>
     </p:spTree>
     <p:extLst>
       <p:ext uri="{BB962C8B-B14F-4D97-AF65-F5344CB8AC3E}">
-        <p14:creationId xmlns:p14="http://schemas.microsoft.com/office/powerpoint/2010/main" val="2226419927"/>
+        <p14:creationId xmlns:p14="http://schemas.microsoft.com/office/powerpoint/2010/main" val="1348877492"/>
       </p:ext>
     </p:extLst>
   </p:cSld>
@@ -6540,7 +6540,7 @@
           <a:p>
             <a:r>
               <a:rPr lang="en-US" dirty="0" smtClean="0"/>
-              <a:t>Database, User Information—Client Side Implementation</a:t>
+              <a:t>User Deals, Expire—Server Side Implementation</a:t>
             </a:r>
             <a:endParaRPr lang="en-US" dirty="0"/>
           </a:p>
@@ -6568,7 +6568,7 @@
     </p:spTree>
     <p:extLst>
       <p:ext uri="{BB962C8B-B14F-4D97-AF65-F5344CB8AC3E}">
-        <p14:creationId xmlns:p14="http://schemas.microsoft.com/office/powerpoint/2010/main" val="2933004373"/>
+        <p14:creationId xmlns:p14="http://schemas.microsoft.com/office/powerpoint/2010/main" val="2455070259"/>
       </p:ext>
     </p:extLst>
   </p:cSld>
@@ -6612,7 +6612,7 @@
           <a:p>
             <a:r>
               <a:rPr lang="en-US" dirty="0" smtClean="0"/>
-              <a:t>Database, User Information—Server Side Implementation</a:t>
+              <a:t>Functional Requirement--Database</a:t>
             </a:r>
             <a:endParaRPr lang="en-US" dirty="0"/>
           </a:p>
@@ -6633,14 +6633,22 @@
           <a:bodyPr/>
           <a:lstStyle/>
           <a:p>
-            <a:endParaRPr lang="en-US"/>
+            <a:r>
+              <a:rPr lang="en-US" dirty="0"/>
+              <a:t>6. User information and user-created deals will be stored in a database. </a:t>
+            </a:r>
+            <a:r>
+              <a:rPr lang="en-US" i="1" dirty="0"/>
+              <a:t>(This is an essential feature ensuring that information is stored.)</a:t>
+            </a:r>
+            <a:endParaRPr lang="en-US" dirty="0"/>
           </a:p>
         </p:txBody>
       </p:sp>
     </p:spTree>
     <p:extLst>
       <p:ext uri="{BB962C8B-B14F-4D97-AF65-F5344CB8AC3E}">
-        <p14:creationId xmlns:p14="http://schemas.microsoft.com/office/powerpoint/2010/main" val="1253502696"/>
+        <p14:creationId xmlns:p14="http://schemas.microsoft.com/office/powerpoint/2010/main" val="2226419927"/>
       </p:ext>
     </p:extLst>
   </p:cSld>
@@ -6684,7 +6692,7 @@
           <a:p>
             <a:r>
               <a:rPr lang="en-US" dirty="0" smtClean="0"/>
-              <a:t>Functional Requirement—Shopping List</a:t>
+              <a:t>Non-Functional Requirement—Operating Systems</a:t>
             </a:r>
             <a:endParaRPr lang="en-US" dirty="0"/>
           </a:p>
@@ -6707,70 +6715,16 @@
           <a:p>
             <a:r>
               <a:rPr lang="en-US" dirty="0"/>
-              <a:t>1. Users will be able to manage their shopping list.  </a:t>
-            </a:r>
-            <a:r>
-              <a:rPr lang="en-US" i="1" dirty="0"/>
-              <a:t>(Managing their shopping list will include adding, editing, and removing items</a:t>
-            </a:r>
-            <a:r>
-              <a:rPr lang="en-US" i="1" dirty="0" smtClean="0"/>
-              <a:t>.)</a:t>
-            </a:r>
-            <a:endParaRPr lang="en-US" dirty="0"/>
-          </a:p>
-          <a:p>
-            <a:pPr lvl="1"/>
-            <a:r>
-              <a:rPr lang="en-US" dirty="0" smtClean="0"/>
-              <a:t>1A</a:t>
-            </a:r>
+              <a:t>6. Client application will use Java programming language on Android Operating System. </a:t>
+            </a:r>
+          </a:p>
+          <a:p>
             <a:r>
               <a:rPr lang="en-US" dirty="0"/>
-              <a:t>. Users will be able to add items to their shopping list.  (</a:t>
-            </a:r>
-            <a:r>
-              <a:rPr lang="en-US" i="1" dirty="0"/>
-              <a:t>Being able to add an item to the list is an essential feature</a:t>
-            </a:r>
-            <a:r>
-              <a:rPr lang="en-US" i="1" dirty="0" smtClean="0"/>
-              <a:t>.)</a:t>
-            </a:r>
-          </a:p>
-          <a:p>
-            <a:pPr lvl="1"/>
-            <a:r>
-              <a:rPr lang="en-US" dirty="0" smtClean="0"/>
-              <a:t>1B</a:t>
-            </a:r>
-            <a:r>
-              <a:rPr lang="en-US" dirty="0"/>
-              <a:t>. Users will be able to edit items in their shopping list.  </a:t>
-            </a:r>
-            <a:r>
-              <a:rPr lang="en-US" i="1" dirty="0"/>
-              <a:t>(The ability to edit an item is needed in case user enters inaccurate information</a:t>
-            </a:r>
-            <a:r>
-              <a:rPr lang="en-US" i="1" dirty="0" smtClean="0"/>
-              <a:t>.)</a:t>
-            </a:r>
-          </a:p>
-          <a:p>
-            <a:pPr lvl="1"/>
-            <a:r>
-              <a:rPr lang="en-US" dirty="0" smtClean="0"/>
-              <a:t>1C</a:t>
-            </a:r>
-            <a:r>
-              <a:rPr lang="en-US" dirty="0"/>
-              <a:t>. Users will be able to remove items from their shopping list.  </a:t>
-            </a:r>
-            <a:r>
-              <a:rPr lang="en-US" i="1" dirty="0"/>
-              <a:t>(The ability to remove an item is an essential feature.)</a:t>
-            </a:r>
+              <a:t>7. Server application will use JavaScript programming language with node.js on Linux Operating System. </a:t>
+            </a:r>
+          </a:p>
+          <a:p>
             <a:endParaRPr lang="en-US" dirty="0"/>
           </a:p>
         </p:txBody>
@@ -6778,7 +6732,7 @@
     </p:spTree>
     <p:extLst>
       <p:ext uri="{BB962C8B-B14F-4D97-AF65-F5344CB8AC3E}">
-        <p14:creationId xmlns:p14="http://schemas.microsoft.com/office/powerpoint/2010/main" val="1637306168"/>
+        <p14:creationId xmlns:p14="http://schemas.microsoft.com/office/powerpoint/2010/main" val="97703906"/>
       </p:ext>
     </p:extLst>
   </p:cSld>
@@ -6822,7 +6776,7 @@
           <a:p>
             <a:r>
               <a:rPr lang="en-US" dirty="0" smtClean="0"/>
-              <a:t>Database, User Deals—Client Side Implementation</a:t>
+              <a:t>Database, User Information—Client Side Implementation</a:t>
             </a:r>
             <a:endParaRPr lang="en-US" dirty="0"/>
           </a:p>
@@ -6850,7 +6804,7 @@
     </p:spTree>
     <p:extLst>
       <p:ext uri="{BB962C8B-B14F-4D97-AF65-F5344CB8AC3E}">
-        <p14:creationId xmlns:p14="http://schemas.microsoft.com/office/powerpoint/2010/main" val="4271439743"/>
+        <p14:creationId xmlns:p14="http://schemas.microsoft.com/office/powerpoint/2010/main" val="2933004373"/>
       </p:ext>
     </p:extLst>
   </p:cSld>
@@ -6894,7 +6848,7 @@
           <a:p>
             <a:r>
               <a:rPr lang="en-US" dirty="0" smtClean="0"/>
-              <a:t>Database, User Deals—Server Side Implementation</a:t>
+              <a:t>Database, User Information—Server Side Implementation</a:t>
             </a:r>
             <a:endParaRPr lang="en-US" dirty="0"/>
           </a:p>
@@ -6922,7 +6876,7 @@
     </p:spTree>
     <p:extLst>
       <p:ext uri="{BB962C8B-B14F-4D97-AF65-F5344CB8AC3E}">
-        <p14:creationId xmlns:p14="http://schemas.microsoft.com/office/powerpoint/2010/main" val="4270411433"/>
+        <p14:creationId xmlns:p14="http://schemas.microsoft.com/office/powerpoint/2010/main" val="1253502696"/>
       </p:ext>
     </p:extLst>
   </p:cSld>
@@ -6966,7 +6920,7 @@
           <a:p>
             <a:r>
               <a:rPr lang="en-US" dirty="0" smtClean="0"/>
-              <a:t>Functional Requirement—User Information</a:t>
+              <a:t>Database, User Deals—Client Side Implementation</a:t>
             </a:r>
             <a:endParaRPr lang="en-US" dirty="0"/>
           </a:p>
@@ -6987,22 +6941,14 @@
           <a:bodyPr/>
           <a:lstStyle/>
           <a:p>
-            <a:r>
-              <a:rPr lang="en-US" dirty="0"/>
-              <a:t>7. Users shall be uniquely identified by a user name.  </a:t>
-            </a:r>
-            <a:r>
-              <a:rPr lang="en-US" i="1" dirty="0"/>
-              <a:t>(This prevents duplicate user names from existing in the system.)</a:t>
-            </a:r>
-            <a:endParaRPr lang="en-US" dirty="0"/>
+            <a:endParaRPr lang="en-US"/>
           </a:p>
         </p:txBody>
       </p:sp>
     </p:spTree>
     <p:extLst>
       <p:ext uri="{BB962C8B-B14F-4D97-AF65-F5344CB8AC3E}">
-        <p14:creationId xmlns:p14="http://schemas.microsoft.com/office/powerpoint/2010/main" val="3350486513"/>
+        <p14:creationId xmlns:p14="http://schemas.microsoft.com/office/powerpoint/2010/main" val="4271439743"/>
       </p:ext>
     </p:extLst>
   </p:cSld>
@@ -7046,7 +6992,7 @@
           <a:p>
             <a:r>
               <a:rPr lang="en-US" dirty="0" smtClean="0"/>
-              <a:t>User Information—Client Side Implementation</a:t>
+              <a:t>Database, User Deals—Server Side Implementation</a:t>
             </a:r>
             <a:endParaRPr lang="en-US" dirty="0"/>
           </a:p>
@@ -7074,7 +7020,7 @@
     </p:spTree>
     <p:extLst>
       <p:ext uri="{BB962C8B-B14F-4D97-AF65-F5344CB8AC3E}">
-        <p14:creationId xmlns:p14="http://schemas.microsoft.com/office/powerpoint/2010/main" val="2525138655"/>
+        <p14:creationId xmlns:p14="http://schemas.microsoft.com/office/powerpoint/2010/main" val="4270411433"/>
       </p:ext>
     </p:extLst>
   </p:cSld>
@@ -7118,7 +7064,7 @@
           <a:p>
             <a:r>
               <a:rPr lang="en-US" dirty="0" smtClean="0"/>
-              <a:t>User Information—Server Side Implementation</a:t>
+              <a:t>Functional Requirement—User Information</a:t>
             </a:r>
             <a:endParaRPr lang="en-US" dirty="0"/>
           </a:p>
@@ -7139,14 +7085,22 @@
           <a:bodyPr/>
           <a:lstStyle/>
           <a:p>
-            <a:endParaRPr lang="en-US"/>
+            <a:r>
+              <a:rPr lang="en-US" dirty="0"/>
+              <a:t>7. Users shall be uniquely identified by a user name.  </a:t>
+            </a:r>
+            <a:r>
+              <a:rPr lang="en-US" i="1" dirty="0"/>
+              <a:t>(This prevents duplicate user names from existing in the system.)</a:t>
+            </a:r>
+            <a:endParaRPr lang="en-US" dirty="0"/>
           </a:p>
         </p:txBody>
       </p:sp>
     </p:spTree>
     <p:extLst>
       <p:ext uri="{BB962C8B-B14F-4D97-AF65-F5344CB8AC3E}">
-        <p14:creationId xmlns:p14="http://schemas.microsoft.com/office/powerpoint/2010/main" val="500561990"/>
+        <p14:creationId xmlns:p14="http://schemas.microsoft.com/office/powerpoint/2010/main" val="3350486513"/>
       </p:ext>
     </p:extLst>
   </p:cSld>
@@ -7190,7 +7144,7 @@
           <a:p>
             <a:r>
               <a:rPr lang="en-US" dirty="0" smtClean="0"/>
-              <a:t>Non-Functional Requirement—Operating Systems</a:t>
+              <a:t>User Information—Client Side Implementation</a:t>
             </a:r>
             <a:endParaRPr lang="en-US" dirty="0"/>
           </a:p>
@@ -7211,26 +7165,14 @@
           <a:bodyPr/>
           <a:lstStyle/>
           <a:p>
-            <a:r>
-              <a:rPr lang="en-US" dirty="0"/>
-              <a:t>6. Client application will use Java programming language on Android Operating System. </a:t>
-            </a:r>
-          </a:p>
-          <a:p>
-            <a:r>
-              <a:rPr lang="en-US" dirty="0"/>
-              <a:t>7. Server application will use JavaScript programming language with node.js on Linux Operating System. </a:t>
-            </a:r>
-          </a:p>
-          <a:p>
-            <a:endParaRPr lang="en-US" dirty="0"/>
+            <a:endParaRPr lang="en-US"/>
           </a:p>
         </p:txBody>
       </p:sp>
     </p:spTree>
     <p:extLst>
       <p:ext uri="{BB962C8B-B14F-4D97-AF65-F5344CB8AC3E}">
-        <p14:creationId xmlns:p14="http://schemas.microsoft.com/office/powerpoint/2010/main" val="3856037152"/>
+        <p14:creationId xmlns:p14="http://schemas.microsoft.com/office/powerpoint/2010/main" val="2525138655"/>
       </p:ext>
     </p:extLst>
   </p:cSld>
@@ -7274,11 +7216,7 @@
           <a:p>
             <a:r>
               <a:rPr lang="en-US" dirty="0" smtClean="0"/>
-              <a:t>Non-Functional Requirement—Server </a:t>
-            </a:r>
-            <a:r>
-              <a:rPr lang="en-US" dirty="0" err="1" smtClean="0"/>
-              <a:t>Datasource</a:t>
+              <a:t>User Information—Server Side Implementation</a:t>
             </a:r>
             <a:endParaRPr lang="en-US" dirty="0"/>
           </a:p>
@@ -7299,36 +7237,14 @@
           <a:bodyPr/>
           <a:lstStyle/>
           <a:p>
-            <a:r>
-              <a:rPr lang="en-US" dirty="0"/>
-              <a:t>8. Server application will use </a:t>
-            </a:r>
-            <a:r>
-              <a:rPr lang="en-US" dirty="0" err="1"/>
-              <a:t>mongodb</a:t>
-            </a:r>
-            <a:r>
-              <a:rPr lang="en-US" dirty="0"/>
-              <a:t> as </a:t>
-            </a:r>
-            <a:r>
-              <a:rPr lang="en-US" dirty="0" err="1"/>
-              <a:t>datasource</a:t>
-            </a:r>
-            <a:r>
-              <a:rPr lang="en-US" dirty="0"/>
-              <a:t>.</a:t>
-            </a:r>
-          </a:p>
-          <a:p>
-            <a:endParaRPr lang="en-US" dirty="0"/>
+            <a:endParaRPr lang="en-US"/>
           </a:p>
         </p:txBody>
       </p:sp>
     </p:spTree>
     <p:extLst>
       <p:ext uri="{BB962C8B-B14F-4D97-AF65-F5344CB8AC3E}">
-        <p14:creationId xmlns:p14="http://schemas.microsoft.com/office/powerpoint/2010/main" val="1370723192"/>
+        <p14:creationId xmlns:p14="http://schemas.microsoft.com/office/powerpoint/2010/main" val="500561990"/>
       </p:ext>
     </p:extLst>
   </p:cSld>
@@ -7444,7 +7360,11 @@
           <a:p>
             <a:r>
               <a:rPr lang="en-US" dirty="0" smtClean="0"/>
-              <a:t>Shopping List, Add—Client Side Implementation</a:t>
+              <a:t>Non-Functional Requirement—Server </a:t>
+            </a:r>
+            <a:r>
+              <a:rPr lang="en-US" dirty="0" err="1" smtClean="0"/>
+              <a:t>Datasource</a:t>
             </a:r>
             <a:endParaRPr lang="en-US" dirty="0"/>
           </a:p>
@@ -7465,14 +7385,36 @@
           <a:bodyPr/>
           <a:lstStyle/>
           <a:p>
-            <a:endParaRPr lang="en-US"/>
+            <a:r>
+              <a:rPr lang="en-US" dirty="0"/>
+              <a:t>8. Server application will use </a:t>
+            </a:r>
+            <a:r>
+              <a:rPr lang="en-US" dirty="0" err="1"/>
+              <a:t>mongodb</a:t>
+            </a:r>
+            <a:r>
+              <a:rPr lang="en-US" dirty="0"/>
+              <a:t> as </a:t>
+            </a:r>
+            <a:r>
+              <a:rPr lang="en-US" dirty="0" err="1"/>
+              <a:t>datasource</a:t>
+            </a:r>
+            <a:r>
+              <a:rPr lang="en-US" dirty="0"/>
+              <a:t>.</a:t>
+            </a:r>
+          </a:p>
+          <a:p>
+            <a:endParaRPr lang="en-US" dirty="0"/>
           </a:p>
         </p:txBody>
       </p:sp>
     </p:spTree>
     <p:extLst>
       <p:ext uri="{BB962C8B-B14F-4D97-AF65-F5344CB8AC3E}">
-        <p14:creationId xmlns:p14="http://schemas.microsoft.com/office/powerpoint/2010/main" val="1690294690"/>
+        <p14:creationId xmlns:p14="http://schemas.microsoft.com/office/powerpoint/2010/main" val="1806214989"/>
       </p:ext>
     </p:extLst>
   </p:cSld>
@@ -7516,7 +7458,7 @@
           <a:p>
             <a:r>
               <a:rPr lang="en-US" dirty="0" smtClean="0"/>
-              <a:t>Shopping List, Add—Server Side Implementation</a:t>
+              <a:t>Functional Requirement—Shopping List</a:t>
             </a:r>
             <a:endParaRPr lang="en-US" dirty="0"/>
           </a:p>
@@ -7537,14 +7479,80 @@
           <a:bodyPr/>
           <a:lstStyle/>
           <a:p>
-            <a:endParaRPr lang="en-US"/>
+            <a:r>
+              <a:rPr lang="en-US" dirty="0"/>
+              <a:t>1. Users will be able to manage their shopping list.  </a:t>
+            </a:r>
+            <a:r>
+              <a:rPr lang="en-US" i="1" dirty="0"/>
+              <a:t>(Managing their shopping list will include adding, editing, and removing items</a:t>
+            </a:r>
+            <a:r>
+              <a:rPr lang="en-US" i="1" dirty="0" smtClean="0"/>
+              <a:t>.)</a:t>
+            </a:r>
+            <a:endParaRPr lang="en-US" dirty="0"/>
+          </a:p>
+          <a:p>
+            <a:pPr lvl="1"/>
+            <a:r>
+              <a:rPr lang="en-US" dirty="0" smtClean="0"/>
+              <a:t>1A</a:t>
+            </a:r>
+            <a:r>
+              <a:rPr lang="en-US" dirty="0"/>
+              <a:t>. Users will be able to add items to their shopping list.  (</a:t>
+            </a:r>
+            <a:r>
+              <a:rPr lang="en-US" i="1" dirty="0"/>
+              <a:t>Being able to add an item to the list is an essential feature</a:t>
+            </a:r>
+            <a:r>
+              <a:rPr lang="en-US" i="1" dirty="0" smtClean="0"/>
+              <a:t>.)</a:t>
+            </a:r>
+          </a:p>
+          <a:p>
+            <a:pPr lvl="1"/>
+            <a:r>
+              <a:rPr lang="en-US" dirty="0" smtClean="0"/>
+              <a:t>1B</a:t>
+            </a:r>
+            <a:r>
+              <a:rPr lang="en-US" dirty="0"/>
+              <a:t>. Users will be able to edit items in their shopping list.  </a:t>
+            </a:r>
+            <a:r>
+              <a:rPr lang="en-US" i="1" dirty="0"/>
+              <a:t>(The ability to edit an item is needed in case user enters inaccurate information</a:t>
+            </a:r>
+            <a:r>
+              <a:rPr lang="en-US" i="1" dirty="0" smtClean="0"/>
+              <a:t>.)</a:t>
+            </a:r>
+          </a:p>
+          <a:p>
+            <a:pPr lvl="1"/>
+            <a:r>
+              <a:rPr lang="en-US" dirty="0" smtClean="0"/>
+              <a:t>1C</a:t>
+            </a:r>
+            <a:r>
+              <a:rPr lang="en-US" dirty="0"/>
+              <a:t>. Users will be able to remove items from their shopping list.  </a:t>
+            </a:r>
+            <a:r>
+              <a:rPr lang="en-US" i="1" dirty="0"/>
+              <a:t>(The ability to remove an item is an essential feature.)</a:t>
+            </a:r>
+            <a:endParaRPr lang="en-US" dirty="0"/>
           </a:p>
         </p:txBody>
       </p:sp>
     </p:spTree>
     <p:extLst>
       <p:ext uri="{BB962C8B-B14F-4D97-AF65-F5344CB8AC3E}">
-        <p14:creationId xmlns:p14="http://schemas.microsoft.com/office/powerpoint/2010/main" val="431295959"/>
+        <p14:creationId xmlns:p14="http://schemas.microsoft.com/office/powerpoint/2010/main" val="1637306168"/>
       </p:ext>
     </p:extLst>
   </p:cSld>
@@ -7588,7 +7596,7 @@
           <a:p>
             <a:r>
               <a:rPr lang="en-US" dirty="0" smtClean="0"/>
-              <a:t>Shopping List, Edit—Client Side Implementation</a:t>
+              <a:t>Shopping List, Add—Client Side Implementation</a:t>
             </a:r>
             <a:endParaRPr lang="en-US" dirty="0"/>
           </a:p>
@@ -7616,7 +7624,7 @@
     </p:spTree>
     <p:extLst>
       <p:ext uri="{BB962C8B-B14F-4D97-AF65-F5344CB8AC3E}">
-        <p14:creationId xmlns:p14="http://schemas.microsoft.com/office/powerpoint/2010/main" val="1454182423"/>
+        <p14:creationId xmlns:p14="http://schemas.microsoft.com/office/powerpoint/2010/main" val="1690294690"/>
       </p:ext>
     </p:extLst>
   </p:cSld>
@@ -7660,7 +7668,7 @@
           <a:p>
             <a:r>
               <a:rPr lang="en-US" dirty="0" smtClean="0"/>
-              <a:t>Shopping List, Edit—Server Side Implementation</a:t>
+              <a:t>Shopping List, Add—Server Side Implementation</a:t>
             </a:r>
             <a:endParaRPr lang="en-US" dirty="0"/>
           </a:p>
@@ -7688,7 +7696,7 @@
     </p:spTree>
     <p:extLst>
       <p:ext uri="{BB962C8B-B14F-4D97-AF65-F5344CB8AC3E}">
-        <p14:creationId xmlns:p14="http://schemas.microsoft.com/office/powerpoint/2010/main" val="1286831282"/>
+        <p14:creationId xmlns:p14="http://schemas.microsoft.com/office/powerpoint/2010/main" val="431295959"/>
       </p:ext>
     </p:extLst>
   </p:cSld>
@@ -7732,7 +7740,7 @@
           <a:p>
             <a:r>
               <a:rPr lang="en-US" dirty="0" smtClean="0"/>
-              <a:t>Shopping List, Remove—Client Side Implementation</a:t>
+              <a:t>Shopping List, Edit—Client Side Implementation</a:t>
             </a:r>
             <a:endParaRPr lang="en-US" dirty="0"/>
           </a:p>
@@ -7760,7 +7768,7 @@
     </p:spTree>
     <p:extLst>
       <p:ext uri="{BB962C8B-B14F-4D97-AF65-F5344CB8AC3E}">
-        <p14:creationId xmlns:p14="http://schemas.microsoft.com/office/powerpoint/2010/main" val="1743933881"/>
+        <p14:creationId xmlns:p14="http://schemas.microsoft.com/office/powerpoint/2010/main" val="1454182423"/>
       </p:ext>
     </p:extLst>
   </p:cSld>
@@ -7804,7 +7812,7 @@
           <a:p>
             <a:r>
               <a:rPr lang="en-US" dirty="0" smtClean="0"/>
-              <a:t>Shopping List, Remove—Server Side Implementation</a:t>
+              <a:t>Shopping List, Edit—Server Side Implementation</a:t>
             </a:r>
             <a:endParaRPr lang="en-US" dirty="0"/>
           </a:p>
@@ -7832,7 +7840,7 @@
     </p:spTree>
     <p:extLst>
       <p:ext uri="{BB962C8B-B14F-4D97-AF65-F5344CB8AC3E}">
-        <p14:creationId xmlns:p14="http://schemas.microsoft.com/office/powerpoint/2010/main" val="1923779810"/>
+        <p14:creationId xmlns:p14="http://schemas.microsoft.com/office/powerpoint/2010/main" val="1286831282"/>
       </p:ext>
     </p:extLst>
   </p:cSld>
@@ -7876,7 +7884,7 @@
           <a:p>
             <a:r>
               <a:rPr lang="en-US" dirty="0" smtClean="0"/>
-              <a:t>Functional Requirement—API Deals</a:t>
+              <a:t>Shopping List, Remove—Client Side Implementation</a:t>
             </a:r>
             <a:endParaRPr lang="en-US" dirty="0"/>
           </a:p>
@@ -7897,22 +7905,14 @@
           <a:bodyPr/>
           <a:lstStyle/>
           <a:p>
-            <a:r>
-              <a:rPr lang="en-US" dirty="0"/>
-              <a:t>2. Users will be able to search for sale prices at supported stores for an item in their shopping list. </a:t>
-            </a:r>
-            <a:r>
-              <a:rPr lang="en-US" i="1" dirty="0"/>
-              <a:t>(This will allow users to find prices for an item of interest.)</a:t>
-            </a:r>
-            <a:endParaRPr lang="en-US" dirty="0"/>
+            <a:endParaRPr lang="en-US"/>
           </a:p>
         </p:txBody>
       </p:sp>
     </p:spTree>
     <p:extLst>
       <p:ext uri="{BB962C8B-B14F-4D97-AF65-F5344CB8AC3E}">
-        <p14:creationId xmlns:p14="http://schemas.microsoft.com/office/powerpoint/2010/main" val="3396351313"/>
+        <p14:creationId xmlns:p14="http://schemas.microsoft.com/office/powerpoint/2010/main" val="1743933881"/>
       </p:ext>
     </p:extLst>
   </p:cSld>

--- a/My EZ Shopper.pptx
+++ b/My EZ Shopper.pptx
@@ -7,31 +7,36 @@
   <p:sldIdLst>
     <p:sldId id="256" r:id="rId2"/>
     <p:sldId id="283" r:id="rId3"/>
-    <p:sldId id="284" r:id="rId4"/>
-    <p:sldId id="257" r:id="rId5"/>
-    <p:sldId id="264" r:id="rId6"/>
-    <p:sldId id="265" r:id="rId7"/>
-    <p:sldId id="278" r:id="rId8"/>
-    <p:sldId id="279" r:id="rId9"/>
-    <p:sldId id="280" r:id="rId10"/>
-    <p:sldId id="281" r:id="rId11"/>
-    <p:sldId id="258" r:id="rId12"/>
-    <p:sldId id="266" r:id="rId13"/>
-    <p:sldId id="259" r:id="rId14"/>
-    <p:sldId id="267" r:id="rId15"/>
-    <p:sldId id="268" r:id="rId16"/>
-    <p:sldId id="273" r:id="rId17"/>
-    <p:sldId id="274" r:id="rId18"/>
-    <p:sldId id="275" r:id="rId19"/>
-    <p:sldId id="260" r:id="rId20"/>
-    <p:sldId id="269" r:id="rId21"/>
-    <p:sldId id="270" r:id="rId22"/>
-    <p:sldId id="271" r:id="rId23"/>
-    <p:sldId id="272" r:id="rId24"/>
-    <p:sldId id="261" r:id="rId25"/>
-    <p:sldId id="276" r:id="rId26"/>
-    <p:sldId id="277" r:id="rId27"/>
-    <p:sldId id="282" r:id="rId28"/>
+    <p:sldId id="285" r:id="rId4"/>
+    <p:sldId id="284" r:id="rId5"/>
+    <p:sldId id="286" r:id="rId6"/>
+    <p:sldId id="257" r:id="rId7"/>
+    <p:sldId id="264" r:id="rId8"/>
+    <p:sldId id="265" r:id="rId9"/>
+    <p:sldId id="278" r:id="rId10"/>
+    <p:sldId id="289" r:id="rId11"/>
+    <p:sldId id="280" r:id="rId12"/>
+    <p:sldId id="290" r:id="rId13"/>
+    <p:sldId id="258" r:id="rId14"/>
+    <p:sldId id="266" r:id="rId15"/>
+    <p:sldId id="259" r:id="rId16"/>
+    <p:sldId id="267" r:id="rId17"/>
+    <p:sldId id="268" r:id="rId18"/>
+    <p:sldId id="273" r:id="rId19"/>
+    <p:sldId id="274" r:id="rId20"/>
+    <p:sldId id="291" r:id="rId21"/>
+    <p:sldId id="260" r:id="rId22"/>
+    <p:sldId id="292" r:id="rId23"/>
+    <p:sldId id="269" r:id="rId24"/>
+    <p:sldId id="270" r:id="rId25"/>
+    <p:sldId id="293" r:id="rId26"/>
+    <p:sldId id="271" r:id="rId27"/>
+    <p:sldId id="272" r:id="rId28"/>
+    <p:sldId id="294" r:id="rId29"/>
+    <p:sldId id="261" r:id="rId30"/>
+    <p:sldId id="276" r:id="rId31"/>
+    <p:sldId id="277" r:id="rId32"/>
+    <p:sldId id="282" r:id="rId33"/>
   </p:sldIdLst>
   <p:sldSz cx="12192000" cy="6858000"/>
   <p:notesSz cx="6858000" cy="9144000"/>
@@ -5839,15 +5844,24 @@
             <p:ph type="subTitle" idx="1"/>
           </p:nvPr>
         </p:nvSpPr>
-        <p:spPr/>
-        <p:txBody>
-          <a:bodyPr/>
-          <a:lstStyle/>
-          <a:p>
-            <a:r>
-              <a:rPr lang="en-US" dirty="0" smtClean="0"/>
+        <p:spPr>
+          <a:xfrm>
+            <a:off x="1507067" y="4050833"/>
+            <a:ext cx="7766936" cy="1716122"/>
+          </a:xfrm>
+        </p:spPr>
+        <p:txBody>
+          <a:bodyPr/>
+          <a:lstStyle/>
+          <a:p>
+            <a:r>
+              <a:rPr lang="en-US" b="1" dirty="0" smtClean="0"/>
               <a:t>For ACS 560 at Indiana-Purdue University, Fort Wayne</a:t>
             </a:r>
+            <a:r>
+              <a:rPr lang="en-US" dirty="0" smtClean="0"/>
+              <a:t/>
+            </a:r>
             <a:br>
               <a:rPr lang="en-US" dirty="0" smtClean="0"/>
             </a:br>
@@ -5858,14 +5872,189 @@
             <a:br>
               <a:rPr lang="en-US" dirty="0" smtClean="0"/>
             </a:br>
-            <a:r>
-              <a:rPr lang="en-US" dirty="0" smtClean="0"/>
-              <a:t>Andy Garcia &amp; Matt Parker</a:t>
-            </a:r>
-            <a:endParaRPr lang="en-US" dirty="0"/>
-          </a:p>
-        </p:txBody>
-      </p:sp>
+            <a:endParaRPr lang="en-US" dirty="0"/>
+          </a:p>
+        </p:txBody>
+      </p:sp>
+      <p:graphicFrame>
+        <p:nvGraphicFramePr>
+          <p:cNvPr id="5" name="Table 4"/>
+          <p:cNvGraphicFramePr>
+            <a:graphicFrameLocks noGrp="1"/>
+          </p:cNvGraphicFramePr>
+          <p:nvPr>
+            <p:extLst>
+              <p:ext uri="{D42A27DB-BD31-4B8C-83A1-F6EECF244321}">
+                <p14:modId xmlns:p14="http://schemas.microsoft.com/office/powerpoint/2010/main" val="2115717116"/>
+              </p:ext>
+            </p:extLst>
+          </p:nvPr>
+        </p:nvGraphicFramePr>
+        <p:xfrm>
+          <a:off x="6323446" y="4540595"/>
+          <a:ext cx="3049154" cy="736600"/>
+        </p:xfrm>
+        <a:graphic>
+          <a:graphicData uri="http://schemas.openxmlformats.org/drawingml/2006/table">
+            <a:tbl>
+              <a:tblPr firstRow="1" bandRow="1">
+                <a:tableStyleId>{5C22544A-7EE6-4342-B048-85BDC9FD1C3A}</a:tableStyleId>
+              </a:tblPr>
+              <a:tblGrid>
+                <a:gridCol w="1500908"/>
+                <a:gridCol w="1548246"/>
+              </a:tblGrid>
+              <a:tr h="216582">
+                <a:tc>
+                  <a:txBody>
+                    <a:bodyPr/>
+                    <a:lstStyle/>
+                    <a:p>
+                      <a:pPr algn="ctr"/>
+                      <a:r>
+                        <a:rPr lang="en-US" b="0" dirty="0" smtClean="0">
+                          <a:solidFill>
+                            <a:schemeClr val="tx1">
+                              <a:lumMod val="50000"/>
+                              <a:lumOff val="50000"/>
+                            </a:schemeClr>
+                          </a:solidFill>
+                        </a:rPr>
+                        <a:t>Andy Garcia</a:t>
+                      </a:r>
+                      <a:endParaRPr lang="en-US" b="0" dirty="0">
+                        <a:solidFill>
+                          <a:schemeClr val="tx1">
+                            <a:lumMod val="50000"/>
+                            <a:lumOff val="50000"/>
+                          </a:schemeClr>
+                        </a:solidFill>
+                      </a:endParaRPr>
+                    </a:p>
+                  </a:txBody>
+                  <a:tcPr>
+                    <a:solidFill>
+                      <a:schemeClr val="bg1"/>
+                    </a:solidFill>
+                  </a:tcPr>
+                </a:tc>
+                <a:tc>
+                  <a:txBody>
+                    <a:bodyPr/>
+                    <a:lstStyle/>
+                    <a:p>
+                      <a:pPr algn="ctr"/>
+                      <a:r>
+                        <a:rPr lang="en-US" b="0" dirty="0" smtClean="0">
+                          <a:solidFill>
+                            <a:schemeClr val="tx1">
+                              <a:lumMod val="50000"/>
+                              <a:lumOff val="50000"/>
+                            </a:schemeClr>
+                          </a:solidFill>
+                        </a:rPr>
+                        <a:t>Matt</a:t>
+                      </a:r>
+                      <a:r>
+                        <a:rPr lang="en-US" b="0" baseline="0" dirty="0" smtClean="0">
+                          <a:solidFill>
+                            <a:schemeClr val="tx1">
+                              <a:lumMod val="50000"/>
+                              <a:lumOff val="50000"/>
+                            </a:schemeClr>
+                          </a:solidFill>
+                        </a:rPr>
+                        <a:t> Parker</a:t>
+                      </a:r>
+                      <a:endParaRPr lang="en-US" b="0" dirty="0">
+                        <a:solidFill>
+                          <a:schemeClr val="tx1">
+                            <a:lumMod val="50000"/>
+                            <a:lumOff val="50000"/>
+                          </a:schemeClr>
+                        </a:solidFill>
+                      </a:endParaRPr>
+                    </a:p>
+                  </a:txBody>
+                  <a:tcPr>
+                    <a:solidFill>
+                      <a:schemeClr val="bg1"/>
+                    </a:solidFill>
+                  </a:tcPr>
+                </a:tc>
+              </a:tr>
+              <a:tr h="370840">
+                <a:tc>
+                  <a:txBody>
+                    <a:bodyPr/>
+                    <a:lstStyle/>
+                    <a:p>
+                      <a:pPr algn="ctr"/>
+                      <a:r>
+                        <a:rPr lang="en-US" dirty="0" smtClean="0">
+                          <a:solidFill>
+                            <a:schemeClr val="tx1">
+                              <a:lumMod val="50000"/>
+                              <a:lumOff val="50000"/>
+                            </a:schemeClr>
+                          </a:solidFill>
+                        </a:rPr>
+                        <a:t>garciaac01</a:t>
+                      </a:r>
+                      <a:endParaRPr lang="en-US" dirty="0">
+                        <a:solidFill>
+                          <a:schemeClr val="tx1">
+                            <a:lumMod val="50000"/>
+                            <a:lumOff val="50000"/>
+                          </a:schemeClr>
+                        </a:solidFill>
+                      </a:endParaRPr>
+                    </a:p>
+                  </a:txBody>
+                  <a:tcPr>
+                    <a:solidFill>
+                      <a:schemeClr val="bg1"/>
+                    </a:solidFill>
+                  </a:tcPr>
+                </a:tc>
+                <a:tc>
+                  <a:txBody>
+                    <a:bodyPr/>
+                    <a:lstStyle/>
+                    <a:p>
+                      <a:pPr algn="ctr"/>
+                      <a:r>
+                        <a:rPr lang="en-US" dirty="0" smtClean="0">
+                          <a:solidFill>
+                            <a:schemeClr val="tx1">
+                              <a:lumMod val="50000"/>
+                              <a:lumOff val="50000"/>
+                            </a:schemeClr>
+                          </a:solidFill>
+                        </a:rPr>
+                        <a:t>mcparker76</a:t>
+                      </a:r>
+                      <a:endParaRPr lang="en-US" dirty="0">
+                        <a:solidFill>
+                          <a:schemeClr val="tx1">
+                            <a:lumMod val="50000"/>
+                            <a:lumOff val="50000"/>
+                          </a:schemeClr>
+                        </a:solidFill>
+                      </a:endParaRPr>
+                    </a:p>
+                  </a:txBody>
+                  <a:tcPr>
+                    <a:solidFill>
+                      <a:schemeClr val="bg1"/>
+                    </a:solidFill>
+                  </a:tcPr>
+                </a:tc>
+              </a:tr>
+            </a:tbl>
+          </a:graphicData>
+        </a:graphic>
+      </p:graphicFrame>
     </p:spTree>
     <p:extLst>
       <p:ext uri="{BB962C8B-B14F-4D97-AF65-F5344CB8AC3E}">
@@ -5913,7 +6102,7 @@
           <a:p>
             <a:r>
               <a:rPr lang="en-US" dirty="0" smtClean="0"/>
-              <a:t>Shopping List, Remove—Server Side Implementation</a:t>
+              <a:t>Shopping List, Add—Server Side Implementation</a:t>
             </a:r>
             <a:endParaRPr lang="en-US" dirty="0"/>
           </a:p>
@@ -5929,19 +6118,150 @@
             <p:ph idx="1"/>
           </p:nvPr>
         </p:nvSpPr>
-        <p:spPr/>
-        <p:txBody>
-          <a:bodyPr/>
-          <a:lstStyle/>
-          <a:p>
-            <a:endParaRPr lang="en-US"/>
-          </a:p>
-        </p:txBody>
-      </p:sp>
+        <p:spPr>
+          <a:xfrm>
+            <a:off x="677334" y="2160589"/>
+            <a:ext cx="8596668" cy="4354511"/>
+          </a:xfrm>
+        </p:spPr>
+        <p:txBody>
+          <a:bodyPr>
+            <a:normAutofit lnSpcReduction="10000"/>
+          </a:bodyPr>
+          <a:lstStyle/>
+          <a:p>
+            <a:endParaRPr lang="en-US" dirty="0" smtClean="0"/>
+          </a:p>
+          <a:p>
+            <a:endParaRPr lang="en-US" dirty="0"/>
+          </a:p>
+          <a:p>
+            <a:endParaRPr lang="en-US" dirty="0" smtClean="0"/>
+          </a:p>
+          <a:p>
+            <a:endParaRPr lang="en-US" dirty="0" smtClean="0"/>
+          </a:p>
+          <a:p>
+            <a:endParaRPr lang="en-US" dirty="0" smtClean="0"/>
+          </a:p>
+          <a:p>
+            <a:r>
+              <a:rPr lang="en-US" dirty="0"/>
+              <a:t>Same functionality as Adding to list</a:t>
+            </a:r>
+          </a:p>
+          <a:p>
+            <a:r>
+              <a:rPr lang="en-US" dirty="0" smtClean="0"/>
+              <a:t>express module parses route to those that end in /user/:</a:t>
+            </a:r>
+            <a:r>
+              <a:rPr lang="en-US" dirty="0" err="1" smtClean="0"/>
+              <a:t>user_id</a:t>
+            </a:r>
+            <a:endParaRPr lang="en-US" dirty="0" smtClean="0"/>
+          </a:p>
+          <a:p>
+            <a:r>
+              <a:rPr lang="en-US" dirty="0" err="1" smtClean="0"/>
+              <a:t>req</a:t>
+            </a:r>
+            <a:r>
+              <a:rPr lang="en-US" dirty="0" smtClean="0"/>
+              <a:t> </a:t>
+            </a:r>
+            <a:r>
+              <a:rPr lang="en-US" dirty="0"/>
+              <a:t>is JSON request object containing updated </a:t>
+            </a:r>
+            <a:r>
+              <a:rPr lang="en-US" dirty="0" smtClean="0"/>
+              <a:t>information</a:t>
+            </a:r>
+          </a:p>
+          <a:p>
+            <a:r>
+              <a:rPr lang="en-US" dirty="0" err="1" smtClean="0"/>
+              <a:t>req</a:t>
+            </a:r>
+            <a:r>
+              <a:rPr lang="en-US" dirty="0" smtClean="0"/>
+              <a:t> also includes parameter with user id</a:t>
+            </a:r>
+            <a:endParaRPr lang="en-US" dirty="0"/>
+          </a:p>
+          <a:p>
+            <a:r>
+              <a:rPr lang="en-US" dirty="0" smtClean="0"/>
+              <a:t>Uses the mongoose method </a:t>
+            </a:r>
+            <a:r>
+              <a:rPr lang="en-US" dirty="0" err="1" smtClean="0"/>
+              <a:t>findByIdAndUpdate</a:t>
+            </a:r>
+            <a:endParaRPr lang="en-US" dirty="0" smtClean="0"/>
+          </a:p>
+          <a:p>
+            <a:r>
+              <a:rPr lang="en-US" dirty="0" smtClean="0"/>
+              <a:t>Returns error http response or returns http ok response</a:t>
+            </a:r>
+            <a:endParaRPr lang="en-US" dirty="0" smtClean="0"/>
+          </a:p>
+        </p:txBody>
+      </p:sp>
+      <p:pic>
+        <p:nvPicPr>
+          <p:cNvPr id="4" name="Picture 3"/>
+          <p:cNvPicPr>
+            <a:picLocks noChangeAspect="1"/>
+          </p:cNvPicPr>
+          <p:nvPr/>
+        </p:nvPicPr>
+        <p:blipFill>
+          <a:blip r:embed="rId2"/>
+          <a:stretch>
+            <a:fillRect/>
+          </a:stretch>
+        </p:blipFill>
+        <p:spPr>
+          <a:xfrm>
+            <a:off x="850756" y="2319800"/>
+            <a:ext cx="6562725" cy="1781175"/>
+          </a:xfrm>
+          <a:prstGeom prst="rect">
+            <a:avLst/>
+          </a:prstGeom>
+        </p:spPr>
+      </p:pic>
+      <p:pic>
+        <p:nvPicPr>
+          <p:cNvPr id="6" name="Picture 5"/>
+          <p:cNvPicPr>
+            <a:picLocks noChangeAspect="1"/>
+          </p:cNvPicPr>
+          <p:nvPr/>
+        </p:nvPicPr>
+        <p:blipFill>
+          <a:blip r:embed="rId3"/>
+          <a:stretch>
+            <a:fillRect/>
+          </a:stretch>
+        </p:blipFill>
+        <p:spPr>
+          <a:xfrm>
+            <a:off x="677334" y="2072150"/>
+            <a:ext cx="2381250" cy="247650"/>
+          </a:xfrm>
+          <a:prstGeom prst="rect">
+            <a:avLst/>
+          </a:prstGeom>
+        </p:spPr>
+      </p:pic>
     </p:spTree>
     <p:extLst>
       <p:ext uri="{BB962C8B-B14F-4D97-AF65-F5344CB8AC3E}">
-        <p14:creationId xmlns:p14="http://schemas.microsoft.com/office/powerpoint/2010/main" val="1923779810"/>
+        <p14:creationId xmlns:p14="http://schemas.microsoft.com/office/powerpoint/2010/main" val="583713491"/>
       </p:ext>
     </p:extLst>
   </p:cSld>
@@ -5985,7 +6305,7 @@
           <a:p>
             <a:r>
               <a:rPr lang="en-US" dirty="0" smtClean="0"/>
-              <a:t>Functional Requirement—API Deals</a:t>
+              <a:t>Shopping List, Remove—Client Side Implementation</a:t>
             </a:r>
             <a:endParaRPr lang="en-US" dirty="0"/>
           </a:p>
@@ -6006,22 +6326,14 @@
           <a:bodyPr/>
           <a:lstStyle/>
           <a:p>
-            <a:r>
-              <a:rPr lang="en-US" dirty="0"/>
-              <a:t>2. Users will be able to search for sale prices at supported stores for an item in their shopping list. </a:t>
-            </a:r>
-            <a:r>
-              <a:rPr lang="en-US" i="1" dirty="0"/>
-              <a:t>(This will allow users to find prices for an item of interest.)</a:t>
-            </a:r>
-            <a:endParaRPr lang="en-US" dirty="0"/>
+            <a:endParaRPr lang="en-US"/>
           </a:p>
         </p:txBody>
       </p:sp>
     </p:spTree>
     <p:extLst>
       <p:ext uri="{BB962C8B-B14F-4D97-AF65-F5344CB8AC3E}">
-        <p14:creationId xmlns:p14="http://schemas.microsoft.com/office/powerpoint/2010/main" val="3396351313"/>
+        <p14:creationId xmlns:p14="http://schemas.microsoft.com/office/powerpoint/2010/main" val="1743933881"/>
       </p:ext>
     </p:extLst>
   </p:cSld>
@@ -6065,7 +6377,7 @@
           <a:p>
             <a:r>
               <a:rPr lang="en-US" dirty="0" smtClean="0"/>
-              <a:t>API Deals—Client Side Implementation</a:t>
+              <a:t>Shopping List, Add—Server Side Implementation</a:t>
             </a:r>
             <a:endParaRPr lang="en-US" dirty="0"/>
           </a:p>
@@ -6081,19 +6393,155 @@
             <p:ph idx="1"/>
           </p:nvPr>
         </p:nvSpPr>
-        <p:spPr/>
-        <p:txBody>
-          <a:bodyPr/>
-          <a:lstStyle/>
-          <a:p>
-            <a:endParaRPr lang="en-US"/>
-          </a:p>
-        </p:txBody>
-      </p:sp>
+        <p:spPr>
+          <a:xfrm>
+            <a:off x="677334" y="2160589"/>
+            <a:ext cx="8596668" cy="4354511"/>
+          </a:xfrm>
+        </p:spPr>
+        <p:txBody>
+          <a:bodyPr>
+            <a:normAutofit lnSpcReduction="10000"/>
+          </a:bodyPr>
+          <a:lstStyle/>
+          <a:p>
+            <a:endParaRPr lang="en-US" dirty="0" smtClean="0"/>
+          </a:p>
+          <a:p>
+            <a:endParaRPr lang="en-US" dirty="0"/>
+          </a:p>
+          <a:p>
+            <a:endParaRPr lang="en-US" dirty="0" smtClean="0"/>
+          </a:p>
+          <a:p>
+            <a:endParaRPr lang="en-US" dirty="0" smtClean="0"/>
+          </a:p>
+          <a:p>
+            <a:endParaRPr lang="en-US" dirty="0" smtClean="0"/>
+          </a:p>
+          <a:p>
+            <a:r>
+              <a:rPr lang="en-US" dirty="0"/>
+              <a:t>Same functionality as Adding to </a:t>
+            </a:r>
+            <a:r>
+              <a:rPr lang="en-US" dirty="0" smtClean="0"/>
+              <a:t>list and Editing list</a:t>
+            </a:r>
+            <a:endParaRPr lang="en-US" dirty="0"/>
+          </a:p>
+          <a:p>
+            <a:r>
+              <a:rPr lang="en-US" dirty="0" smtClean="0"/>
+              <a:t>express module parses route to those that end in /user/:</a:t>
+            </a:r>
+            <a:r>
+              <a:rPr lang="en-US" dirty="0" err="1" smtClean="0"/>
+              <a:t>user_id</a:t>
+            </a:r>
+            <a:endParaRPr lang="en-US" dirty="0" smtClean="0"/>
+          </a:p>
+          <a:p>
+            <a:r>
+              <a:rPr lang="en-US" dirty="0" err="1" smtClean="0"/>
+              <a:t>req</a:t>
+            </a:r>
+            <a:r>
+              <a:rPr lang="en-US" dirty="0" smtClean="0"/>
+              <a:t> </a:t>
+            </a:r>
+            <a:r>
+              <a:rPr lang="en-US" dirty="0"/>
+              <a:t>is JSON request object containing updated </a:t>
+            </a:r>
+            <a:r>
+              <a:rPr lang="en-US" dirty="0" smtClean="0"/>
+              <a:t>information</a:t>
+            </a:r>
+          </a:p>
+          <a:p>
+            <a:r>
+              <a:rPr lang="en-US" dirty="0" err="1" smtClean="0"/>
+              <a:t>req</a:t>
+            </a:r>
+            <a:r>
+              <a:rPr lang="en-US" dirty="0" smtClean="0"/>
+              <a:t> also includes parameter with user id</a:t>
+            </a:r>
+            <a:endParaRPr lang="en-US" dirty="0"/>
+          </a:p>
+          <a:p>
+            <a:r>
+              <a:rPr lang="en-US" dirty="0" smtClean="0"/>
+              <a:t>Uses the mongoose method </a:t>
+            </a:r>
+            <a:r>
+              <a:rPr lang="en-US" dirty="0" err="1" smtClean="0"/>
+              <a:t>findByIdAndUpdate</a:t>
+            </a:r>
+            <a:endParaRPr lang="en-US" dirty="0" smtClean="0"/>
+          </a:p>
+          <a:p>
+            <a:r>
+              <a:rPr lang="en-US" dirty="0" smtClean="0"/>
+              <a:t>Returns error http response or returns http ok response</a:t>
+            </a:r>
+            <a:endParaRPr lang="en-US" dirty="0" smtClean="0"/>
+          </a:p>
+        </p:txBody>
+      </p:sp>
+      <p:pic>
+        <p:nvPicPr>
+          <p:cNvPr id="4" name="Picture 3"/>
+          <p:cNvPicPr>
+            <a:picLocks noChangeAspect="1"/>
+          </p:cNvPicPr>
+          <p:nvPr/>
+        </p:nvPicPr>
+        <p:blipFill>
+          <a:blip r:embed="rId2"/>
+          <a:stretch>
+            <a:fillRect/>
+          </a:stretch>
+        </p:blipFill>
+        <p:spPr>
+          <a:xfrm>
+            <a:off x="850756" y="2319800"/>
+            <a:ext cx="6562725" cy="1781175"/>
+          </a:xfrm>
+          <a:prstGeom prst="rect">
+            <a:avLst/>
+          </a:prstGeom>
+        </p:spPr>
+      </p:pic>
+      <p:pic>
+        <p:nvPicPr>
+          <p:cNvPr id="6" name="Picture 5"/>
+          <p:cNvPicPr>
+            <a:picLocks noChangeAspect="1"/>
+          </p:cNvPicPr>
+          <p:nvPr/>
+        </p:nvPicPr>
+        <p:blipFill>
+          <a:blip r:embed="rId3"/>
+          <a:stretch>
+            <a:fillRect/>
+          </a:stretch>
+        </p:blipFill>
+        <p:spPr>
+          <a:xfrm>
+            <a:off x="677334" y="2072150"/>
+            <a:ext cx="2381250" cy="247650"/>
+          </a:xfrm>
+          <a:prstGeom prst="rect">
+            <a:avLst/>
+          </a:prstGeom>
+        </p:spPr>
+      </p:pic>
     </p:spTree>
     <p:extLst>
       <p:ext uri="{BB962C8B-B14F-4D97-AF65-F5344CB8AC3E}">
-        <p14:creationId xmlns:p14="http://schemas.microsoft.com/office/powerpoint/2010/main" val="2221208027"/>
+        <p14:creationId xmlns:p14="http://schemas.microsoft.com/office/powerpoint/2010/main" val="3293991679"/>
       </p:ext>
     </p:extLst>
   </p:cSld>
@@ -6137,7 +6585,7 @@
           <a:p>
             <a:r>
               <a:rPr lang="en-US" dirty="0" smtClean="0"/>
-              <a:t>Functional Requirement—User Deals</a:t>
+              <a:t>Functional Requirement—API Deals</a:t>
             </a:r>
             <a:endParaRPr lang="en-US" dirty="0"/>
           </a:p>
@@ -6160,47 +6608,12 @@
           <a:p>
             <a:r>
               <a:rPr lang="en-US" dirty="0"/>
-              <a:t>3. Users will be able to add an item that is available for sale to the system.  </a:t>
+              <a:t>2. Users will be able to search for sale prices at supported stores for an item in their shopping list. </a:t>
             </a:r>
             <a:r>
               <a:rPr lang="en-US" i="1" dirty="0"/>
-              <a:t>(This allows users to add items that are not located by Requirement 2</a:t>
-            </a:r>
-            <a:r>
-              <a:rPr lang="en-US" i="1" dirty="0" smtClean="0"/>
-              <a:t>.)</a:t>
-            </a:r>
-          </a:p>
-          <a:p>
-            <a:r>
-              <a:rPr lang="en-US" dirty="0" smtClean="0"/>
-              <a:t>4. Users </a:t>
-            </a:r>
-            <a:r>
-              <a:rPr lang="en-US" dirty="0"/>
-              <a:t>will be able to validate whether an item is available at a sales price. </a:t>
-            </a:r>
-            <a:r>
-              <a:rPr lang="en-US" i="1" dirty="0"/>
-              <a:t>(This allows users to determine whether an item is still available</a:t>
-            </a:r>
-            <a:r>
-              <a:rPr lang="en-US" i="1" dirty="0" smtClean="0"/>
-              <a:t>.)</a:t>
-            </a:r>
-          </a:p>
-          <a:p>
-            <a:r>
-              <a:rPr lang="en-US" dirty="0"/>
-              <a:t>5. Expired user-created deals will not appear in search results.  </a:t>
-            </a:r>
-            <a:r>
-              <a:rPr lang="en-US" i="1" dirty="0"/>
-              <a:t>(This feature is necessary for ensuring that only valid deals appear.)</a:t>
-            </a:r>
-            <a:endParaRPr lang="en-US" dirty="0"/>
-          </a:p>
-          <a:p>
+              <a:t>(This will allow users to find prices for an item of interest.)</a:t>
+            </a:r>
             <a:endParaRPr lang="en-US" dirty="0"/>
           </a:p>
         </p:txBody>
@@ -6208,7 +6621,7 @@
     </p:spTree>
     <p:extLst>
       <p:ext uri="{BB962C8B-B14F-4D97-AF65-F5344CB8AC3E}">
-        <p14:creationId xmlns:p14="http://schemas.microsoft.com/office/powerpoint/2010/main" val="3002737573"/>
+        <p14:creationId xmlns:p14="http://schemas.microsoft.com/office/powerpoint/2010/main" val="3396351313"/>
       </p:ext>
     </p:extLst>
   </p:cSld>
@@ -6252,7 +6665,7 @@
           <a:p>
             <a:r>
               <a:rPr lang="en-US" dirty="0" smtClean="0"/>
-              <a:t>User Deals, Add—Client Side Implementation</a:t>
+              <a:t>API Deals—Client Side Implementation</a:t>
             </a:r>
             <a:endParaRPr lang="en-US" dirty="0"/>
           </a:p>
@@ -6280,7 +6693,7 @@
     </p:spTree>
     <p:extLst>
       <p:ext uri="{BB962C8B-B14F-4D97-AF65-F5344CB8AC3E}">
-        <p14:creationId xmlns:p14="http://schemas.microsoft.com/office/powerpoint/2010/main" val="449716672"/>
+        <p14:creationId xmlns:p14="http://schemas.microsoft.com/office/powerpoint/2010/main" val="2221208027"/>
       </p:ext>
     </p:extLst>
   </p:cSld>
@@ -6324,7 +6737,7 @@
           <a:p>
             <a:r>
               <a:rPr lang="en-US" dirty="0" smtClean="0"/>
-              <a:t>User Deals, Add—Server Side Implementation</a:t>
+              <a:t>Functional Requirement—User Deals</a:t>
             </a:r>
             <a:endParaRPr lang="en-US" dirty="0"/>
           </a:p>
@@ -6345,14 +6758,57 @@
           <a:bodyPr/>
           <a:lstStyle/>
           <a:p>
-            <a:endParaRPr lang="en-US"/>
+            <a:r>
+              <a:rPr lang="en-US" dirty="0"/>
+              <a:t>3. Users will be able to add an item that is available for sale to the system.  </a:t>
+            </a:r>
+            <a:r>
+              <a:rPr lang="en-US" i="1" dirty="0"/>
+              <a:t>(This allows users to add items that are not located by Requirement 2</a:t>
+            </a:r>
+            <a:r>
+              <a:rPr lang="en-US" i="1" dirty="0" smtClean="0"/>
+              <a:t>.)</a:t>
+            </a:r>
+          </a:p>
+          <a:p>
+            <a:r>
+              <a:rPr lang="en-US" dirty="0" smtClean="0"/>
+              <a:t>4. Users </a:t>
+            </a:r>
+            <a:r>
+              <a:rPr lang="en-US" dirty="0"/>
+              <a:t>will be able to validate whether an item is available at a sales price. </a:t>
+            </a:r>
+            <a:r>
+              <a:rPr lang="en-US" i="1" dirty="0"/>
+              <a:t>(This allows users to determine whether an item is still available</a:t>
+            </a:r>
+            <a:r>
+              <a:rPr lang="en-US" i="1" dirty="0" smtClean="0"/>
+              <a:t>.)</a:t>
+            </a:r>
+          </a:p>
+          <a:p>
+            <a:r>
+              <a:rPr lang="en-US" dirty="0"/>
+              <a:t>5. Expired user-created deals will not appear in search results.  </a:t>
+            </a:r>
+            <a:r>
+              <a:rPr lang="en-US" i="1" dirty="0"/>
+              <a:t>(This feature is necessary for ensuring that only valid deals appear.)</a:t>
+            </a:r>
+            <a:endParaRPr lang="en-US" dirty="0"/>
+          </a:p>
+          <a:p>
+            <a:endParaRPr lang="en-US" dirty="0"/>
           </a:p>
         </p:txBody>
       </p:sp>
     </p:spTree>
     <p:extLst>
       <p:ext uri="{BB962C8B-B14F-4D97-AF65-F5344CB8AC3E}">
-        <p14:creationId xmlns:p14="http://schemas.microsoft.com/office/powerpoint/2010/main" val="100306373"/>
+        <p14:creationId xmlns:p14="http://schemas.microsoft.com/office/powerpoint/2010/main" val="3002737573"/>
       </p:ext>
     </p:extLst>
   </p:cSld>
@@ -6396,7 +6852,7 @@
           <a:p>
             <a:r>
               <a:rPr lang="en-US" dirty="0" smtClean="0"/>
-              <a:t>User Deals, Validate—Client Side Implementation</a:t>
+              <a:t>User Deals, Add—Client Side Implementation</a:t>
             </a:r>
             <a:endParaRPr lang="en-US" dirty="0"/>
           </a:p>
@@ -6424,7 +6880,7 @@
     </p:spTree>
     <p:extLst>
       <p:ext uri="{BB962C8B-B14F-4D97-AF65-F5344CB8AC3E}">
-        <p14:creationId xmlns:p14="http://schemas.microsoft.com/office/powerpoint/2010/main" val="2954434646"/>
+        <p14:creationId xmlns:p14="http://schemas.microsoft.com/office/powerpoint/2010/main" val="449716672"/>
       </p:ext>
     </p:extLst>
   </p:cSld>
@@ -6468,7 +6924,7 @@
           <a:p>
             <a:r>
               <a:rPr lang="en-US" dirty="0" smtClean="0"/>
-              <a:t>User Deals, Validate—Server Side Implementation</a:t>
+              <a:t>User Deals, Add—Server Side Implementation</a:t>
             </a:r>
             <a:endParaRPr lang="en-US" dirty="0"/>
           </a:p>
@@ -6484,19 +6940,82 @@
             <p:ph idx="1"/>
           </p:nvPr>
         </p:nvSpPr>
-        <p:spPr/>
-        <p:txBody>
-          <a:bodyPr/>
-          <a:lstStyle/>
-          <a:p>
-            <a:endParaRPr lang="en-US"/>
-          </a:p>
-        </p:txBody>
-      </p:sp>
+        <p:spPr>
+          <a:xfrm>
+            <a:off x="677334" y="2160589"/>
+            <a:ext cx="3634893" cy="3880773"/>
+          </a:xfrm>
+        </p:spPr>
+        <p:txBody>
+          <a:bodyPr>
+            <a:normAutofit/>
+          </a:bodyPr>
+          <a:lstStyle/>
+          <a:p>
+            <a:r>
+              <a:rPr lang="en-US" dirty="0" smtClean="0"/>
+              <a:t>Uses mongoose find method to determine whether a deal with same name, </a:t>
+            </a:r>
+            <a:r>
+              <a:rPr lang="en-US" dirty="0" err="1" smtClean="0"/>
+              <a:t>userid</a:t>
+            </a:r>
+            <a:r>
+              <a:rPr lang="en-US" dirty="0" smtClean="0"/>
+              <a:t>, and </a:t>
+            </a:r>
+            <a:r>
+              <a:rPr lang="en-US" dirty="0" err="1" smtClean="0"/>
+              <a:t>storename</a:t>
+            </a:r>
+            <a:r>
+              <a:rPr lang="en-US" dirty="0" smtClean="0"/>
+              <a:t> exists</a:t>
+            </a:r>
+          </a:p>
+          <a:p>
+            <a:r>
+              <a:rPr lang="en-US" dirty="0" smtClean="0"/>
+              <a:t>Otherwise, the request is parsed and added to database using mongoose save method</a:t>
+            </a:r>
+          </a:p>
+          <a:p>
+            <a:r>
+              <a:rPr lang="en-US" dirty="0" smtClean="0"/>
+              <a:t>Response is either error, 403 (forbidden), or success</a:t>
+            </a:r>
+            <a:endParaRPr lang="en-US" dirty="0"/>
+          </a:p>
+        </p:txBody>
+      </p:sp>
+      <p:pic>
+        <p:nvPicPr>
+          <p:cNvPr id="4" name="Picture 3"/>
+          <p:cNvPicPr>
+            <a:picLocks noChangeAspect="1"/>
+          </p:cNvPicPr>
+          <p:nvPr/>
+        </p:nvPicPr>
+        <p:blipFill>
+          <a:blip r:embed="rId2"/>
+          <a:stretch>
+            <a:fillRect/>
+          </a:stretch>
+        </p:blipFill>
+        <p:spPr>
+          <a:xfrm>
+            <a:off x="4416135" y="1785779"/>
+            <a:ext cx="7367155" cy="4630391"/>
+          </a:xfrm>
+          <a:prstGeom prst="rect">
+            <a:avLst/>
+          </a:prstGeom>
+        </p:spPr>
+      </p:pic>
     </p:spTree>
     <p:extLst>
       <p:ext uri="{BB962C8B-B14F-4D97-AF65-F5344CB8AC3E}">
-        <p14:creationId xmlns:p14="http://schemas.microsoft.com/office/powerpoint/2010/main" val="1348877492"/>
+        <p14:creationId xmlns:p14="http://schemas.microsoft.com/office/powerpoint/2010/main" val="100306373"/>
       </p:ext>
     </p:extLst>
   </p:cSld>
@@ -6540,7 +7059,7 @@
           <a:p>
             <a:r>
               <a:rPr lang="en-US" dirty="0" smtClean="0"/>
-              <a:t>User Deals, Expire—Server Side Implementation</a:t>
+              <a:t>User Deals, Validate—Client Side Implementation</a:t>
             </a:r>
             <a:endParaRPr lang="en-US" dirty="0"/>
           </a:p>
@@ -6568,7 +7087,7 @@
     </p:spTree>
     <p:extLst>
       <p:ext uri="{BB962C8B-B14F-4D97-AF65-F5344CB8AC3E}">
-        <p14:creationId xmlns:p14="http://schemas.microsoft.com/office/powerpoint/2010/main" val="2455070259"/>
+        <p14:creationId xmlns:p14="http://schemas.microsoft.com/office/powerpoint/2010/main" val="2954434646"/>
       </p:ext>
     </p:extLst>
   </p:cSld>
@@ -6612,7 +7131,7 @@
           <a:p>
             <a:r>
               <a:rPr lang="en-US" dirty="0" smtClean="0"/>
-              <a:t>Functional Requirement--Database</a:t>
+              <a:t>User Deals, Validate—Server Side Implementation</a:t>
             </a:r>
             <a:endParaRPr lang="en-US" dirty="0"/>
           </a:p>
@@ -6630,25 +7149,63 @@
         </p:nvSpPr>
         <p:spPr/>
         <p:txBody>
-          <a:bodyPr/>
-          <a:lstStyle/>
-          <a:p>
-            <a:r>
-              <a:rPr lang="en-US" dirty="0"/>
-              <a:t>6. User information and user-created deals will be stored in a database. </a:t>
-            </a:r>
-            <a:r>
-              <a:rPr lang="en-US" i="1" dirty="0"/>
-              <a:t>(This is an essential feature ensuring that information is stored.)</a:t>
-            </a:r>
-            <a:endParaRPr lang="en-US" dirty="0"/>
+          <a:bodyPr>
+            <a:normAutofit lnSpcReduction="10000"/>
+          </a:bodyPr>
+          <a:lstStyle/>
+          <a:p>
+            <a:r>
+              <a:rPr lang="en-US" dirty="0" smtClean="0"/>
+              <a:t>Since MongoDB does not support joining of tables (because there are no tables), this is implemented using count fields for like/dislike and an array of user ides for likes and dislikes.</a:t>
+            </a:r>
+          </a:p>
+          <a:p>
+            <a:r>
+              <a:rPr lang="en-US" dirty="0" smtClean="0"/>
+              <a:t>Logic flow:</a:t>
+            </a:r>
+          </a:p>
+          <a:p>
+            <a:pPr lvl="1"/>
+            <a:r>
+              <a:rPr lang="en-US" dirty="0" smtClean="0"/>
+              <a:t>Check if user already likes/dislikes the deal by using the mongoose method count (searches the deal by id and checks if the user id is contained in their likes/dislikes array)</a:t>
+            </a:r>
+          </a:p>
+          <a:p>
+            <a:pPr lvl="2"/>
+            <a:r>
+              <a:rPr lang="en-US" dirty="0" smtClean="0"/>
+              <a:t>If the user already likes/dislikes the deal, then a conflict response is sent (409)</a:t>
+            </a:r>
+          </a:p>
+          <a:p>
+            <a:pPr lvl="2"/>
+            <a:r>
+              <a:rPr lang="en-US" dirty="0" smtClean="0"/>
+              <a:t>If the user is changing their vote, then the count fields and arrays are updated</a:t>
+            </a:r>
+          </a:p>
+          <a:p>
+            <a:pPr lvl="2"/>
+            <a:r>
+              <a:rPr lang="en-US" dirty="0" smtClean="0"/>
+              <a:t>If the user does not already like/dislike the deal, then the appropriate count field and array is updated</a:t>
+            </a:r>
+          </a:p>
+          <a:p>
+            <a:pPr lvl="2"/>
+            <a:r>
+              <a:rPr lang="en-US" dirty="0" smtClean="0"/>
+              <a:t>When the deal is liked/disliked, the deal is returned with an additional field indicating whether the vote has been changed</a:t>
+            </a:r>
           </a:p>
         </p:txBody>
       </p:sp>
     </p:spTree>
     <p:extLst>
       <p:ext uri="{BB962C8B-B14F-4D97-AF65-F5344CB8AC3E}">
-        <p14:creationId xmlns:p14="http://schemas.microsoft.com/office/powerpoint/2010/main" val="2226419927"/>
+        <p14:creationId xmlns:p14="http://schemas.microsoft.com/office/powerpoint/2010/main" val="1348877492"/>
       </p:ext>
     </p:extLst>
   </p:cSld>
@@ -6716,12 +7273,6 @@
             <a:r>
               <a:rPr lang="en-US" dirty="0"/>
               <a:t>6. Client application will use Java programming language on Android Operating System. </a:t>
-            </a:r>
-          </a:p>
-          <a:p>
-            <a:r>
-              <a:rPr lang="en-US" dirty="0"/>
-              <a:t>7. Server application will use JavaScript programming language with node.js on Linux Operating System. </a:t>
             </a:r>
           </a:p>
           <a:p>
@@ -6769,42 +7320,54 @@
             <p:ph type="title"/>
           </p:nvPr>
         </p:nvSpPr>
-        <p:spPr/>
-        <p:txBody>
-          <a:bodyPr/>
-          <a:lstStyle/>
-          <a:p>
-            <a:r>
-              <a:rPr lang="en-US" dirty="0" smtClean="0"/>
-              <a:t>Database, User Information—Client Side Implementation</a:t>
-            </a:r>
-            <a:endParaRPr lang="en-US" dirty="0"/>
-          </a:p>
-        </p:txBody>
-      </p:sp>
-      <p:sp>
-        <p:nvSpPr>
-          <p:cNvPr id="3" name="Content Placeholder 2"/>
-          <p:cNvSpPr>
-            <a:spLocks noGrp="1"/>
-          </p:cNvSpPr>
+        <p:spPr>
+          <a:xfrm>
+            <a:off x="677333" y="609600"/>
+            <a:ext cx="10472111" cy="1320800"/>
+          </a:xfrm>
+        </p:spPr>
+        <p:txBody>
+          <a:bodyPr/>
+          <a:lstStyle/>
+          <a:p>
+            <a:r>
+              <a:rPr lang="en-US" dirty="0" smtClean="0"/>
+              <a:t>User Deals, Validate—Server Side Implementation</a:t>
+            </a:r>
+            <a:endParaRPr lang="en-US" dirty="0"/>
+          </a:p>
+        </p:txBody>
+      </p:sp>
+      <p:pic>
+        <p:nvPicPr>
+          <p:cNvPr id="4" name="Content Placeholder 3"/>
+          <p:cNvPicPr>
+            <a:picLocks noGrp="1" noChangeAspect="1"/>
+          </p:cNvPicPr>
           <p:nvPr>
             <p:ph idx="1"/>
           </p:nvPr>
-        </p:nvSpPr>
-        <p:spPr/>
-        <p:txBody>
-          <a:bodyPr/>
-          <a:lstStyle/>
-          <a:p>
-            <a:endParaRPr lang="en-US"/>
-          </a:p>
-        </p:txBody>
-      </p:sp>
+        </p:nvPicPr>
+        <p:blipFill>
+          <a:blip r:embed="rId2"/>
+          <a:stretch>
+            <a:fillRect/>
+          </a:stretch>
+        </p:blipFill>
+        <p:spPr>
+          <a:xfrm>
+            <a:off x="564676" y="1358899"/>
+            <a:ext cx="10823760" cy="5270820"/>
+          </a:xfrm>
+          <a:prstGeom prst="rect">
+            <a:avLst/>
+          </a:prstGeom>
+        </p:spPr>
+      </p:pic>
     </p:spTree>
     <p:extLst>
       <p:ext uri="{BB962C8B-B14F-4D97-AF65-F5344CB8AC3E}">
-        <p14:creationId xmlns:p14="http://schemas.microsoft.com/office/powerpoint/2010/main" val="2933004373"/>
+        <p14:creationId xmlns:p14="http://schemas.microsoft.com/office/powerpoint/2010/main" val="1276543990"/>
       </p:ext>
     </p:extLst>
   </p:cSld>
@@ -6847,8 +7410,8 @@
           <a:lstStyle/>
           <a:p>
             <a:r>
-              <a:rPr lang="en-US" dirty="0" smtClean="0"/>
-              <a:t>Database, User Information—Server Side Implementation</a:t>
+              <a:rPr lang="en-US" dirty="0"/>
+              <a:t>User Deals, Expire—Server Side Implementation</a:t>
             </a:r>
             <a:endParaRPr lang="en-US" dirty="0"/>
           </a:p>
@@ -6869,14 +7432,85 @@
           <a:bodyPr/>
           <a:lstStyle/>
           <a:p>
-            <a:endParaRPr lang="en-US"/>
-          </a:p>
-        </p:txBody>
-      </p:sp>
+            <a:r>
+              <a:rPr lang="en-US" dirty="0" smtClean="0"/>
+              <a:t>Uses </a:t>
+            </a:r>
+            <a:r>
+              <a:rPr lang="en-US" dirty="0" err="1" smtClean="0"/>
+              <a:t>cron</a:t>
+            </a:r>
+            <a:r>
+              <a:rPr lang="en-US" dirty="0" smtClean="0"/>
+              <a:t> module</a:t>
+            </a:r>
+            <a:r>
+              <a:rPr lang="en-US" dirty="0"/>
+              <a:t> </a:t>
+            </a:r>
+            <a:r>
+              <a:rPr lang="en-US" dirty="0" smtClean="0"/>
+              <a:t>for scheduling regularly occurring jobs</a:t>
+            </a:r>
+          </a:p>
+          <a:p>
+            <a:r>
+              <a:rPr lang="en-US" dirty="0" smtClean="0"/>
+              <a:t>Uses moment module for formatting date objects that are in UTC format</a:t>
+            </a:r>
+          </a:p>
+          <a:p>
+            <a:r>
+              <a:rPr lang="en-US" dirty="0" smtClean="0"/>
+              <a:t>Currently expires dates at 12:00 AM EST</a:t>
+            </a:r>
+          </a:p>
+          <a:p>
+            <a:r>
+              <a:rPr lang="en-US" dirty="0" smtClean="0"/>
+              <a:t>Uses mongoose find method that returns a query object. Then, uses the query </a:t>
+            </a:r>
+            <a:br>
+              <a:rPr lang="en-US" dirty="0" smtClean="0"/>
+            </a:br>
+            <a:r>
+              <a:rPr lang="en-US" dirty="0" smtClean="0"/>
+              <a:t>object’s remove method</a:t>
+            </a:r>
+          </a:p>
+          <a:p>
+            <a:endParaRPr lang="en-US" dirty="0" smtClean="0"/>
+          </a:p>
+        </p:txBody>
+      </p:sp>
+      <p:pic>
+        <p:nvPicPr>
+          <p:cNvPr id="5" name="Picture 4"/>
+          <p:cNvPicPr>
+            <a:picLocks noChangeAspect="1"/>
+          </p:cNvPicPr>
+          <p:nvPr/>
+        </p:nvPicPr>
+        <p:blipFill>
+          <a:blip r:embed="rId2"/>
+          <a:stretch>
+            <a:fillRect/>
+          </a:stretch>
+        </p:blipFill>
+        <p:spPr>
+          <a:xfrm>
+            <a:off x="1831398" y="4425228"/>
+            <a:ext cx="6076950" cy="1228725"/>
+          </a:xfrm>
+          <a:prstGeom prst="rect">
+            <a:avLst/>
+          </a:prstGeom>
+        </p:spPr>
+      </p:pic>
     </p:spTree>
     <p:extLst>
       <p:ext uri="{BB962C8B-B14F-4D97-AF65-F5344CB8AC3E}">
-        <p14:creationId xmlns:p14="http://schemas.microsoft.com/office/powerpoint/2010/main" val="1253502696"/>
+        <p14:creationId xmlns:p14="http://schemas.microsoft.com/office/powerpoint/2010/main" val="2226419927"/>
       </p:ext>
     </p:extLst>
   </p:cSld>
@@ -6920,7 +7554,7 @@
           <a:p>
             <a:r>
               <a:rPr lang="en-US" dirty="0" smtClean="0"/>
-              <a:t>Database, User Deals—Client Side Implementation</a:t>
+              <a:t>Functional Requirement--Database</a:t>
             </a:r>
             <a:endParaRPr lang="en-US" dirty="0"/>
           </a:p>
@@ -6941,14 +7575,22 @@
           <a:bodyPr/>
           <a:lstStyle/>
           <a:p>
-            <a:endParaRPr lang="en-US"/>
+            <a:r>
+              <a:rPr lang="en-US" dirty="0"/>
+              <a:t>6. User information and user-created deals will be stored in a database. </a:t>
+            </a:r>
+            <a:r>
+              <a:rPr lang="en-US" i="1" dirty="0"/>
+              <a:t>(This is an essential feature ensuring that information is stored.)</a:t>
+            </a:r>
+            <a:endParaRPr lang="en-US" dirty="0"/>
           </a:p>
         </p:txBody>
       </p:sp>
     </p:spTree>
     <p:extLst>
       <p:ext uri="{BB962C8B-B14F-4D97-AF65-F5344CB8AC3E}">
-        <p14:creationId xmlns:p14="http://schemas.microsoft.com/office/powerpoint/2010/main" val="4271439743"/>
+        <p14:creationId xmlns:p14="http://schemas.microsoft.com/office/powerpoint/2010/main" val="2457621026"/>
       </p:ext>
     </p:extLst>
   </p:cSld>
@@ -6992,7 +7634,7 @@
           <a:p>
             <a:r>
               <a:rPr lang="en-US" dirty="0" smtClean="0"/>
-              <a:t>Database, User Deals—Server Side Implementation</a:t>
+              <a:t>Database, User Information—Client Side Implementation</a:t>
             </a:r>
             <a:endParaRPr lang="en-US" dirty="0"/>
           </a:p>
@@ -7020,7 +7662,7 @@
     </p:spTree>
     <p:extLst>
       <p:ext uri="{BB962C8B-B14F-4D97-AF65-F5344CB8AC3E}">
-        <p14:creationId xmlns:p14="http://schemas.microsoft.com/office/powerpoint/2010/main" val="4270411433"/>
+        <p14:creationId xmlns:p14="http://schemas.microsoft.com/office/powerpoint/2010/main" val="2933004373"/>
       </p:ext>
     </p:extLst>
   </p:cSld>
@@ -7064,7 +7706,7 @@
           <a:p>
             <a:r>
               <a:rPr lang="en-US" dirty="0" smtClean="0"/>
-              <a:t>Functional Requirement—User Information</a:t>
+              <a:t>Database, User Information—Server Side Implementation</a:t>
             </a:r>
             <a:endParaRPr lang="en-US" dirty="0"/>
           </a:p>
@@ -7086,21 +7728,109 @@
           <a:lstStyle/>
           <a:p>
             <a:r>
-              <a:rPr lang="en-US" dirty="0"/>
-              <a:t>7. Users shall be uniquely identified by a user name.  </a:t>
-            </a:r>
-            <a:r>
-              <a:rPr lang="en-US" i="1" dirty="0"/>
-              <a:t>(This prevents duplicate user names from existing in the system.)</a:t>
-            </a:r>
-            <a:endParaRPr lang="en-US" dirty="0"/>
-          </a:p>
-        </p:txBody>
-      </p:sp>
+              <a:rPr lang="en-US" dirty="0" smtClean="0"/>
+              <a:t>Adding a user, uses the mongoose find method to determine whether a user already exists with the same email as the request.</a:t>
+            </a:r>
+          </a:p>
+          <a:p>
+            <a:pPr lvl="1"/>
+            <a:r>
+              <a:rPr lang="en-US" dirty="0" smtClean="0"/>
+              <a:t>For an already existing user,</a:t>
+            </a:r>
+            <a:br>
+              <a:rPr lang="en-US" dirty="0" smtClean="0"/>
+            </a:br>
+            <a:r>
+              <a:rPr lang="en-US" dirty="0" smtClean="0"/>
+              <a:t>http response 403 </a:t>
+            </a:r>
+            <a:r>
+              <a:rPr lang="en-US" dirty="0" smtClean="0"/>
+              <a:t>(forbidden) is </a:t>
+            </a:r>
+            <a:br>
+              <a:rPr lang="en-US" dirty="0" smtClean="0"/>
+            </a:br>
+            <a:r>
+              <a:rPr lang="en-US" dirty="0" smtClean="0"/>
+              <a:t>returned</a:t>
+            </a:r>
+          </a:p>
+          <a:p>
+            <a:pPr lvl="1"/>
+            <a:r>
+              <a:rPr lang="en-US" dirty="0" smtClean="0"/>
+              <a:t>Otherwise, the </a:t>
+            </a:r>
+            <a:r>
+              <a:rPr lang="en-US" dirty="0" err="1" smtClean="0"/>
+              <a:t>req</a:t>
+            </a:r>
+            <a:r>
+              <a:rPr lang="en-US" dirty="0" smtClean="0"/>
+              <a:t> body is parsed </a:t>
+            </a:r>
+            <a:br>
+              <a:rPr lang="en-US" dirty="0" smtClean="0"/>
+            </a:br>
+            <a:r>
+              <a:rPr lang="en-US" dirty="0" smtClean="0"/>
+              <a:t>and the new user is added to the </a:t>
+            </a:r>
+            <a:br>
+              <a:rPr lang="en-US" dirty="0" smtClean="0"/>
+            </a:br>
+            <a:r>
+              <a:rPr lang="en-US" dirty="0" smtClean="0"/>
+              <a:t>database using the mongoose save </a:t>
+            </a:r>
+            <a:br>
+              <a:rPr lang="en-US" dirty="0" smtClean="0"/>
+            </a:br>
+            <a:r>
+              <a:rPr lang="en-US" dirty="0" smtClean="0"/>
+              <a:t>method. The user as a JSON object </a:t>
+            </a:r>
+            <a:br>
+              <a:rPr lang="en-US" dirty="0" smtClean="0"/>
+            </a:br>
+            <a:r>
+              <a:rPr lang="en-US" dirty="0" smtClean="0"/>
+              <a:t>is returned</a:t>
+            </a:r>
+            <a:endParaRPr lang="en-US" dirty="0"/>
+          </a:p>
+        </p:txBody>
+      </p:sp>
+      <p:pic>
+        <p:nvPicPr>
+          <p:cNvPr id="4" name="Picture 3"/>
+          <p:cNvPicPr>
+            <a:picLocks noChangeAspect="1"/>
+          </p:cNvPicPr>
+          <p:nvPr/>
+        </p:nvPicPr>
+        <p:blipFill>
+          <a:blip r:embed="rId2"/>
+          <a:stretch>
+            <a:fillRect/>
+          </a:stretch>
+        </p:blipFill>
+        <p:spPr>
+          <a:xfrm>
+            <a:off x="4975668" y="2909455"/>
+            <a:ext cx="6842535" cy="3725778"/>
+          </a:xfrm>
+          <a:prstGeom prst="rect">
+            <a:avLst/>
+          </a:prstGeom>
+        </p:spPr>
+      </p:pic>
     </p:spTree>
     <p:extLst>
       <p:ext uri="{BB962C8B-B14F-4D97-AF65-F5344CB8AC3E}">
-        <p14:creationId xmlns:p14="http://schemas.microsoft.com/office/powerpoint/2010/main" val="3350486513"/>
+        <p14:creationId xmlns:p14="http://schemas.microsoft.com/office/powerpoint/2010/main" val="1253502696"/>
       </p:ext>
     </p:extLst>
   </p:cSld>
@@ -7144,7 +7874,7 @@
           <a:p>
             <a:r>
               <a:rPr lang="en-US" dirty="0" smtClean="0"/>
-              <a:t>User Information—Client Side Implementation</a:t>
+              <a:t>Database, User Information—Server Side Implementation</a:t>
             </a:r>
             <a:endParaRPr lang="en-US" dirty="0"/>
           </a:p>
@@ -7165,14 +7895,63 @@
           <a:bodyPr/>
           <a:lstStyle/>
           <a:p>
-            <a:endParaRPr lang="en-US"/>
-          </a:p>
-        </p:txBody>
-      </p:sp>
+            <a:r>
+              <a:rPr lang="en-US" dirty="0" smtClean="0"/>
+              <a:t>Since the user is uniquely named, logging in is handled using the mongoose find method</a:t>
+            </a:r>
+            <a:r>
+              <a:rPr lang="en-US" dirty="0"/>
+              <a:t> </a:t>
+            </a:r>
+            <a:r>
+              <a:rPr lang="en-US" dirty="0" smtClean="0"/>
+              <a:t>with the parameters email and password</a:t>
+            </a:r>
+          </a:p>
+          <a:p>
+            <a:pPr lvl="1"/>
+            <a:r>
+              <a:rPr lang="en-US" dirty="0" smtClean="0"/>
+              <a:t>If the user is not found or there is an error, then http response 400 (bad request) is returned</a:t>
+            </a:r>
+          </a:p>
+          <a:p>
+            <a:pPr lvl="1"/>
+            <a:r>
+              <a:rPr lang="en-US" dirty="0" smtClean="0"/>
+              <a:t>Otherwise, the user as a JSON object is returned</a:t>
+            </a:r>
+          </a:p>
+        </p:txBody>
+      </p:sp>
+      <p:pic>
+        <p:nvPicPr>
+          <p:cNvPr id="5" name="Picture 4"/>
+          <p:cNvPicPr>
+            <a:picLocks noChangeAspect="1"/>
+          </p:cNvPicPr>
+          <p:nvPr/>
+        </p:nvPicPr>
+        <p:blipFill>
+          <a:blip r:embed="rId2"/>
+          <a:stretch>
+            <a:fillRect/>
+          </a:stretch>
+        </p:blipFill>
+        <p:spPr>
+          <a:xfrm>
+            <a:off x="4368512" y="3884468"/>
+            <a:ext cx="7486650" cy="2476500"/>
+          </a:xfrm>
+          <a:prstGeom prst="rect">
+            <a:avLst/>
+          </a:prstGeom>
+        </p:spPr>
+      </p:pic>
     </p:spTree>
     <p:extLst>
       <p:ext uri="{BB962C8B-B14F-4D97-AF65-F5344CB8AC3E}">
-        <p14:creationId xmlns:p14="http://schemas.microsoft.com/office/powerpoint/2010/main" val="2525138655"/>
+        <p14:creationId xmlns:p14="http://schemas.microsoft.com/office/powerpoint/2010/main" val="169452663"/>
       </p:ext>
     </p:extLst>
   </p:cSld>
@@ -7216,7 +7995,7 @@
           <a:p>
             <a:r>
               <a:rPr lang="en-US" dirty="0" smtClean="0"/>
-              <a:t>User Information—Server Side Implementation</a:t>
+              <a:t>Database, User Deals—Client Side Implementation</a:t>
             </a:r>
             <a:endParaRPr lang="en-US" dirty="0"/>
           </a:p>
@@ -7244,7 +8023,7 @@
     </p:spTree>
     <p:extLst>
       <p:ext uri="{BB962C8B-B14F-4D97-AF65-F5344CB8AC3E}">
-        <p14:creationId xmlns:p14="http://schemas.microsoft.com/office/powerpoint/2010/main" val="500561990"/>
+        <p14:creationId xmlns:p14="http://schemas.microsoft.com/office/powerpoint/2010/main" val="4271439743"/>
       </p:ext>
     </p:extLst>
   </p:cSld>
@@ -7288,7 +8067,7 @@
           <a:p>
             <a:r>
               <a:rPr lang="en-US" dirty="0" smtClean="0"/>
-              <a:t>Additional Features</a:t>
+              <a:t>Database, User Deals—Server Side Implementation</a:t>
             </a:r>
             <a:endParaRPr lang="en-US" dirty="0"/>
           </a:p>
@@ -7309,14 +8088,291 @@
           <a:bodyPr/>
           <a:lstStyle/>
           <a:p>
-            <a:endParaRPr lang="en-US"/>
-          </a:p>
-        </p:txBody>
-      </p:sp>
+            <a:r>
+              <a:rPr lang="en-US" dirty="0" smtClean="0"/>
+              <a:t>Returning all of the user submitted deals is accomplished using the mongoose find method without any parameters</a:t>
+            </a:r>
+          </a:p>
+          <a:p>
+            <a:r>
+              <a:rPr lang="en-US" dirty="0" smtClean="0"/>
+              <a:t>If there is an error than the error response is returned</a:t>
+            </a:r>
+          </a:p>
+          <a:p>
+            <a:r>
+              <a:rPr lang="en-US" dirty="0" smtClean="0"/>
+              <a:t>Otherwise, the deals as JSON are returned</a:t>
+            </a:r>
+          </a:p>
+          <a:p>
+            <a:endParaRPr lang="en-US" dirty="0"/>
+          </a:p>
+        </p:txBody>
+      </p:sp>
+      <p:pic>
+        <p:nvPicPr>
+          <p:cNvPr id="4" name="Picture 3"/>
+          <p:cNvPicPr>
+            <a:picLocks noChangeAspect="1"/>
+          </p:cNvPicPr>
+          <p:nvPr/>
+        </p:nvPicPr>
+        <p:blipFill>
+          <a:blip r:embed="rId2"/>
+          <a:stretch>
+            <a:fillRect/>
+          </a:stretch>
+        </p:blipFill>
+        <p:spPr>
+          <a:xfrm>
+            <a:off x="2612014" y="3955905"/>
+            <a:ext cx="3248025" cy="1419225"/>
+          </a:xfrm>
+          <a:prstGeom prst="rect">
+            <a:avLst/>
+          </a:prstGeom>
+        </p:spPr>
+      </p:pic>
     </p:spTree>
     <p:extLst>
       <p:ext uri="{BB962C8B-B14F-4D97-AF65-F5344CB8AC3E}">
-        <p14:creationId xmlns:p14="http://schemas.microsoft.com/office/powerpoint/2010/main" val="717692385"/>
+        <p14:creationId xmlns:p14="http://schemas.microsoft.com/office/powerpoint/2010/main" val="4270411433"/>
+      </p:ext>
+    </p:extLst>
+  </p:cSld>
+  <p:clrMapOvr>
+    <a:masterClrMapping/>
+  </p:clrMapOvr>
+</p:sld>
+</file>
+
+<file path=ppt/slides/slide28.xml><?xml version="1.0" encoding="utf-8"?>
+<p:sld xmlns:a="http://schemas.openxmlformats.org/drawingml/2006/main" xmlns:r="http://schemas.openxmlformats.org/officeDocument/2006/relationships" xmlns:p="http://schemas.openxmlformats.org/presentationml/2006/main">
+  <p:cSld>
+    <p:spTree>
+      <p:nvGrpSpPr>
+        <p:cNvPr id="1" name=""/>
+        <p:cNvGrpSpPr/>
+        <p:nvPr/>
+      </p:nvGrpSpPr>
+      <p:grpSpPr>
+        <a:xfrm>
+          <a:off x="0" y="0"/>
+          <a:ext cx="0" cy="0"/>
+          <a:chOff x="0" y="0"/>
+          <a:chExt cx="0" cy="0"/>
+        </a:xfrm>
+      </p:grpSpPr>
+      <p:sp>
+        <p:nvSpPr>
+          <p:cNvPr id="2" name="Title 1"/>
+          <p:cNvSpPr>
+            <a:spLocks noGrp="1"/>
+          </p:cNvSpPr>
+          <p:nvPr>
+            <p:ph type="title"/>
+          </p:nvPr>
+        </p:nvSpPr>
+        <p:spPr/>
+        <p:txBody>
+          <a:bodyPr/>
+          <a:lstStyle/>
+          <a:p>
+            <a:r>
+              <a:rPr lang="en-US" dirty="0" smtClean="0"/>
+              <a:t>Database, User Deals—Server Side Implementation</a:t>
+            </a:r>
+            <a:endParaRPr lang="en-US" dirty="0"/>
+          </a:p>
+        </p:txBody>
+      </p:sp>
+      <p:sp>
+        <p:nvSpPr>
+          <p:cNvPr id="3" name="Content Placeholder 2"/>
+          <p:cNvSpPr>
+            <a:spLocks noGrp="1"/>
+          </p:cNvSpPr>
+          <p:nvPr>
+            <p:ph idx="1"/>
+          </p:nvPr>
+        </p:nvSpPr>
+        <p:spPr/>
+        <p:txBody>
+          <a:bodyPr/>
+          <a:lstStyle/>
+          <a:p>
+            <a:r>
+              <a:rPr lang="en-US" dirty="0" smtClean="0"/>
+              <a:t>User deals can be searched by name and store name. The search value is sent as part of the URL.</a:t>
+            </a:r>
+          </a:p>
+          <a:p>
+            <a:pPr lvl="1"/>
+            <a:r>
+              <a:rPr lang="en-US" dirty="0" smtClean="0"/>
+              <a:t>The search value will contain + </a:t>
+            </a:r>
+            <a:br>
+              <a:rPr lang="en-US" dirty="0" smtClean="0"/>
+            </a:br>
+            <a:r>
+              <a:rPr lang="en-US" dirty="0" smtClean="0"/>
+              <a:t>symbols that require tokenizing </a:t>
+            </a:r>
+          </a:p>
+          <a:p>
+            <a:r>
+              <a:rPr lang="en-US" dirty="0" smtClean="0"/>
+              <a:t>If there is an error than the error </a:t>
+            </a:r>
+            <a:br>
+              <a:rPr lang="en-US" dirty="0" smtClean="0"/>
+            </a:br>
+            <a:r>
+              <a:rPr lang="en-US" dirty="0" smtClean="0"/>
+              <a:t>response is returned</a:t>
+            </a:r>
+          </a:p>
+          <a:p>
+            <a:r>
+              <a:rPr lang="en-US" dirty="0" smtClean="0"/>
+              <a:t>If no deals are found, then 404 </a:t>
+            </a:r>
+            <a:br>
+              <a:rPr lang="en-US" dirty="0" smtClean="0"/>
+            </a:br>
+            <a:r>
+              <a:rPr lang="en-US" dirty="0" smtClean="0"/>
+              <a:t>(not found) is returned</a:t>
+            </a:r>
+          </a:p>
+          <a:p>
+            <a:r>
+              <a:rPr lang="en-US" dirty="0" smtClean="0"/>
+              <a:t>Otherwise, the deals as JSON </a:t>
+            </a:r>
+            <a:br>
+              <a:rPr lang="en-US" dirty="0" smtClean="0"/>
+            </a:br>
+            <a:r>
+              <a:rPr lang="en-US" dirty="0" smtClean="0"/>
+              <a:t>are returned</a:t>
+            </a:r>
+          </a:p>
+          <a:p>
+            <a:endParaRPr lang="en-US" dirty="0"/>
+          </a:p>
+        </p:txBody>
+      </p:sp>
+      <p:pic>
+        <p:nvPicPr>
+          <p:cNvPr id="5" name="Picture 4"/>
+          <p:cNvPicPr>
+            <a:picLocks noChangeAspect="1"/>
+          </p:cNvPicPr>
+          <p:nvPr/>
+        </p:nvPicPr>
+        <p:blipFill>
+          <a:blip r:embed="rId2"/>
+          <a:stretch>
+            <a:fillRect/>
+          </a:stretch>
+        </p:blipFill>
+        <p:spPr>
+          <a:xfrm>
+            <a:off x="5298497" y="2658341"/>
+            <a:ext cx="4857750" cy="3848100"/>
+          </a:xfrm>
+          <a:prstGeom prst="rect">
+            <a:avLst/>
+          </a:prstGeom>
+        </p:spPr>
+      </p:pic>
+    </p:spTree>
+    <p:extLst>
+      <p:ext uri="{BB962C8B-B14F-4D97-AF65-F5344CB8AC3E}">
+        <p14:creationId xmlns:p14="http://schemas.microsoft.com/office/powerpoint/2010/main" val="790089661"/>
+      </p:ext>
+    </p:extLst>
+  </p:cSld>
+  <p:clrMapOvr>
+    <a:masterClrMapping/>
+  </p:clrMapOvr>
+</p:sld>
+</file>
+
+<file path=ppt/slides/slide29.xml><?xml version="1.0" encoding="utf-8"?>
+<p:sld xmlns:a="http://schemas.openxmlformats.org/drawingml/2006/main" xmlns:r="http://schemas.openxmlformats.org/officeDocument/2006/relationships" xmlns:p="http://schemas.openxmlformats.org/presentationml/2006/main">
+  <p:cSld>
+    <p:spTree>
+      <p:nvGrpSpPr>
+        <p:cNvPr id="1" name=""/>
+        <p:cNvGrpSpPr/>
+        <p:nvPr/>
+      </p:nvGrpSpPr>
+      <p:grpSpPr>
+        <a:xfrm>
+          <a:off x="0" y="0"/>
+          <a:ext cx="0" cy="0"/>
+          <a:chOff x="0" y="0"/>
+          <a:chExt cx="0" cy="0"/>
+        </a:xfrm>
+      </p:grpSpPr>
+      <p:sp>
+        <p:nvSpPr>
+          <p:cNvPr id="2" name="Title 1"/>
+          <p:cNvSpPr>
+            <a:spLocks noGrp="1"/>
+          </p:cNvSpPr>
+          <p:nvPr>
+            <p:ph type="title"/>
+          </p:nvPr>
+        </p:nvSpPr>
+        <p:spPr/>
+        <p:txBody>
+          <a:bodyPr/>
+          <a:lstStyle/>
+          <a:p>
+            <a:r>
+              <a:rPr lang="en-US" dirty="0" smtClean="0"/>
+              <a:t>Functional Requirement—User Information</a:t>
+            </a:r>
+            <a:endParaRPr lang="en-US" dirty="0"/>
+          </a:p>
+        </p:txBody>
+      </p:sp>
+      <p:sp>
+        <p:nvSpPr>
+          <p:cNvPr id="3" name="Content Placeholder 2"/>
+          <p:cNvSpPr>
+            <a:spLocks noGrp="1"/>
+          </p:cNvSpPr>
+          <p:nvPr>
+            <p:ph idx="1"/>
+          </p:nvPr>
+        </p:nvSpPr>
+        <p:spPr/>
+        <p:txBody>
+          <a:bodyPr/>
+          <a:lstStyle/>
+          <a:p>
+            <a:r>
+              <a:rPr lang="en-US" dirty="0"/>
+              <a:t>7. Users shall be uniquely identified by a user name.  </a:t>
+            </a:r>
+            <a:r>
+              <a:rPr lang="en-US" i="1" dirty="0"/>
+              <a:t>(This prevents duplicate user names from existing in the system.)</a:t>
+            </a:r>
+            <a:endParaRPr lang="en-US" dirty="0"/>
+          </a:p>
+        </p:txBody>
+      </p:sp>
+    </p:spTree>
+    <p:extLst>
+      <p:ext uri="{BB962C8B-B14F-4D97-AF65-F5344CB8AC3E}">
+        <p14:creationId xmlns:p14="http://schemas.microsoft.com/office/powerpoint/2010/main" val="3350486513"/>
       </p:ext>
     </p:extLst>
   </p:cSld>
@@ -7360,51 +8416,133 @@
           <a:p>
             <a:r>
               <a:rPr lang="en-US" dirty="0" smtClean="0"/>
-              <a:t>Non-Functional Requirement—Server </a:t>
-            </a:r>
+              <a:t>Non-Functional Requirement—Operating Systems</a:t>
+            </a:r>
+            <a:endParaRPr lang="en-US" dirty="0"/>
+          </a:p>
+        </p:txBody>
+      </p:sp>
+      <p:sp>
+        <p:nvSpPr>
+          <p:cNvPr id="3" name="Content Placeholder 2"/>
+          <p:cNvSpPr>
+            <a:spLocks noGrp="1"/>
+          </p:cNvSpPr>
+          <p:nvPr>
+            <p:ph idx="1"/>
+          </p:nvPr>
+        </p:nvSpPr>
+        <p:spPr/>
+        <p:txBody>
+          <a:bodyPr>
+            <a:normAutofit fontScale="92500" lnSpcReduction="20000"/>
+          </a:bodyPr>
+          <a:lstStyle/>
+          <a:p>
+            <a:r>
+              <a:rPr lang="en-US" dirty="0" smtClean="0"/>
+              <a:t>7</a:t>
+            </a:r>
+            <a:r>
+              <a:rPr lang="en-US" dirty="0"/>
+              <a:t>. Server application will use JavaScript programming language with node.js on Linux Operating System. </a:t>
+            </a:r>
+            <a:endParaRPr lang="en-US" dirty="0" smtClean="0"/>
+          </a:p>
+          <a:p>
+            <a:pPr lvl="1"/>
+            <a:r>
+              <a:rPr lang="en-US" dirty="0" smtClean="0"/>
+              <a:t>Node.js is a cross-platform runtime environment for server-side applications using JavaScript</a:t>
+            </a:r>
+          </a:p>
+          <a:p>
+            <a:pPr lvl="1"/>
+            <a:r>
+              <a:rPr lang="en-US" dirty="0" smtClean="0"/>
+              <a:t>Our implementation includes:</a:t>
+            </a:r>
+          </a:p>
+          <a:p>
+            <a:pPr lvl="2"/>
+            <a:r>
+              <a:rPr lang="en-US" dirty="0" smtClean="0"/>
+              <a:t>Main server file (server.js)</a:t>
+            </a:r>
+          </a:p>
+          <a:p>
+            <a:pPr lvl="2"/>
+            <a:r>
+              <a:rPr lang="en-US" dirty="0" smtClean="0"/>
+              <a:t>models (user, deal)</a:t>
+            </a:r>
+          </a:p>
+          <a:p>
+            <a:pPr lvl="2"/>
             <a:r>
               <a:rPr lang="en-US" dirty="0" err="1" smtClean="0"/>
-              <a:t>Datasource</a:t>
-            </a:r>
-            <a:endParaRPr lang="en-US" dirty="0"/>
-          </a:p>
-        </p:txBody>
-      </p:sp>
-      <p:sp>
-        <p:nvSpPr>
-          <p:cNvPr id="3" name="Content Placeholder 2"/>
-          <p:cNvSpPr>
-            <a:spLocks noGrp="1"/>
-          </p:cNvSpPr>
-          <p:nvPr>
-            <p:ph idx="1"/>
-          </p:nvPr>
-        </p:nvSpPr>
-        <p:spPr/>
-        <p:txBody>
-          <a:bodyPr/>
-          <a:lstStyle/>
-          <a:p>
-            <a:r>
-              <a:rPr lang="en-US" dirty="0"/>
-              <a:t>8. Server application will use </a:t>
-            </a:r>
-            <a:r>
-              <a:rPr lang="en-US" dirty="0" err="1"/>
+              <a:t>node_modules</a:t>
+            </a:r>
+            <a:endParaRPr lang="en-US" dirty="0" smtClean="0"/>
+          </a:p>
+          <a:p>
+            <a:pPr lvl="3"/>
+            <a:r>
+              <a:rPr lang="en-US" dirty="0" smtClean="0"/>
+              <a:t>body-parser for parsing JSON</a:t>
+            </a:r>
+          </a:p>
+          <a:p>
+            <a:pPr lvl="3"/>
+            <a:r>
+              <a:rPr lang="en-US" dirty="0" err="1" smtClean="0"/>
+              <a:t>cron</a:t>
+            </a:r>
+            <a:r>
+              <a:rPr lang="en-US" dirty="0" smtClean="0"/>
+              <a:t> for scheduling tasks</a:t>
+            </a:r>
+          </a:p>
+          <a:p>
+            <a:pPr lvl="3"/>
+            <a:r>
+              <a:rPr lang="en-US" dirty="0" smtClean="0"/>
+              <a:t>express for handling HTTP methods</a:t>
+            </a:r>
+          </a:p>
+          <a:p>
+            <a:pPr lvl="3"/>
+            <a:r>
+              <a:rPr lang="en-US" dirty="0" smtClean="0"/>
+              <a:t>moment for formatting date objects</a:t>
+            </a:r>
+          </a:p>
+          <a:p>
+            <a:pPr lvl="3"/>
+            <a:r>
+              <a:rPr lang="en-US" dirty="0" smtClean="0"/>
+              <a:t>mongoose for handling </a:t>
+            </a:r>
+            <a:r>
+              <a:rPr lang="en-US" dirty="0" err="1" smtClean="0"/>
               <a:t>mongodb</a:t>
             </a:r>
             <a:r>
-              <a:rPr lang="en-US" dirty="0"/>
-              <a:t> as </a:t>
-            </a:r>
-            <a:r>
-              <a:rPr lang="en-US" dirty="0" err="1"/>
-              <a:t>datasource</a:t>
-            </a:r>
-            <a:r>
-              <a:rPr lang="en-US" dirty="0"/>
-              <a:t>.</a:t>
-            </a:r>
+              <a:rPr lang="en-US" dirty="0" smtClean="0"/>
+              <a:t> database access</a:t>
+            </a:r>
+          </a:p>
+          <a:p>
+            <a:pPr lvl="3"/>
+            <a:r>
+              <a:rPr lang="en-US" dirty="0" err="1" smtClean="0"/>
+              <a:t>morgan</a:t>
+            </a:r>
+            <a:r>
+              <a:rPr lang="en-US" dirty="0" smtClean="0"/>
+              <a:t> for logging HTTP requests</a:t>
+            </a:r>
+            <a:endParaRPr lang="en-US" dirty="0"/>
           </a:p>
           <a:p>
             <a:endParaRPr lang="en-US" dirty="0"/>
@@ -7414,7 +8552,292 @@
     </p:spTree>
     <p:extLst>
       <p:ext uri="{BB962C8B-B14F-4D97-AF65-F5344CB8AC3E}">
-        <p14:creationId xmlns:p14="http://schemas.microsoft.com/office/powerpoint/2010/main" val="1806214989"/>
+        <p14:creationId xmlns:p14="http://schemas.microsoft.com/office/powerpoint/2010/main" val="3912614245"/>
+      </p:ext>
+    </p:extLst>
+  </p:cSld>
+  <p:clrMapOvr>
+    <a:masterClrMapping/>
+  </p:clrMapOvr>
+</p:sld>
+</file>
+
+<file path=ppt/slides/slide30.xml><?xml version="1.0" encoding="utf-8"?>
+<p:sld xmlns:a="http://schemas.openxmlformats.org/drawingml/2006/main" xmlns:r="http://schemas.openxmlformats.org/officeDocument/2006/relationships" xmlns:p="http://schemas.openxmlformats.org/presentationml/2006/main">
+  <p:cSld>
+    <p:spTree>
+      <p:nvGrpSpPr>
+        <p:cNvPr id="1" name=""/>
+        <p:cNvGrpSpPr/>
+        <p:nvPr/>
+      </p:nvGrpSpPr>
+      <p:grpSpPr>
+        <a:xfrm>
+          <a:off x="0" y="0"/>
+          <a:ext cx="0" cy="0"/>
+          <a:chOff x="0" y="0"/>
+          <a:chExt cx="0" cy="0"/>
+        </a:xfrm>
+      </p:grpSpPr>
+      <p:sp>
+        <p:nvSpPr>
+          <p:cNvPr id="2" name="Title 1"/>
+          <p:cNvSpPr>
+            <a:spLocks noGrp="1"/>
+          </p:cNvSpPr>
+          <p:nvPr>
+            <p:ph type="title"/>
+          </p:nvPr>
+        </p:nvSpPr>
+        <p:spPr/>
+        <p:txBody>
+          <a:bodyPr/>
+          <a:lstStyle/>
+          <a:p>
+            <a:r>
+              <a:rPr lang="en-US" dirty="0" smtClean="0"/>
+              <a:t>User Information—Client Side Implementation</a:t>
+            </a:r>
+            <a:endParaRPr lang="en-US" dirty="0"/>
+          </a:p>
+        </p:txBody>
+      </p:sp>
+      <p:sp>
+        <p:nvSpPr>
+          <p:cNvPr id="3" name="Content Placeholder 2"/>
+          <p:cNvSpPr>
+            <a:spLocks noGrp="1"/>
+          </p:cNvSpPr>
+          <p:nvPr>
+            <p:ph idx="1"/>
+          </p:nvPr>
+        </p:nvSpPr>
+        <p:spPr/>
+        <p:txBody>
+          <a:bodyPr/>
+          <a:lstStyle/>
+          <a:p>
+            <a:endParaRPr lang="en-US"/>
+          </a:p>
+        </p:txBody>
+      </p:sp>
+    </p:spTree>
+    <p:extLst>
+      <p:ext uri="{BB962C8B-B14F-4D97-AF65-F5344CB8AC3E}">
+        <p14:creationId xmlns:p14="http://schemas.microsoft.com/office/powerpoint/2010/main" val="2525138655"/>
+      </p:ext>
+    </p:extLst>
+  </p:cSld>
+  <p:clrMapOvr>
+    <a:masterClrMapping/>
+  </p:clrMapOvr>
+</p:sld>
+</file>
+
+<file path=ppt/slides/slide31.xml><?xml version="1.0" encoding="utf-8"?>
+<p:sld xmlns:a="http://schemas.openxmlformats.org/drawingml/2006/main" xmlns:r="http://schemas.openxmlformats.org/officeDocument/2006/relationships" xmlns:p="http://schemas.openxmlformats.org/presentationml/2006/main">
+  <p:cSld>
+    <p:spTree>
+      <p:nvGrpSpPr>
+        <p:cNvPr id="1" name=""/>
+        <p:cNvGrpSpPr/>
+        <p:nvPr/>
+      </p:nvGrpSpPr>
+      <p:grpSpPr>
+        <a:xfrm>
+          <a:off x="0" y="0"/>
+          <a:ext cx="0" cy="0"/>
+          <a:chOff x="0" y="0"/>
+          <a:chExt cx="0" cy="0"/>
+        </a:xfrm>
+      </p:grpSpPr>
+      <p:sp>
+        <p:nvSpPr>
+          <p:cNvPr id="2" name="Title 1"/>
+          <p:cNvSpPr>
+            <a:spLocks noGrp="1"/>
+          </p:cNvSpPr>
+          <p:nvPr>
+            <p:ph type="title"/>
+          </p:nvPr>
+        </p:nvSpPr>
+        <p:spPr/>
+        <p:txBody>
+          <a:bodyPr/>
+          <a:lstStyle/>
+          <a:p>
+            <a:r>
+              <a:rPr lang="en-US" dirty="0" smtClean="0"/>
+              <a:t>User Information—Server Side Implementation</a:t>
+            </a:r>
+            <a:endParaRPr lang="en-US" dirty="0"/>
+          </a:p>
+        </p:txBody>
+      </p:sp>
+      <p:sp>
+        <p:nvSpPr>
+          <p:cNvPr id="3" name="Content Placeholder 2"/>
+          <p:cNvSpPr>
+            <a:spLocks noGrp="1"/>
+          </p:cNvSpPr>
+          <p:nvPr>
+            <p:ph idx="1"/>
+          </p:nvPr>
+        </p:nvSpPr>
+        <p:spPr>
+          <a:xfrm>
+            <a:off x="677334" y="2170980"/>
+            <a:ext cx="8596668" cy="3880773"/>
+          </a:xfrm>
+        </p:spPr>
+        <p:txBody>
+          <a:bodyPr/>
+          <a:lstStyle/>
+          <a:p>
+            <a:r>
+              <a:rPr lang="en-US" dirty="0" smtClean="0"/>
+              <a:t>As seen previously, when attempting to add a user to the database, the mongoose find method is used to determine whether a user with the email already exists. </a:t>
+            </a:r>
+            <a:endParaRPr lang="en-US" dirty="0"/>
+          </a:p>
+        </p:txBody>
+      </p:sp>
+    </p:spTree>
+    <p:extLst>
+      <p:ext uri="{BB962C8B-B14F-4D97-AF65-F5344CB8AC3E}">
+        <p14:creationId xmlns:p14="http://schemas.microsoft.com/office/powerpoint/2010/main" val="500561990"/>
+      </p:ext>
+    </p:extLst>
+  </p:cSld>
+  <p:clrMapOvr>
+    <a:masterClrMapping/>
+  </p:clrMapOvr>
+</p:sld>
+</file>
+
+<file path=ppt/slides/slide32.xml><?xml version="1.0" encoding="utf-8"?>
+<p:sld xmlns:a="http://schemas.openxmlformats.org/drawingml/2006/main" xmlns:r="http://schemas.openxmlformats.org/officeDocument/2006/relationships" xmlns:p="http://schemas.openxmlformats.org/presentationml/2006/main">
+  <p:cSld>
+    <p:spTree>
+      <p:nvGrpSpPr>
+        <p:cNvPr id="1" name=""/>
+        <p:cNvGrpSpPr/>
+        <p:nvPr/>
+      </p:nvGrpSpPr>
+      <p:grpSpPr>
+        <a:xfrm>
+          <a:off x="0" y="0"/>
+          <a:ext cx="0" cy="0"/>
+          <a:chOff x="0" y="0"/>
+          <a:chExt cx="0" cy="0"/>
+        </a:xfrm>
+      </p:grpSpPr>
+      <p:sp>
+        <p:nvSpPr>
+          <p:cNvPr id="2" name="Title 1"/>
+          <p:cNvSpPr>
+            <a:spLocks noGrp="1"/>
+          </p:cNvSpPr>
+          <p:nvPr>
+            <p:ph type="title"/>
+          </p:nvPr>
+        </p:nvSpPr>
+        <p:spPr/>
+        <p:txBody>
+          <a:bodyPr/>
+          <a:lstStyle/>
+          <a:p>
+            <a:r>
+              <a:rPr lang="en-US" dirty="0" smtClean="0"/>
+              <a:t>Additional Features</a:t>
+            </a:r>
+            <a:endParaRPr lang="en-US" dirty="0"/>
+          </a:p>
+        </p:txBody>
+      </p:sp>
+      <p:sp>
+        <p:nvSpPr>
+          <p:cNvPr id="3" name="Content Placeholder 2"/>
+          <p:cNvSpPr>
+            <a:spLocks noGrp="1"/>
+          </p:cNvSpPr>
+          <p:nvPr>
+            <p:ph idx="1"/>
+          </p:nvPr>
+        </p:nvSpPr>
+        <p:spPr/>
+        <p:txBody>
+          <a:bodyPr/>
+          <a:lstStyle/>
+          <a:p>
+            <a:r>
+              <a:rPr lang="en-US" dirty="0" smtClean="0"/>
+              <a:t>After a user registers, they have the option of loggin</a:t>
+            </a:r>
+            <a:r>
+              <a:rPr lang="en-US" dirty="0" smtClean="0"/>
+              <a:t>g in immediately</a:t>
+            </a:r>
+          </a:p>
+          <a:p>
+            <a:pPr lvl="1"/>
+            <a:r>
+              <a:rPr lang="en-US" dirty="0" smtClean="0"/>
+              <a:t>Login button is disabled preventing attempt at adding existing user information.</a:t>
+            </a:r>
+          </a:p>
+          <a:p>
+            <a:r>
+              <a:rPr lang="en-US" dirty="0" smtClean="0"/>
+              <a:t>After a login, user information (name, email, password) is stored to Shared Preferences.</a:t>
+            </a:r>
+          </a:p>
+          <a:p>
+            <a:pPr lvl="1"/>
+            <a:r>
+              <a:rPr lang="en-US" dirty="0" smtClean="0"/>
+              <a:t>Login activity is bypassed when the user is logged in </a:t>
+            </a:r>
+          </a:p>
+          <a:p>
+            <a:pPr lvl="1"/>
+            <a:r>
+              <a:rPr lang="en-US" dirty="0" smtClean="0"/>
+              <a:t>Logout button available to logout (requiring a username and password to be entered)</a:t>
+            </a:r>
+          </a:p>
+          <a:p>
+            <a:pPr lvl="1"/>
+            <a:r>
+              <a:rPr lang="en-US" dirty="0" smtClean="0"/>
+              <a:t>Offline access is also available for last saved session to Shared Preferences</a:t>
+            </a:r>
+          </a:p>
+          <a:p>
+            <a:r>
+              <a:rPr lang="en-US" dirty="0" smtClean="0"/>
+              <a:t>Capability of changing user’s password</a:t>
+            </a:r>
+          </a:p>
+          <a:p>
+            <a:r>
+              <a:rPr lang="en-US" dirty="0" smtClean="0"/>
+              <a:t>Capability of deleting user</a:t>
+            </a:r>
+            <a:endParaRPr lang="en-US" dirty="0" smtClean="0"/>
+          </a:p>
+          <a:p>
+            <a:endParaRPr lang="en-US" dirty="0" smtClean="0"/>
+          </a:p>
+          <a:p>
+            <a:endParaRPr lang="en-US" dirty="0"/>
+          </a:p>
+        </p:txBody>
+      </p:sp>
+    </p:spTree>
+    <p:extLst>
+      <p:ext uri="{BB962C8B-B14F-4D97-AF65-F5344CB8AC3E}">
+        <p14:creationId xmlns:p14="http://schemas.microsoft.com/office/powerpoint/2010/main" val="717692385"/>
       </p:ext>
     </p:extLst>
   </p:cSld>
@@ -7458,7 +8881,11 @@
           <a:p>
             <a:r>
               <a:rPr lang="en-US" dirty="0" smtClean="0"/>
-              <a:t>Functional Requirement—Shopping List</a:t>
+              <a:t>Non-Functional Requirement—Server </a:t>
+            </a:r>
+            <a:r>
+              <a:rPr lang="en-US" dirty="0" err="1" smtClean="0"/>
+              <a:t>Datasource</a:t>
             </a:r>
             <a:endParaRPr lang="en-US" dirty="0"/>
           </a:p>
@@ -7481,70 +8908,59 @@
           <a:p>
             <a:r>
               <a:rPr lang="en-US" dirty="0"/>
-              <a:t>1. Users will be able to manage their shopping list.  </a:t>
-            </a:r>
-            <a:r>
-              <a:rPr lang="en-US" i="1" dirty="0"/>
-              <a:t>(Managing their shopping list will include adding, editing, and removing items</a:t>
-            </a:r>
-            <a:r>
-              <a:rPr lang="en-US" i="1" dirty="0" smtClean="0"/>
-              <a:t>.)</a:t>
-            </a:r>
-            <a:endParaRPr lang="en-US" dirty="0"/>
+              <a:t>8. Server application will use </a:t>
+            </a:r>
+            <a:r>
+              <a:rPr lang="en-US" dirty="0" err="1"/>
+              <a:t>mongodb</a:t>
+            </a:r>
+            <a:r>
+              <a:rPr lang="en-US" dirty="0"/>
+              <a:t> as </a:t>
+            </a:r>
+            <a:r>
+              <a:rPr lang="en-US" dirty="0" err="1"/>
+              <a:t>datasource</a:t>
+            </a:r>
+            <a:r>
+              <a:rPr lang="en-US" dirty="0" smtClean="0"/>
+              <a:t>.</a:t>
+            </a:r>
           </a:p>
           <a:p>
             <a:pPr lvl="1"/>
             <a:r>
               <a:rPr lang="en-US" dirty="0" smtClean="0"/>
-              <a:t>1A</a:t>
-            </a:r>
-            <a:r>
-              <a:rPr lang="en-US" dirty="0"/>
-              <a:t>. Users will be able to add items to their shopping list.  (</a:t>
-            </a:r>
-            <a:r>
-              <a:rPr lang="en-US" i="1" dirty="0"/>
-              <a:t>Being able to add an item to the list is an essential feature</a:t>
-            </a:r>
-            <a:r>
-              <a:rPr lang="en-US" i="1" dirty="0" smtClean="0"/>
-              <a:t>.)</a:t>
+              <a:t>MongoDB is an open-source, no SQL, document-oriented database</a:t>
             </a:r>
           </a:p>
           <a:p>
             <a:pPr lvl="1"/>
             <a:r>
               <a:rPr lang="en-US" dirty="0" smtClean="0"/>
-              <a:t>1B</a:t>
-            </a:r>
-            <a:r>
-              <a:rPr lang="en-US" dirty="0"/>
-              <a:t>. Users will be able to edit items in their shopping list.  </a:t>
-            </a:r>
-            <a:r>
-              <a:rPr lang="en-US" i="1" dirty="0"/>
-              <a:t>(The ability to edit an item is needed in case user enters inaccurate information</a:t>
-            </a:r>
-            <a:r>
-              <a:rPr lang="en-US" i="1" dirty="0" smtClean="0"/>
-              <a:t>.)</a:t>
+              <a:t>A collection is a group of MongoDB documents (equivalent to a RDBMS table)</a:t>
             </a:r>
           </a:p>
           <a:p>
             <a:pPr lvl="1"/>
             <a:r>
               <a:rPr lang="en-US" dirty="0" smtClean="0"/>
-              <a:t>1C</a:t>
-            </a:r>
-            <a:r>
-              <a:rPr lang="en-US" dirty="0"/>
-              <a:t>. Users will be able to remove items from their shopping list.  </a:t>
-            </a:r>
-            <a:r>
-              <a:rPr lang="en-US" i="1" dirty="0"/>
-              <a:t>(The ability to remove an item is an essential feature.)</a:t>
-            </a:r>
+              <a:t>Documents within a collection can have different fields represented as key-value pairs</a:t>
+            </a:r>
+          </a:p>
+          <a:p>
+            <a:pPr lvl="2"/>
+            <a:r>
+              <a:rPr lang="en-US" dirty="0" smtClean="0"/>
+              <a:t>Consequently, JSON is an effective source of input and output</a:t>
+            </a:r>
+            <a:endParaRPr lang="en-US" dirty="0"/>
+          </a:p>
+          <a:p>
+            <a:pPr lvl="1"/>
+            <a:endParaRPr lang="en-US" dirty="0"/>
+          </a:p>
+          <a:p>
             <a:endParaRPr lang="en-US" dirty="0"/>
           </a:p>
         </p:txBody>
@@ -7552,7 +8968,7 @@
     </p:spTree>
     <p:extLst>
       <p:ext uri="{BB962C8B-B14F-4D97-AF65-F5344CB8AC3E}">
-        <p14:creationId xmlns:p14="http://schemas.microsoft.com/office/powerpoint/2010/main" val="1637306168"/>
+        <p14:creationId xmlns:p14="http://schemas.microsoft.com/office/powerpoint/2010/main" val="1806214989"/>
       </p:ext>
     </p:extLst>
   </p:cSld>
@@ -7596,7 +9012,11 @@
           <a:p>
             <a:r>
               <a:rPr lang="en-US" dirty="0" smtClean="0"/>
-              <a:t>Shopping List, Add—Client Side Implementation</a:t>
+              <a:t>Non-Functional Requirement—Server </a:t>
+            </a:r>
+            <a:r>
+              <a:rPr lang="en-US" dirty="0" err="1" smtClean="0"/>
+              <a:t>Datasource</a:t>
             </a:r>
             <a:endParaRPr lang="en-US" dirty="0"/>
           </a:p>
@@ -7617,14 +9037,118 @@
           <a:bodyPr/>
           <a:lstStyle/>
           <a:p>
-            <a:endParaRPr lang="en-US"/>
-          </a:p>
-        </p:txBody>
-      </p:sp>
+            <a:r>
+              <a:rPr lang="en-US" dirty="0"/>
+              <a:t>8. Server application will use </a:t>
+            </a:r>
+            <a:r>
+              <a:rPr lang="en-US" dirty="0" err="1"/>
+              <a:t>mongodb</a:t>
+            </a:r>
+            <a:r>
+              <a:rPr lang="en-US" dirty="0"/>
+              <a:t> as </a:t>
+            </a:r>
+            <a:r>
+              <a:rPr lang="en-US" dirty="0" err="1"/>
+              <a:t>datasource</a:t>
+            </a:r>
+            <a:r>
+              <a:rPr lang="en-US" dirty="0" smtClean="0"/>
+              <a:t>.</a:t>
+            </a:r>
+          </a:p>
+          <a:p>
+            <a:pPr lvl="1"/>
+            <a:r>
+              <a:rPr lang="en-US" dirty="0" smtClean="0"/>
+              <a:t>Schema for Deal collection:</a:t>
+            </a:r>
+          </a:p>
+          <a:p>
+            <a:pPr lvl="1"/>
+            <a:endParaRPr lang="en-US" dirty="0"/>
+          </a:p>
+          <a:p>
+            <a:pPr lvl="1"/>
+            <a:endParaRPr lang="en-US" dirty="0" smtClean="0"/>
+          </a:p>
+          <a:p>
+            <a:pPr lvl="1"/>
+            <a:endParaRPr lang="en-US" dirty="0"/>
+          </a:p>
+          <a:p>
+            <a:pPr lvl="1"/>
+            <a:endParaRPr lang="en-US" dirty="0" smtClean="0"/>
+          </a:p>
+          <a:p>
+            <a:pPr lvl="1"/>
+            <a:r>
+              <a:rPr lang="en-US" dirty="0" smtClean="0"/>
+              <a:t>Schema for User collection:</a:t>
+            </a:r>
+          </a:p>
+          <a:p>
+            <a:pPr lvl="1"/>
+            <a:endParaRPr lang="en-US" dirty="0"/>
+          </a:p>
+          <a:p>
+            <a:endParaRPr lang="en-US" dirty="0"/>
+          </a:p>
+        </p:txBody>
+      </p:sp>
+      <p:pic>
+        <p:nvPicPr>
+          <p:cNvPr id="4" name="Picture 3"/>
+          <p:cNvPicPr>
+            <a:picLocks noChangeAspect="1"/>
+          </p:cNvPicPr>
+          <p:nvPr/>
+        </p:nvPicPr>
+        <p:blipFill>
+          <a:blip r:embed="rId2"/>
+          <a:stretch>
+            <a:fillRect/>
+          </a:stretch>
+        </p:blipFill>
+        <p:spPr>
+          <a:xfrm>
+            <a:off x="2030989" y="3024650"/>
+            <a:ext cx="3495675" cy="1076325"/>
+          </a:xfrm>
+          <a:prstGeom prst="rect">
+            <a:avLst/>
+          </a:prstGeom>
+        </p:spPr>
+      </p:pic>
+      <p:pic>
+        <p:nvPicPr>
+          <p:cNvPr id="5" name="Picture 4"/>
+          <p:cNvPicPr>
+            <a:picLocks noChangeAspect="1"/>
+          </p:cNvPicPr>
+          <p:nvPr/>
+        </p:nvPicPr>
+        <p:blipFill>
+          <a:blip r:embed="rId3"/>
+          <a:stretch>
+            <a:fillRect/>
+          </a:stretch>
+        </p:blipFill>
+        <p:spPr>
+          <a:xfrm>
+            <a:off x="2030989" y="4809691"/>
+            <a:ext cx="1438275" cy="771525"/>
+          </a:xfrm>
+          <a:prstGeom prst="rect">
+            <a:avLst/>
+          </a:prstGeom>
+        </p:spPr>
+      </p:pic>
     </p:spTree>
     <p:extLst>
       <p:ext uri="{BB962C8B-B14F-4D97-AF65-F5344CB8AC3E}">
-        <p14:creationId xmlns:p14="http://schemas.microsoft.com/office/powerpoint/2010/main" val="1690294690"/>
+        <p14:creationId xmlns:p14="http://schemas.microsoft.com/office/powerpoint/2010/main" val="530421662"/>
       </p:ext>
     </p:extLst>
   </p:cSld>
@@ -7668,7 +9192,7 @@
           <a:p>
             <a:r>
               <a:rPr lang="en-US" dirty="0" smtClean="0"/>
-              <a:t>Shopping List, Add—Server Side Implementation</a:t>
+              <a:t>Functional Requirement—Shopping List</a:t>
             </a:r>
             <a:endParaRPr lang="en-US" dirty="0"/>
           </a:p>
@@ -7689,14 +9213,80 @@
           <a:bodyPr/>
           <a:lstStyle/>
           <a:p>
-            <a:endParaRPr lang="en-US"/>
+            <a:r>
+              <a:rPr lang="en-US" dirty="0"/>
+              <a:t>1. Users will be able to manage their shopping list.  </a:t>
+            </a:r>
+            <a:r>
+              <a:rPr lang="en-US" i="1" dirty="0"/>
+              <a:t>(Managing their shopping list will include adding, editing, and removing items</a:t>
+            </a:r>
+            <a:r>
+              <a:rPr lang="en-US" i="1" dirty="0" smtClean="0"/>
+              <a:t>.)</a:t>
+            </a:r>
+            <a:endParaRPr lang="en-US" dirty="0"/>
+          </a:p>
+          <a:p>
+            <a:pPr lvl="1"/>
+            <a:r>
+              <a:rPr lang="en-US" dirty="0" smtClean="0"/>
+              <a:t>1A</a:t>
+            </a:r>
+            <a:r>
+              <a:rPr lang="en-US" dirty="0"/>
+              <a:t>. Users will be able to add items to their shopping list.  (</a:t>
+            </a:r>
+            <a:r>
+              <a:rPr lang="en-US" i="1" dirty="0"/>
+              <a:t>Being able to add an item to the list is an essential feature</a:t>
+            </a:r>
+            <a:r>
+              <a:rPr lang="en-US" i="1" dirty="0" smtClean="0"/>
+              <a:t>.)</a:t>
+            </a:r>
+          </a:p>
+          <a:p>
+            <a:pPr lvl="1"/>
+            <a:r>
+              <a:rPr lang="en-US" dirty="0" smtClean="0"/>
+              <a:t>1B</a:t>
+            </a:r>
+            <a:r>
+              <a:rPr lang="en-US" dirty="0"/>
+              <a:t>. Users will be able to edit items in their shopping list.  </a:t>
+            </a:r>
+            <a:r>
+              <a:rPr lang="en-US" i="1" dirty="0"/>
+              <a:t>(The ability to edit an item is needed in case user enters inaccurate information</a:t>
+            </a:r>
+            <a:r>
+              <a:rPr lang="en-US" i="1" dirty="0" smtClean="0"/>
+              <a:t>.)</a:t>
+            </a:r>
+          </a:p>
+          <a:p>
+            <a:pPr lvl="1"/>
+            <a:r>
+              <a:rPr lang="en-US" dirty="0" smtClean="0"/>
+              <a:t>1C</a:t>
+            </a:r>
+            <a:r>
+              <a:rPr lang="en-US" dirty="0"/>
+              <a:t>. Users will be able to remove items from their shopping list.  </a:t>
+            </a:r>
+            <a:r>
+              <a:rPr lang="en-US" i="1" dirty="0"/>
+              <a:t>(The ability to remove an item is an essential feature.)</a:t>
+            </a:r>
+            <a:endParaRPr lang="en-US" dirty="0"/>
           </a:p>
         </p:txBody>
       </p:sp>
     </p:spTree>
     <p:extLst>
       <p:ext uri="{BB962C8B-B14F-4D97-AF65-F5344CB8AC3E}">
-        <p14:creationId xmlns:p14="http://schemas.microsoft.com/office/powerpoint/2010/main" val="431295959"/>
+        <p14:creationId xmlns:p14="http://schemas.microsoft.com/office/powerpoint/2010/main" val="1637306168"/>
       </p:ext>
     </p:extLst>
   </p:cSld>
@@ -7740,7 +9330,7 @@
           <a:p>
             <a:r>
               <a:rPr lang="en-US" dirty="0" smtClean="0"/>
-              <a:t>Shopping List, Edit—Client Side Implementation</a:t>
+              <a:t>Shopping List, Add—Client Side Implementation</a:t>
             </a:r>
             <a:endParaRPr lang="en-US" dirty="0"/>
           </a:p>
@@ -7768,7 +9358,7 @@
     </p:spTree>
     <p:extLst>
       <p:ext uri="{BB962C8B-B14F-4D97-AF65-F5344CB8AC3E}">
-        <p14:creationId xmlns:p14="http://schemas.microsoft.com/office/powerpoint/2010/main" val="1454182423"/>
+        <p14:creationId xmlns:p14="http://schemas.microsoft.com/office/powerpoint/2010/main" val="1690294690"/>
       </p:ext>
     </p:extLst>
   </p:cSld>
@@ -7812,7 +9402,7 @@
           <a:p>
             <a:r>
               <a:rPr lang="en-US" dirty="0" smtClean="0"/>
-              <a:t>Shopping List, Edit—Server Side Implementation</a:t>
+              <a:t>Shopping List, Add—Server Side Implementation</a:t>
             </a:r>
             <a:endParaRPr lang="en-US" dirty="0"/>
           </a:p>
@@ -7830,17 +9420,137 @@
         </p:nvSpPr>
         <p:spPr/>
         <p:txBody>
-          <a:bodyPr/>
-          <a:lstStyle/>
-          <a:p>
-            <a:endParaRPr lang="en-US"/>
-          </a:p>
-        </p:txBody>
-      </p:sp>
+          <a:bodyPr>
+            <a:normAutofit lnSpcReduction="10000"/>
+          </a:bodyPr>
+          <a:lstStyle/>
+          <a:p>
+            <a:endParaRPr lang="en-US" dirty="0" smtClean="0"/>
+          </a:p>
+          <a:p>
+            <a:endParaRPr lang="en-US" dirty="0"/>
+          </a:p>
+          <a:p>
+            <a:endParaRPr lang="en-US" dirty="0" smtClean="0"/>
+          </a:p>
+          <a:p>
+            <a:endParaRPr lang="en-US" dirty="0" smtClean="0"/>
+          </a:p>
+          <a:p>
+            <a:endParaRPr lang="en-US" dirty="0" smtClean="0"/>
+          </a:p>
+          <a:p>
+            <a:r>
+              <a:rPr lang="en-US" dirty="0" smtClean="0"/>
+              <a:t>express module parses route to those that end in /user/:</a:t>
+            </a:r>
+            <a:r>
+              <a:rPr lang="en-US" dirty="0" err="1" smtClean="0"/>
+              <a:t>user_id</a:t>
+            </a:r>
+            <a:endParaRPr lang="en-US" dirty="0" smtClean="0"/>
+          </a:p>
+          <a:p>
+            <a:r>
+              <a:rPr lang="en-US" dirty="0" err="1" smtClean="0"/>
+              <a:t>req</a:t>
+            </a:r>
+            <a:r>
+              <a:rPr lang="en-US" dirty="0" smtClean="0"/>
+              <a:t> </a:t>
+            </a:r>
+            <a:r>
+              <a:rPr lang="en-US" dirty="0"/>
+              <a:t>is JSON request object containing updated </a:t>
+            </a:r>
+            <a:r>
+              <a:rPr lang="en-US" dirty="0" smtClean="0"/>
+              <a:t>information</a:t>
+            </a:r>
+          </a:p>
+          <a:p>
+            <a:r>
+              <a:rPr lang="en-US" dirty="0" err="1" smtClean="0"/>
+              <a:t>req</a:t>
+            </a:r>
+            <a:r>
+              <a:rPr lang="en-US" dirty="0" smtClean="0"/>
+              <a:t> also includes parameter with user id</a:t>
+            </a:r>
+            <a:endParaRPr lang="en-US" dirty="0"/>
+          </a:p>
+          <a:p>
+            <a:r>
+              <a:rPr lang="en-US" dirty="0" smtClean="0"/>
+              <a:t>Uses the mongoose method </a:t>
+            </a:r>
+            <a:r>
+              <a:rPr lang="en-US" dirty="0" err="1" smtClean="0"/>
+              <a:t>findByIdAndUpdate</a:t>
+            </a:r>
+            <a:endParaRPr lang="en-US" dirty="0" smtClean="0"/>
+          </a:p>
+          <a:p>
+            <a:r>
+              <a:rPr lang="en-US" dirty="0" smtClean="0"/>
+              <a:t>Returns error http response or returns http ok response</a:t>
+            </a:r>
+            <a:endParaRPr lang="en-US" dirty="0" smtClean="0"/>
+          </a:p>
+        </p:txBody>
+      </p:sp>
+      <p:pic>
+        <p:nvPicPr>
+          <p:cNvPr id="4" name="Picture 3"/>
+          <p:cNvPicPr>
+            <a:picLocks noChangeAspect="1"/>
+          </p:cNvPicPr>
+          <p:nvPr/>
+        </p:nvPicPr>
+        <p:blipFill>
+          <a:blip r:embed="rId2"/>
+          <a:stretch>
+            <a:fillRect/>
+          </a:stretch>
+        </p:blipFill>
+        <p:spPr>
+          <a:xfrm>
+            <a:off x="850756" y="2319800"/>
+            <a:ext cx="6562725" cy="1781175"/>
+          </a:xfrm>
+          <a:prstGeom prst="rect">
+            <a:avLst/>
+          </a:prstGeom>
+        </p:spPr>
+      </p:pic>
+      <p:pic>
+        <p:nvPicPr>
+          <p:cNvPr id="6" name="Picture 5"/>
+          <p:cNvPicPr>
+            <a:picLocks noChangeAspect="1"/>
+          </p:cNvPicPr>
+          <p:nvPr/>
+        </p:nvPicPr>
+        <p:blipFill>
+          <a:blip r:embed="rId3"/>
+          <a:stretch>
+            <a:fillRect/>
+          </a:stretch>
+        </p:blipFill>
+        <p:spPr>
+          <a:xfrm>
+            <a:off x="677334" y="2072150"/>
+            <a:ext cx="2381250" cy="247650"/>
+          </a:xfrm>
+          <a:prstGeom prst="rect">
+            <a:avLst/>
+          </a:prstGeom>
+        </p:spPr>
+      </p:pic>
     </p:spTree>
     <p:extLst>
       <p:ext uri="{BB962C8B-B14F-4D97-AF65-F5344CB8AC3E}">
-        <p14:creationId xmlns:p14="http://schemas.microsoft.com/office/powerpoint/2010/main" val="1286831282"/>
+        <p14:creationId xmlns:p14="http://schemas.microsoft.com/office/powerpoint/2010/main" val="431295959"/>
       </p:ext>
     </p:extLst>
   </p:cSld>
@@ -7884,7 +9594,7 @@
           <a:p>
             <a:r>
               <a:rPr lang="en-US" dirty="0" smtClean="0"/>
-              <a:t>Shopping List, Remove—Client Side Implementation</a:t>
+              <a:t>Shopping List, Edit—Client Side Implementation</a:t>
             </a:r>
             <a:endParaRPr lang="en-US" dirty="0"/>
           </a:p>
@@ -7912,7 +9622,7 @@
     </p:spTree>
     <p:extLst>
       <p:ext uri="{BB962C8B-B14F-4D97-AF65-F5344CB8AC3E}">
-        <p14:creationId xmlns:p14="http://schemas.microsoft.com/office/powerpoint/2010/main" val="1743933881"/>
+        <p14:creationId xmlns:p14="http://schemas.microsoft.com/office/powerpoint/2010/main" val="1454182423"/>
       </p:ext>
     </p:extLst>
   </p:cSld>

--- a/My EZ Shopper.pptx
+++ b/My EZ Shopper.pptx
@@ -12,31 +12,34 @@
     <p:sldId id="286" r:id="rId6"/>
     <p:sldId id="257" r:id="rId7"/>
     <p:sldId id="264" r:id="rId8"/>
-    <p:sldId id="265" r:id="rId9"/>
-    <p:sldId id="278" r:id="rId10"/>
-    <p:sldId id="289" r:id="rId11"/>
-    <p:sldId id="280" r:id="rId12"/>
-    <p:sldId id="290" r:id="rId13"/>
-    <p:sldId id="258" r:id="rId14"/>
-    <p:sldId id="266" r:id="rId15"/>
-    <p:sldId id="259" r:id="rId16"/>
-    <p:sldId id="267" r:id="rId17"/>
-    <p:sldId id="268" r:id="rId18"/>
-    <p:sldId id="273" r:id="rId19"/>
-    <p:sldId id="274" r:id="rId20"/>
-    <p:sldId id="291" r:id="rId21"/>
-    <p:sldId id="260" r:id="rId22"/>
-    <p:sldId id="292" r:id="rId23"/>
-    <p:sldId id="269" r:id="rId24"/>
-    <p:sldId id="270" r:id="rId25"/>
-    <p:sldId id="293" r:id="rId26"/>
-    <p:sldId id="271" r:id="rId27"/>
-    <p:sldId id="272" r:id="rId28"/>
-    <p:sldId id="294" r:id="rId29"/>
-    <p:sldId id="261" r:id="rId30"/>
-    <p:sldId id="276" r:id="rId31"/>
-    <p:sldId id="277" r:id="rId32"/>
-    <p:sldId id="282" r:id="rId33"/>
+    <p:sldId id="295" r:id="rId9"/>
+    <p:sldId id="265" r:id="rId10"/>
+    <p:sldId id="278" r:id="rId11"/>
+    <p:sldId id="289" r:id="rId12"/>
+    <p:sldId id="280" r:id="rId13"/>
+    <p:sldId id="290" r:id="rId14"/>
+    <p:sldId id="258" r:id="rId15"/>
+    <p:sldId id="266" r:id="rId16"/>
+    <p:sldId id="296" r:id="rId17"/>
+    <p:sldId id="298" r:id="rId18"/>
+    <p:sldId id="259" r:id="rId19"/>
+    <p:sldId id="267" r:id="rId20"/>
+    <p:sldId id="268" r:id="rId21"/>
+    <p:sldId id="273" r:id="rId22"/>
+    <p:sldId id="274" r:id="rId23"/>
+    <p:sldId id="291" r:id="rId24"/>
+    <p:sldId id="260" r:id="rId25"/>
+    <p:sldId id="292" r:id="rId26"/>
+    <p:sldId id="269" r:id="rId27"/>
+    <p:sldId id="270" r:id="rId28"/>
+    <p:sldId id="293" r:id="rId29"/>
+    <p:sldId id="271" r:id="rId30"/>
+    <p:sldId id="272" r:id="rId31"/>
+    <p:sldId id="294" r:id="rId32"/>
+    <p:sldId id="261" r:id="rId33"/>
+    <p:sldId id="276" r:id="rId34"/>
+    <p:sldId id="277" r:id="rId35"/>
+    <p:sldId id="282" r:id="rId36"/>
   </p:sldIdLst>
   <p:sldSz cx="12192000" cy="6858000"/>
   <p:notesSz cx="6858000" cy="9144000"/>
@@ -889,7 +892,7 @@
             <a:fld id="{B61BEF0D-F0BB-DE4B-95CE-6DB70DBA9567}" type="datetimeFigureOut">
               <a:rPr lang="en-US" dirty="0"/>
               <a:pPr/>
-              <a:t>12/6/2015</a:t>
+              <a:t>12/7/2015</a:t>
             </a:fld>
             <a:endParaRPr lang="en-US" dirty="0"/>
           </a:p>
@@ -1137,7 +1140,7 @@
             <a:fld id="{B61BEF0D-F0BB-DE4B-95CE-6DB70DBA9567}" type="datetimeFigureOut">
               <a:rPr lang="en-US" dirty="0"/>
               <a:pPr/>
-              <a:t>12/6/2015</a:t>
+              <a:t>12/7/2015</a:t>
             </a:fld>
             <a:endParaRPr lang="en-US" dirty="0"/>
           </a:p>
@@ -1448,7 +1451,7 @@
             <a:fld id="{B61BEF0D-F0BB-DE4B-95CE-6DB70DBA9567}" type="datetimeFigureOut">
               <a:rPr lang="en-US" dirty="0"/>
               <a:pPr/>
-              <a:t>12/6/2015</a:t>
+              <a:t>12/7/2015</a:t>
             </a:fld>
             <a:endParaRPr lang="en-US" dirty="0"/>
           </a:p>
@@ -1778,7 +1781,7 @@
             <a:fld id="{B61BEF0D-F0BB-DE4B-95CE-6DB70DBA9567}" type="datetimeFigureOut">
               <a:rPr lang="en-US" dirty="0"/>
               <a:pPr/>
-              <a:t>12/6/2015</a:t>
+              <a:t>12/7/2015</a:t>
             </a:fld>
             <a:endParaRPr lang="en-US" dirty="0"/>
           </a:p>
@@ -2089,7 +2092,7 @@
             <a:fld id="{B61BEF0D-F0BB-DE4B-95CE-6DB70DBA9567}" type="datetimeFigureOut">
               <a:rPr lang="en-US" dirty="0"/>
               <a:pPr/>
-              <a:t>12/6/2015</a:t>
+              <a:t>12/7/2015</a:t>
             </a:fld>
             <a:endParaRPr lang="en-US" dirty="0"/>
           </a:p>
@@ -2479,7 +2482,7 @@
             <a:fld id="{B61BEF0D-F0BB-DE4B-95CE-6DB70DBA9567}" type="datetimeFigureOut">
               <a:rPr lang="en-US" dirty="0"/>
               <a:pPr/>
-              <a:t>12/6/2015</a:t>
+              <a:t>12/7/2015</a:t>
             </a:fld>
             <a:endParaRPr lang="en-US" dirty="0"/>
           </a:p>
@@ -2645,7 +2648,7 @@
           <a:p>
             <a:fld id="{55C6B4A9-1611-4792-9094-5F34BCA07E0B}" type="datetimeFigureOut">
               <a:rPr lang="en-US" dirty="0"/>
-              <a:t>12/6/2015</a:t>
+              <a:t>12/7/2015</a:t>
             </a:fld>
             <a:endParaRPr lang="en-US" dirty="0"/>
           </a:p>
@@ -2821,7 +2824,7 @@
             <a:fld id="{B61BEF0D-F0BB-DE4B-95CE-6DB70DBA9567}" type="datetimeFigureOut">
               <a:rPr lang="en-US" dirty="0"/>
               <a:pPr/>
-              <a:t>12/6/2015</a:t>
+              <a:t>12/7/2015</a:t>
             </a:fld>
             <a:endParaRPr lang="en-US" dirty="0"/>
           </a:p>
@@ -2987,7 +2990,7 @@
           <a:p>
             <a:fld id="{42A54C80-263E-416B-A8E0-580EDEADCBDC}" type="datetimeFigureOut">
               <a:rPr lang="en-US" dirty="0"/>
-              <a:t>12/6/2015</a:t>
+              <a:t>12/7/2015</a:t>
             </a:fld>
             <a:endParaRPr lang="en-US" dirty="0"/>
           </a:p>
@@ -3230,7 +3233,7 @@
             <a:fld id="{B61BEF0D-F0BB-DE4B-95CE-6DB70DBA9567}" type="datetimeFigureOut">
               <a:rPr lang="en-US" dirty="0"/>
               <a:pPr/>
-              <a:t>12/6/2015</a:t>
+              <a:t>12/7/2015</a:t>
             </a:fld>
             <a:endParaRPr lang="en-US" dirty="0"/>
           </a:p>
@@ -3458,7 +3461,7 @@
           <a:p>
             <a:fld id="{42A54C80-263E-416B-A8E0-580EDEADCBDC}" type="datetimeFigureOut">
               <a:rPr lang="en-US" dirty="0"/>
-              <a:t>12/6/2015</a:t>
+              <a:t>12/7/2015</a:t>
             </a:fld>
             <a:endParaRPr lang="en-US" dirty="0"/>
           </a:p>
@@ -3828,7 +3831,7 @@
             <a:fld id="{B61BEF0D-F0BB-DE4B-95CE-6DB70DBA9567}" type="datetimeFigureOut">
               <a:rPr lang="en-US" dirty="0"/>
               <a:pPr/>
-              <a:t>12/6/2015</a:t>
+              <a:t>12/7/2015</a:t>
             </a:fld>
             <a:endParaRPr lang="en-US" dirty="0"/>
           </a:p>
@@ -3948,7 +3951,7 @@
             <a:fld id="{B61BEF0D-F0BB-DE4B-95CE-6DB70DBA9567}" type="datetimeFigureOut">
               <a:rPr lang="en-US" dirty="0"/>
               <a:pPr/>
-              <a:t>12/6/2015</a:t>
+              <a:t>12/7/2015</a:t>
             </a:fld>
             <a:endParaRPr lang="en-US" dirty="0"/>
           </a:p>
@@ -4040,7 +4043,7 @@
             <a:fld id="{B61BEF0D-F0BB-DE4B-95CE-6DB70DBA9567}" type="datetimeFigureOut">
               <a:rPr lang="en-US" dirty="0"/>
               <a:pPr/>
-              <a:t>12/6/2015</a:t>
+              <a:t>12/7/2015</a:t>
             </a:fld>
             <a:endParaRPr lang="en-US" dirty="0"/>
           </a:p>
@@ -4291,7 +4294,7 @@
           <a:p>
             <a:fld id="{42A54C80-263E-416B-A8E0-580EDEADCBDC}" type="datetimeFigureOut">
               <a:rPr lang="en-US" dirty="0"/>
-              <a:t>12/6/2015</a:t>
+              <a:t>12/7/2015</a:t>
             </a:fld>
             <a:endParaRPr lang="en-US" dirty="0"/>
           </a:p>
@@ -4593,7 +4596,7 @@
             <a:fld id="{B61BEF0D-F0BB-DE4B-95CE-6DB70DBA9567}" type="datetimeFigureOut">
               <a:rPr lang="en-US" dirty="0"/>
               <a:pPr/>
-              <a:t>12/6/2015</a:t>
+              <a:t>12/7/2015</a:t>
             </a:fld>
             <a:endParaRPr lang="en-US" dirty="0"/>
           </a:p>
@@ -5291,7 +5294,7 @@
             <a:fld id="{B61BEF0D-F0BB-DE4B-95CE-6DB70DBA9567}" type="datetimeFigureOut">
               <a:rPr lang="en-US" dirty="0"/>
               <a:pPr/>
-              <a:t>12/6/2015</a:t>
+              <a:t>12/7/2015</a:t>
             </a:fld>
             <a:endParaRPr lang="en-US" dirty="0"/>
           </a:p>
@@ -6095,6 +6098,164 @@
             <p:ph type="title"/>
           </p:nvPr>
         </p:nvSpPr>
+        <p:spPr>
+          <a:xfrm>
+            <a:off x="608508" y="147484"/>
+            <a:ext cx="8596668" cy="1320800"/>
+          </a:xfrm>
+        </p:spPr>
+        <p:txBody>
+          <a:bodyPr/>
+          <a:lstStyle/>
+          <a:p>
+            <a:r>
+              <a:rPr lang="en-US" dirty="0" smtClean="0"/>
+              <a:t>Shopping List, Edit—Client Side Implementation</a:t>
+            </a:r>
+            <a:endParaRPr lang="en-US" dirty="0"/>
+          </a:p>
+        </p:txBody>
+      </p:sp>
+      <p:sp>
+        <p:nvSpPr>
+          <p:cNvPr id="3" name="Content Placeholder 2"/>
+          <p:cNvSpPr>
+            <a:spLocks noGrp="1"/>
+          </p:cNvSpPr>
+          <p:nvPr>
+            <p:ph idx="1"/>
+          </p:nvPr>
+        </p:nvSpPr>
+        <p:spPr>
+          <a:xfrm>
+            <a:off x="677334" y="3578942"/>
+            <a:ext cx="8596668" cy="2462420"/>
+          </a:xfrm>
+        </p:spPr>
+        <p:txBody>
+          <a:bodyPr/>
+          <a:lstStyle/>
+          <a:p>
+            <a:r>
+              <a:rPr lang="en-US" dirty="0" smtClean="0"/>
+              <a:t>Similar implementation to Add</a:t>
+            </a:r>
+          </a:p>
+          <a:p>
+            <a:r>
+              <a:rPr lang="en-US" dirty="0" smtClean="0"/>
+              <a:t>A String with the product text is sent, and this is set to the value of the </a:t>
+            </a:r>
+            <a:r>
+              <a:rPr lang="en-US" dirty="0" err="1" smtClean="0"/>
+              <a:t>editedItem</a:t>
+            </a:r>
+            <a:r>
+              <a:rPr lang="en-US" dirty="0" smtClean="0"/>
+              <a:t> widget</a:t>
+            </a:r>
+          </a:p>
+          <a:p>
+            <a:r>
+              <a:rPr lang="en-US" dirty="0" err="1" smtClean="0"/>
+              <a:t>restoreDialog</a:t>
+            </a:r>
+            <a:r>
+              <a:rPr lang="en-US" dirty="0" smtClean="0"/>
+              <a:t> function is used to handle rotation</a:t>
+            </a:r>
+            <a:endParaRPr lang="en-US" dirty="0"/>
+          </a:p>
+        </p:txBody>
+      </p:sp>
+      <p:pic>
+        <p:nvPicPr>
+          <p:cNvPr id="4" name="Picture 3"/>
+          <p:cNvPicPr>
+            <a:picLocks noChangeAspect="1"/>
+          </p:cNvPicPr>
+          <p:nvPr/>
+        </p:nvPicPr>
+        <p:blipFill>
+          <a:blip r:embed="rId2"/>
+          <a:stretch>
+            <a:fillRect/>
+          </a:stretch>
+        </p:blipFill>
+        <p:spPr>
+          <a:xfrm>
+            <a:off x="3965200" y="807884"/>
+            <a:ext cx="5239976" cy="810420"/>
+          </a:xfrm>
+          <a:prstGeom prst="rect">
+            <a:avLst/>
+          </a:prstGeom>
+        </p:spPr>
+      </p:pic>
+      <p:pic>
+        <p:nvPicPr>
+          <p:cNvPr id="5" name="Picture 4"/>
+          <p:cNvPicPr>
+            <a:picLocks noChangeAspect="1"/>
+          </p:cNvPicPr>
+          <p:nvPr/>
+        </p:nvPicPr>
+        <p:blipFill>
+          <a:blip r:embed="rId3"/>
+          <a:stretch>
+            <a:fillRect/>
+          </a:stretch>
+        </p:blipFill>
+        <p:spPr>
+          <a:xfrm>
+            <a:off x="608507" y="1618304"/>
+            <a:ext cx="10953999" cy="1960638"/>
+          </a:xfrm>
+          <a:prstGeom prst="rect">
+            <a:avLst/>
+          </a:prstGeom>
+        </p:spPr>
+      </p:pic>
+    </p:spTree>
+    <p:extLst>
+      <p:ext uri="{BB962C8B-B14F-4D97-AF65-F5344CB8AC3E}">
+        <p14:creationId xmlns:p14="http://schemas.microsoft.com/office/powerpoint/2010/main" val="1454182423"/>
+      </p:ext>
+    </p:extLst>
+  </p:cSld>
+  <p:clrMapOvr>
+    <a:masterClrMapping/>
+  </p:clrMapOvr>
+</p:sld>
+</file>
+
+<file path=ppt/slides/slide11.xml><?xml version="1.0" encoding="utf-8"?>
+<p:sld xmlns:a="http://schemas.openxmlformats.org/drawingml/2006/main" xmlns:r="http://schemas.openxmlformats.org/officeDocument/2006/relationships" xmlns:p="http://schemas.openxmlformats.org/presentationml/2006/main">
+  <p:cSld>
+    <p:spTree>
+      <p:nvGrpSpPr>
+        <p:cNvPr id="1" name=""/>
+        <p:cNvGrpSpPr/>
+        <p:nvPr/>
+      </p:nvGrpSpPr>
+      <p:grpSpPr>
+        <a:xfrm>
+          <a:off x="0" y="0"/>
+          <a:ext cx="0" cy="0"/>
+          <a:chOff x="0" y="0"/>
+          <a:chExt cx="0" cy="0"/>
+        </a:xfrm>
+      </p:grpSpPr>
+      <p:sp>
+        <p:nvSpPr>
+          <p:cNvPr id="2" name="Title 1"/>
+          <p:cNvSpPr>
+            <a:spLocks noGrp="1"/>
+          </p:cNvSpPr>
+          <p:nvPr>
+            <p:ph type="title"/>
+          </p:nvPr>
+        </p:nvSpPr>
         <p:spPr/>
         <p:txBody>
           <a:bodyPr/>
@@ -6102,7 +6263,19 @@
           <a:p>
             <a:r>
               <a:rPr lang="en-US" dirty="0" smtClean="0"/>
-              <a:t>Shopping List, Add—Server Side Implementation</a:t>
+              <a:t>Shopping List, </a:t>
+            </a:r>
+            <a:r>
+              <a:rPr lang="en-US" dirty="0" smtClean="0"/>
+              <a:t>Edit</a:t>
+            </a:r>
+            <a:r>
+              <a:rPr lang="en-US" dirty="0" smtClean="0"/>
+              <a:t>—Server </a:t>
+            </a:r>
+            <a:r>
+              <a:rPr lang="en-US" dirty="0" smtClean="0"/>
+              <a:t>Side Implementation</a:t>
             </a:r>
             <a:endParaRPr lang="en-US" dirty="0"/>
           </a:p>
@@ -6206,7 +6379,6 @@
               <a:rPr lang="en-US" dirty="0" smtClean="0"/>
               <a:t>Returns error http response or returns http ok response</a:t>
             </a:r>
-            <a:endParaRPr lang="en-US" dirty="0" smtClean="0"/>
           </a:p>
         </p:txBody>
       </p:sp>
@@ -6271,78 +6443,6 @@
 </p:sld>
 </file>
 
-<file path=ppt/slides/slide11.xml><?xml version="1.0" encoding="utf-8"?>
-<p:sld xmlns:a="http://schemas.openxmlformats.org/drawingml/2006/main" xmlns:r="http://schemas.openxmlformats.org/officeDocument/2006/relationships" xmlns:p="http://schemas.openxmlformats.org/presentationml/2006/main">
-  <p:cSld>
-    <p:spTree>
-      <p:nvGrpSpPr>
-        <p:cNvPr id="1" name=""/>
-        <p:cNvGrpSpPr/>
-        <p:nvPr/>
-      </p:nvGrpSpPr>
-      <p:grpSpPr>
-        <a:xfrm>
-          <a:off x="0" y="0"/>
-          <a:ext cx="0" cy="0"/>
-          <a:chOff x="0" y="0"/>
-          <a:chExt cx="0" cy="0"/>
-        </a:xfrm>
-      </p:grpSpPr>
-      <p:sp>
-        <p:nvSpPr>
-          <p:cNvPr id="2" name="Title 1"/>
-          <p:cNvSpPr>
-            <a:spLocks noGrp="1"/>
-          </p:cNvSpPr>
-          <p:nvPr>
-            <p:ph type="title"/>
-          </p:nvPr>
-        </p:nvSpPr>
-        <p:spPr/>
-        <p:txBody>
-          <a:bodyPr/>
-          <a:lstStyle/>
-          <a:p>
-            <a:r>
-              <a:rPr lang="en-US" dirty="0" smtClean="0"/>
-              <a:t>Shopping List, Remove—Client Side Implementation</a:t>
-            </a:r>
-            <a:endParaRPr lang="en-US" dirty="0"/>
-          </a:p>
-        </p:txBody>
-      </p:sp>
-      <p:sp>
-        <p:nvSpPr>
-          <p:cNvPr id="3" name="Content Placeholder 2"/>
-          <p:cNvSpPr>
-            <a:spLocks noGrp="1"/>
-          </p:cNvSpPr>
-          <p:nvPr>
-            <p:ph idx="1"/>
-          </p:nvPr>
-        </p:nvSpPr>
-        <p:spPr/>
-        <p:txBody>
-          <a:bodyPr/>
-          <a:lstStyle/>
-          <a:p>
-            <a:endParaRPr lang="en-US"/>
-          </a:p>
-        </p:txBody>
-      </p:sp>
-    </p:spTree>
-    <p:extLst>
-      <p:ext uri="{BB962C8B-B14F-4D97-AF65-F5344CB8AC3E}">
-        <p14:creationId xmlns:p14="http://schemas.microsoft.com/office/powerpoint/2010/main" val="1743933881"/>
-      </p:ext>
-    </p:extLst>
-  </p:cSld>
-  <p:clrMapOvr>
-    <a:masterClrMapping/>
-  </p:clrMapOvr>
-</p:sld>
-</file>
-
 <file path=ppt/slides/slide12.xml><?xml version="1.0" encoding="utf-8"?>
 <p:sld xmlns:a="http://schemas.openxmlformats.org/drawingml/2006/main" xmlns:r="http://schemas.openxmlformats.org/officeDocument/2006/relationships" xmlns:p="http://schemas.openxmlformats.org/presentationml/2006/main">
   <p:cSld>
@@ -6370,6 +6470,158 @@
             <p:ph type="title"/>
           </p:nvPr>
         </p:nvSpPr>
+        <p:spPr>
+          <a:xfrm>
+            <a:off x="324464" y="409677"/>
+            <a:ext cx="8035137" cy="1032387"/>
+          </a:xfrm>
+        </p:spPr>
+        <p:txBody>
+          <a:bodyPr>
+            <a:normAutofit fontScale="90000"/>
+          </a:bodyPr>
+          <a:lstStyle/>
+          <a:p>
+            <a:r>
+              <a:rPr lang="en-US" dirty="0" smtClean="0"/>
+              <a:t>Shopping List, Remove—Client Side Implementation</a:t>
+            </a:r>
+            <a:endParaRPr lang="en-US" dirty="0"/>
+          </a:p>
+        </p:txBody>
+      </p:sp>
+      <p:sp>
+        <p:nvSpPr>
+          <p:cNvPr id="3" name="Content Placeholder 2"/>
+          <p:cNvSpPr>
+            <a:spLocks noGrp="1"/>
+          </p:cNvSpPr>
+          <p:nvPr>
+            <p:ph idx="1"/>
+          </p:nvPr>
+        </p:nvSpPr>
+        <p:spPr>
+          <a:xfrm>
+            <a:off x="677334" y="4182042"/>
+            <a:ext cx="8596668" cy="1859320"/>
+          </a:xfrm>
+        </p:spPr>
+        <p:txBody>
+          <a:bodyPr/>
+          <a:lstStyle/>
+          <a:p>
+            <a:r>
+              <a:rPr lang="en-US" dirty="0" smtClean="0"/>
+              <a:t>Avoided code duplication by re-using </a:t>
+            </a:r>
+            <a:r>
+              <a:rPr lang="en-US" dirty="0" err="1" smtClean="0"/>
+              <a:t>JSONTaskPost</a:t>
+            </a:r>
+            <a:r>
+              <a:rPr lang="en-US" dirty="0" smtClean="0"/>
+              <a:t>, like Add and Edit use.</a:t>
+            </a:r>
+          </a:p>
+          <a:p>
+            <a:r>
+              <a:rPr lang="en-US" dirty="0" smtClean="0"/>
+              <a:t>The deleted item is removed from the </a:t>
+            </a:r>
+            <a:r>
+              <a:rPr lang="en-US" dirty="0" err="1" smtClean="0"/>
+              <a:t>shoppingList</a:t>
+            </a:r>
+            <a:r>
+              <a:rPr lang="en-US" dirty="0" smtClean="0"/>
+              <a:t> </a:t>
+            </a:r>
+            <a:r>
+              <a:rPr lang="en-US" dirty="0" err="1" smtClean="0"/>
+              <a:t>ArrayList</a:t>
+            </a:r>
+            <a:r>
+              <a:rPr lang="en-US" dirty="0" smtClean="0"/>
+              <a:t> and posted to the database</a:t>
+            </a:r>
+          </a:p>
+          <a:p>
+            <a:r>
+              <a:rPr lang="en-US" dirty="0" err="1" smtClean="0"/>
+              <a:t>RecyclerView</a:t>
+            </a:r>
+            <a:r>
+              <a:rPr lang="en-US" dirty="0" smtClean="0"/>
+              <a:t> UI is refreshed each time we post to the database, keeping the user’s view up to date</a:t>
+            </a:r>
+            <a:endParaRPr lang="en-US" dirty="0"/>
+          </a:p>
+        </p:txBody>
+      </p:sp>
+      <p:pic>
+        <p:nvPicPr>
+          <p:cNvPr id="4" name="Picture 3"/>
+          <p:cNvPicPr>
+            <a:picLocks noChangeAspect="1"/>
+          </p:cNvPicPr>
+          <p:nvPr/>
+        </p:nvPicPr>
+        <p:blipFill>
+          <a:blip r:embed="rId2"/>
+          <a:stretch>
+            <a:fillRect/>
+          </a:stretch>
+        </p:blipFill>
+        <p:spPr>
+          <a:xfrm>
+            <a:off x="3411794" y="925870"/>
+            <a:ext cx="8585405" cy="3256172"/>
+          </a:xfrm>
+          <a:prstGeom prst="rect">
+            <a:avLst/>
+          </a:prstGeom>
+        </p:spPr>
+      </p:pic>
+    </p:spTree>
+    <p:extLst>
+      <p:ext uri="{BB962C8B-B14F-4D97-AF65-F5344CB8AC3E}">
+        <p14:creationId xmlns:p14="http://schemas.microsoft.com/office/powerpoint/2010/main" val="1743933881"/>
+      </p:ext>
+    </p:extLst>
+  </p:cSld>
+  <p:clrMapOvr>
+    <a:masterClrMapping/>
+  </p:clrMapOvr>
+</p:sld>
+</file>
+
+<file path=ppt/slides/slide13.xml><?xml version="1.0" encoding="utf-8"?>
+<p:sld xmlns:a="http://schemas.openxmlformats.org/drawingml/2006/main" xmlns:r="http://schemas.openxmlformats.org/officeDocument/2006/relationships" xmlns:p="http://schemas.openxmlformats.org/presentationml/2006/main">
+  <p:cSld>
+    <p:spTree>
+      <p:nvGrpSpPr>
+        <p:cNvPr id="1" name=""/>
+        <p:cNvGrpSpPr/>
+        <p:nvPr/>
+      </p:nvGrpSpPr>
+      <p:grpSpPr>
+        <a:xfrm>
+          <a:off x="0" y="0"/>
+          <a:ext cx="0" cy="0"/>
+          <a:chOff x="0" y="0"/>
+          <a:chExt cx="0" cy="0"/>
+        </a:xfrm>
+      </p:grpSpPr>
+      <p:sp>
+        <p:nvSpPr>
+          <p:cNvPr id="2" name="Title 1"/>
+          <p:cNvSpPr>
+            <a:spLocks noGrp="1"/>
+          </p:cNvSpPr>
+          <p:nvPr>
+            <p:ph type="title"/>
+          </p:nvPr>
+        </p:nvSpPr>
         <p:spPr/>
         <p:txBody>
           <a:bodyPr/>
@@ -6377,7 +6629,19 @@
           <a:p>
             <a:r>
               <a:rPr lang="en-US" dirty="0" smtClean="0"/>
-              <a:t>Shopping List, Add—Server Side Implementation</a:t>
+              <a:t>Shopping List, </a:t>
+            </a:r>
+            <a:r>
+              <a:rPr lang="en-US" dirty="0" smtClean="0"/>
+              <a:t>Remove</a:t>
+            </a:r>
+            <a:r>
+              <a:rPr lang="en-US" dirty="0" smtClean="0"/>
+              <a:t>—Server </a:t>
+            </a:r>
+            <a:r>
+              <a:rPr lang="en-US" dirty="0" smtClean="0"/>
+              <a:t>Side Implementation</a:t>
             </a:r>
             <a:endParaRPr lang="en-US" dirty="0"/>
           </a:p>
@@ -6486,7 +6750,6 @@
               <a:rPr lang="en-US" dirty="0" smtClean="0"/>
               <a:t>Returns error http response or returns http ok response</a:t>
             </a:r>
-            <a:endParaRPr lang="en-US" dirty="0" smtClean="0"/>
           </a:p>
         </p:txBody>
       </p:sp>
@@ -6551,86 +6814,6 @@
 </p:sld>
 </file>
 
-<file path=ppt/slides/slide13.xml><?xml version="1.0" encoding="utf-8"?>
-<p:sld xmlns:a="http://schemas.openxmlformats.org/drawingml/2006/main" xmlns:r="http://schemas.openxmlformats.org/officeDocument/2006/relationships" xmlns:p="http://schemas.openxmlformats.org/presentationml/2006/main">
-  <p:cSld>
-    <p:spTree>
-      <p:nvGrpSpPr>
-        <p:cNvPr id="1" name=""/>
-        <p:cNvGrpSpPr/>
-        <p:nvPr/>
-      </p:nvGrpSpPr>
-      <p:grpSpPr>
-        <a:xfrm>
-          <a:off x="0" y="0"/>
-          <a:ext cx="0" cy="0"/>
-          <a:chOff x="0" y="0"/>
-          <a:chExt cx="0" cy="0"/>
-        </a:xfrm>
-      </p:grpSpPr>
-      <p:sp>
-        <p:nvSpPr>
-          <p:cNvPr id="2" name="Title 1"/>
-          <p:cNvSpPr>
-            <a:spLocks noGrp="1"/>
-          </p:cNvSpPr>
-          <p:nvPr>
-            <p:ph type="title"/>
-          </p:nvPr>
-        </p:nvSpPr>
-        <p:spPr/>
-        <p:txBody>
-          <a:bodyPr/>
-          <a:lstStyle/>
-          <a:p>
-            <a:r>
-              <a:rPr lang="en-US" dirty="0" smtClean="0"/>
-              <a:t>Functional Requirement—API Deals</a:t>
-            </a:r>
-            <a:endParaRPr lang="en-US" dirty="0"/>
-          </a:p>
-        </p:txBody>
-      </p:sp>
-      <p:sp>
-        <p:nvSpPr>
-          <p:cNvPr id="3" name="Content Placeholder 2"/>
-          <p:cNvSpPr>
-            <a:spLocks noGrp="1"/>
-          </p:cNvSpPr>
-          <p:nvPr>
-            <p:ph idx="1"/>
-          </p:nvPr>
-        </p:nvSpPr>
-        <p:spPr/>
-        <p:txBody>
-          <a:bodyPr/>
-          <a:lstStyle/>
-          <a:p>
-            <a:r>
-              <a:rPr lang="en-US" dirty="0"/>
-              <a:t>2. Users will be able to search for sale prices at supported stores for an item in their shopping list. </a:t>
-            </a:r>
-            <a:r>
-              <a:rPr lang="en-US" i="1" dirty="0"/>
-              <a:t>(This will allow users to find prices for an item of interest.)</a:t>
-            </a:r>
-            <a:endParaRPr lang="en-US" dirty="0"/>
-          </a:p>
-        </p:txBody>
-      </p:sp>
-    </p:spTree>
-    <p:extLst>
-      <p:ext uri="{BB962C8B-B14F-4D97-AF65-F5344CB8AC3E}">
-        <p14:creationId xmlns:p14="http://schemas.microsoft.com/office/powerpoint/2010/main" val="3396351313"/>
-      </p:ext>
-    </p:extLst>
-  </p:cSld>
-  <p:clrMapOvr>
-    <a:masterClrMapping/>
-  </p:clrMapOvr>
-</p:sld>
-</file>
-
 <file path=ppt/slides/slide14.xml><?xml version="1.0" encoding="utf-8"?>
 <p:sld xmlns:a="http://schemas.openxmlformats.org/drawingml/2006/main" xmlns:r="http://schemas.openxmlformats.org/officeDocument/2006/relationships" xmlns:p="http://schemas.openxmlformats.org/presentationml/2006/main">
   <p:cSld>
@@ -6665,7 +6848,7 @@
           <a:p>
             <a:r>
               <a:rPr lang="en-US" dirty="0" smtClean="0"/>
-              <a:t>API Deals—Client Side Implementation</a:t>
+              <a:t>Functional Requirement—API Deals</a:t>
             </a:r>
             <a:endParaRPr lang="en-US" dirty="0"/>
           </a:p>
@@ -6686,14 +6869,22 @@
           <a:bodyPr/>
           <a:lstStyle/>
           <a:p>
-            <a:endParaRPr lang="en-US"/>
+            <a:r>
+              <a:rPr lang="en-US" dirty="0"/>
+              <a:t>2. Users will be able to search for sale prices at supported stores for an item in their shopping list. </a:t>
+            </a:r>
+            <a:r>
+              <a:rPr lang="en-US" i="1" dirty="0"/>
+              <a:t>(This will allow users to find prices for an item of interest.)</a:t>
+            </a:r>
+            <a:endParaRPr lang="en-US" dirty="0"/>
           </a:p>
         </p:txBody>
       </p:sp>
     </p:spTree>
     <p:extLst>
       <p:ext uri="{BB962C8B-B14F-4D97-AF65-F5344CB8AC3E}">
-        <p14:creationId xmlns:p14="http://schemas.microsoft.com/office/powerpoint/2010/main" val="2221208027"/>
+        <p14:creationId xmlns:p14="http://schemas.microsoft.com/office/powerpoint/2010/main" val="3396351313"/>
       </p:ext>
     </p:extLst>
   </p:cSld>
@@ -6737,7 +6928,7 @@
           <a:p>
             <a:r>
               <a:rPr lang="en-US" dirty="0" smtClean="0"/>
-              <a:t>Functional Requirement—User Deals</a:t>
+              <a:t>API Deals—Client Side Implementation</a:t>
             </a:r>
             <a:endParaRPr lang="en-US" dirty="0"/>
           </a:p>
@@ -6753,68 +6944,77 @@
             <p:ph idx="1"/>
           </p:nvPr>
         </p:nvSpPr>
-        <p:spPr/>
-        <p:txBody>
-          <a:bodyPr/>
-          <a:lstStyle/>
-          <a:p>
-            <a:r>
-              <a:rPr lang="en-US" dirty="0"/>
-              <a:t>3. Users will be able to add an item that is available for sale to the system.  </a:t>
-            </a:r>
-            <a:r>
-              <a:rPr lang="en-US" i="1" dirty="0"/>
-              <a:t>(This allows users to add items that are not located by Requirement 2</a:t>
-            </a:r>
-            <a:r>
-              <a:rPr lang="en-US" i="1" dirty="0" smtClean="0"/>
-              <a:t>.)</a:t>
-            </a:r>
-          </a:p>
-          <a:p>
-            <a:r>
-              <a:rPr lang="en-US" dirty="0" smtClean="0"/>
-              <a:t>4. Users </a:t>
-            </a:r>
-            <a:r>
-              <a:rPr lang="en-US" dirty="0"/>
-              <a:t>will be able to validate whether an item is available at a sales price. </a:t>
-            </a:r>
-            <a:r>
-              <a:rPr lang="en-US" i="1" dirty="0"/>
-              <a:t>(This allows users to determine whether an item is still available</a:t>
-            </a:r>
-            <a:r>
-              <a:rPr lang="en-US" i="1" dirty="0" smtClean="0"/>
-              <a:t>.)</a:t>
-            </a:r>
-          </a:p>
-          <a:p>
-            <a:r>
-              <a:rPr lang="en-US" dirty="0"/>
-              <a:t>5. Expired user-created deals will not appear in search results.  </a:t>
-            </a:r>
-            <a:r>
-              <a:rPr lang="en-US" i="1" dirty="0"/>
-              <a:t>(This feature is necessary for ensuring that only valid deals appear.)</a:t>
-            </a:r>
-            <a:endParaRPr lang="en-US" dirty="0"/>
-          </a:p>
-          <a:p>
-            <a:endParaRPr lang="en-US" dirty="0"/>
-          </a:p>
-        </p:txBody>
-      </p:sp>
+        <p:spPr>
+          <a:xfrm>
+            <a:off x="677334" y="3950061"/>
+            <a:ext cx="8596668" cy="2676882"/>
+          </a:xfrm>
+        </p:spPr>
+        <p:txBody>
+          <a:bodyPr/>
+          <a:lstStyle/>
+          <a:p>
+            <a:r>
+              <a:rPr lang="en-US" dirty="0" smtClean="0"/>
+              <a:t>Best Buy and Walmart APIs used to search for online deals</a:t>
+            </a:r>
+          </a:p>
+          <a:p>
+            <a:r>
+              <a:rPr lang="en-US" dirty="0" smtClean="0"/>
+              <a:t>Both require API Keys to identify the developer making the request (free for developers)</a:t>
+            </a:r>
+          </a:p>
+          <a:p>
+            <a:r>
+              <a:rPr lang="en-US" dirty="0" smtClean="0"/>
+              <a:t>Both APIs are accessed using a GET request</a:t>
+            </a:r>
+            <a:endParaRPr lang="en-US" dirty="0"/>
+          </a:p>
+        </p:txBody>
+      </p:sp>
+      <p:pic>
+        <p:nvPicPr>
+          <p:cNvPr id="5" name="Picture 4"/>
+          <p:cNvPicPr>
+            <a:picLocks noChangeAspect="1"/>
+          </p:cNvPicPr>
+          <p:nvPr/>
+        </p:nvPicPr>
+        <p:blipFill>
+          <a:blip r:embed="rId2"/>
+          <a:stretch>
+            <a:fillRect/>
+          </a:stretch>
+        </p:blipFill>
+        <p:spPr>
+          <a:xfrm>
+            <a:off x="594237" y="1212645"/>
+            <a:ext cx="11530968" cy="2641600"/>
+          </a:xfrm>
+          <a:prstGeom prst="rect">
+            <a:avLst/>
+          </a:prstGeom>
+        </p:spPr>
+      </p:pic>
     </p:spTree>
     <p:extLst>
       <p:ext uri="{BB962C8B-B14F-4D97-AF65-F5344CB8AC3E}">
-        <p14:creationId xmlns:p14="http://schemas.microsoft.com/office/powerpoint/2010/main" val="3002737573"/>
+        <p14:creationId xmlns:p14="http://schemas.microsoft.com/office/powerpoint/2010/main" val="2221208027"/>
       </p:ext>
     </p:extLst>
   </p:cSld>
   <p:clrMapOvr>
     <a:masterClrMapping/>
   </p:clrMapOvr>
+  <p:timing>
+    <p:tnLst>
+      <p:par>
+        <p:cTn id="1" dur="indefinite" restart="never" nodeType="tmRoot"/>
+      </p:par>
+    </p:tnLst>
+  </p:timing>
 </p:sld>
 </file>
 
@@ -6845,6 +7045,299 @@
             <p:ph type="title"/>
           </p:nvPr>
         </p:nvSpPr>
+        <p:spPr>
+          <a:xfrm>
+            <a:off x="539683" y="111125"/>
+            <a:ext cx="8596668" cy="1320800"/>
+          </a:xfrm>
+        </p:spPr>
+        <p:txBody>
+          <a:bodyPr/>
+          <a:lstStyle/>
+          <a:p>
+            <a:r>
+              <a:rPr lang="en-US" dirty="0" smtClean="0"/>
+              <a:t>Best Buy Request/Response Example</a:t>
+            </a:r>
+            <a:endParaRPr lang="en-US" dirty="0"/>
+          </a:p>
+        </p:txBody>
+      </p:sp>
+      <p:sp>
+        <p:nvSpPr>
+          <p:cNvPr id="3" name="Content Placeholder 2"/>
+          <p:cNvSpPr>
+            <a:spLocks noGrp="1"/>
+          </p:cNvSpPr>
+          <p:nvPr>
+            <p:ph idx="1"/>
+          </p:nvPr>
+        </p:nvSpPr>
+        <p:spPr>
+          <a:xfrm>
+            <a:off x="234882" y="752118"/>
+            <a:ext cx="8596668" cy="2676882"/>
+          </a:xfrm>
+        </p:spPr>
+        <p:txBody>
+          <a:bodyPr>
+            <a:normAutofit fontScale="85000" lnSpcReduction="10000"/>
+          </a:bodyPr>
+          <a:lstStyle/>
+          <a:p>
+            <a:r>
+              <a:rPr lang="en-US" dirty="0" smtClean="0"/>
+              <a:t>GET request: https</a:t>
+            </a:r>
+            <a:r>
+              <a:rPr lang="en-US" dirty="0"/>
+              <a:t>://api.bestbuy.com/v1/products((search=Playstation&amp;search=4)&amp;bestSellingRank&lt;100&amp;customerReviewCount&gt;50)?</a:t>
+            </a:r>
+            <a:r>
+              <a:rPr lang="en-US" dirty="0" smtClean="0"/>
+              <a:t>apiKey=wmk4xz9c5ynrvcvcvwtzmp6r&amp;sort=name.asc&amp;show=name,salePrice,regularPrice,shortDescription,inStoreAvailability,onlineAvailability&amp;format=json</a:t>
+            </a:r>
+          </a:p>
+          <a:p>
+            <a:r>
+              <a:rPr lang="en-US" dirty="0" smtClean="0"/>
+              <a:t>Best Selling Rank and Customer Review Count were                                                             added in to filter poor results that are returned                                                                                      by default</a:t>
+            </a:r>
+          </a:p>
+          <a:p>
+            <a:r>
+              <a:rPr lang="en-US" dirty="0" smtClean="0"/>
+              <a:t>A list of attributes we want back is also included</a:t>
+            </a:r>
+          </a:p>
+          <a:p>
+            <a:r>
+              <a:rPr lang="en-US" dirty="0" smtClean="0"/>
+              <a:t>The request is denied without the API key</a:t>
+            </a:r>
+          </a:p>
+          <a:p>
+            <a:r>
+              <a:rPr lang="en-US" dirty="0" smtClean="0"/>
+              <a:t>Partial response:</a:t>
+            </a:r>
+            <a:endParaRPr lang="en-US" dirty="0" smtClean="0"/>
+          </a:p>
+        </p:txBody>
+      </p:sp>
+      <p:pic>
+        <p:nvPicPr>
+          <p:cNvPr id="4" name="Picture 3"/>
+          <p:cNvPicPr>
+            <a:picLocks noChangeAspect="1"/>
+          </p:cNvPicPr>
+          <p:nvPr/>
+        </p:nvPicPr>
+        <p:blipFill rotWithShape="1">
+          <a:blip r:embed="rId2"/>
+          <a:srcRect r="31109"/>
+          <a:stretch/>
+        </p:blipFill>
+        <p:spPr>
+          <a:xfrm>
+            <a:off x="5460544" y="1617100"/>
+            <a:ext cx="6466708" cy="5314950"/>
+          </a:xfrm>
+          <a:prstGeom prst="rect">
+            <a:avLst/>
+          </a:prstGeom>
+        </p:spPr>
+      </p:pic>
+    </p:spTree>
+    <p:extLst>
+      <p:ext uri="{BB962C8B-B14F-4D97-AF65-F5344CB8AC3E}">
+        <p14:creationId xmlns:p14="http://schemas.microsoft.com/office/powerpoint/2010/main" val="2822211655"/>
+      </p:ext>
+    </p:extLst>
+  </p:cSld>
+  <p:clrMapOvr>
+    <a:masterClrMapping/>
+  </p:clrMapOvr>
+  <p:timing>
+    <p:tnLst>
+      <p:par>
+        <p:cTn id="1" dur="indefinite" restart="never" nodeType="tmRoot"/>
+      </p:par>
+    </p:tnLst>
+  </p:timing>
+</p:sld>
+</file>
+
+<file path=ppt/slides/slide17.xml><?xml version="1.0" encoding="utf-8"?>
+<p:sld xmlns:a="http://schemas.openxmlformats.org/drawingml/2006/main" xmlns:r="http://schemas.openxmlformats.org/officeDocument/2006/relationships" xmlns:p="http://schemas.openxmlformats.org/presentationml/2006/main">
+  <p:cSld>
+    <p:spTree>
+      <p:nvGrpSpPr>
+        <p:cNvPr id="1" name=""/>
+        <p:cNvGrpSpPr/>
+        <p:nvPr/>
+      </p:nvGrpSpPr>
+      <p:grpSpPr>
+        <a:xfrm>
+          <a:off x="0" y="0"/>
+          <a:ext cx="0" cy="0"/>
+          <a:chOff x="0" y="0"/>
+          <a:chExt cx="0" cy="0"/>
+        </a:xfrm>
+      </p:grpSpPr>
+      <p:sp>
+        <p:nvSpPr>
+          <p:cNvPr id="2" name="Title 1"/>
+          <p:cNvSpPr>
+            <a:spLocks noGrp="1"/>
+          </p:cNvSpPr>
+          <p:nvPr>
+            <p:ph type="title"/>
+          </p:nvPr>
+        </p:nvSpPr>
+        <p:spPr>
+          <a:xfrm>
+            <a:off x="539683" y="111125"/>
+            <a:ext cx="8596668" cy="1320800"/>
+          </a:xfrm>
+        </p:spPr>
+        <p:txBody>
+          <a:bodyPr/>
+          <a:lstStyle/>
+          <a:p>
+            <a:r>
+              <a:rPr lang="en-US" dirty="0" smtClean="0"/>
+              <a:t>Walmart</a:t>
+            </a:r>
+            <a:r>
+              <a:rPr lang="en-US" dirty="0" smtClean="0"/>
+              <a:t> Request/Response Example</a:t>
+            </a:r>
+            <a:endParaRPr lang="en-US" dirty="0"/>
+          </a:p>
+        </p:txBody>
+      </p:sp>
+      <p:sp>
+        <p:nvSpPr>
+          <p:cNvPr id="3" name="Content Placeholder 2"/>
+          <p:cNvSpPr>
+            <a:spLocks noGrp="1"/>
+          </p:cNvSpPr>
+          <p:nvPr>
+            <p:ph idx="1"/>
+          </p:nvPr>
+        </p:nvSpPr>
+        <p:spPr>
+          <a:xfrm>
+            <a:off x="234882" y="752118"/>
+            <a:ext cx="8596668" cy="2676882"/>
+          </a:xfrm>
+        </p:spPr>
+        <p:txBody>
+          <a:bodyPr>
+            <a:normAutofit/>
+          </a:bodyPr>
+          <a:lstStyle/>
+          <a:p>
+            <a:r>
+              <a:rPr lang="en-US" dirty="0" smtClean="0"/>
+              <a:t>GET request</a:t>
+            </a:r>
+            <a:r>
+              <a:rPr lang="en-US" dirty="0"/>
+              <a:t>: http://</a:t>
+            </a:r>
+            <a:r>
+              <a:rPr lang="en-US" dirty="0" smtClean="0"/>
+              <a:t>api.walmartlabs.com/v1/search?query=ipod&amp;format=json&amp;apiKey=e9rgk7ujvh43jaqxsytfcucm</a:t>
+            </a:r>
+          </a:p>
+          <a:p>
+            <a:r>
+              <a:rPr lang="en-US" dirty="0" smtClean="0"/>
+              <a:t>The request is denied without the API key</a:t>
+            </a:r>
+          </a:p>
+          <a:p>
+            <a:r>
+              <a:rPr lang="en-US" dirty="0" smtClean="0"/>
+              <a:t>Partial response:</a:t>
+            </a:r>
+            <a:endParaRPr lang="en-US" dirty="0" smtClean="0"/>
+          </a:p>
+        </p:txBody>
+      </p:sp>
+      <p:pic>
+        <p:nvPicPr>
+          <p:cNvPr id="5" name="Picture 4"/>
+          <p:cNvPicPr>
+            <a:picLocks noChangeAspect="1"/>
+          </p:cNvPicPr>
+          <p:nvPr/>
+        </p:nvPicPr>
+        <p:blipFill>
+          <a:blip r:embed="rId2"/>
+          <a:stretch>
+            <a:fillRect/>
+          </a:stretch>
+        </p:blipFill>
+        <p:spPr>
+          <a:xfrm>
+            <a:off x="2703871" y="2093529"/>
+            <a:ext cx="5486400" cy="6657975"/>
+          </a:xfrm>
+          <a:prstGeom prst="rect">
+            <a:avLst/>
+          </a:prstGeom>
+        </p:spPr>
+      </p:pic>
+    </p:spTree>
+    <p:extLst>
+      <p:ext uri="{BB962C8B-B14F-4D97-AF65-F5344CB8AC3E}">
+        <p14:creationId xmlns:p14="http://schemas.microsoft.com/office/powerpoint/2010/main" val="996197520"/>
+      </p:ext>
+    </p:extLst>
+  </p:cSld>
+  <p:clrMapOvr>
+    <a:masterClrMapping/>
+  </p:clrMapOvr>
+  <p:timing>
+    <p:tnLst>
+      <p:par>
+        <p:cTn id="1" dur="indefinite" restart="never" nodeType="tmRoot"/>
+      </p:par>
+    </p:tnLst>
+  </p:timing>
+</p:sld>
+</file>
+
+<file path=ppt/slides/slide18.xml><?xml version="1.0" encoding="utf-8"?>
+<p:sld xmlns:a="http://schemas.openxmlformats.org/drawingml/2006/main" xmlns:r="http://schemas.openxmlformats.org/officeDocument/2006/relationships" xmlns:p="http://schemas.openxmlformats.org/presentationml/2006/main">
+  <p:cSld>
+    <p:spTree>
+      <p:nvGrpSpPr>
+        <p:cNvPr id="1" name=""/>
+        <p:cNvGrpSpPr/>
+        <p:nvPr/>
+      </p:nvGrpSpPr>
+      <p:grpSpPr>
+        <a:xfrm>
+          <a:off x="0" y="0"/>
+          <a:ext cx="0" cy="0"/>
+          <a:chOff x="0" y="0"/>
+          <a:chExt cx="0" cy="0"/>
+        </a:xfrm>
+      </p:grpSpPr>
+      <p:sp>
+        <p:nvSpPr>
+          <p:cNvPr id="2" name="Title 1"/>
+          <p:cNvSpPr>
+            <a:spLocks noGrp="1"/>
+          </p:cNvSpPr>
+          <p:nvPr>
+            <p:ph type="title"/>
+          </p:nvPr>
+        </p:nvSpPr>
         <p:spPr/>
         <p:txBody>
           <a:bodyPr/>
@@ -6852,6 +7345,133 @@
           <a:p>
             <a:r>
               <a:rPr lang="en-US" dirty="0" smtClean="0"/>
+              <a:t>Functional Requirement—User Deals</a:t>
+            </a:r>
+            <a:endParaRPr lang="en-US" dirty="0"/>
+          </a:p>
+        </p:txBody>
+      </p:sp>
+      <p:sp>
+        <p:nvSpPr>
+          <p:cNvPr id="3" name="Content Placeholder 2"/>
+          <p:cNvSpPr>
+            <a:spLocks noGrp="1"/>
+          </p:cNvSpPr>
+          <p:nvPr>
+            <p:ph idx="1"/>
+          </p:nvPr>
+        </p:nvSpPr>
+        <p:spPr/>
+        <p:txBody>
+          <a:bodyPr/>
+          <a:lstStyle/>
+          <a:p>
+            <a:r>
+              <a:rPr lang="en-US" dirty="0"/>
+              <a:t>3. Users will be able to add an item that is available for sale to the system.  </a:t>
+            </a:r>
+            <a:r>
+              <a:rPr lang="en-US" i="1" dirty="0"/>
+              <a:t>(This allows users to add items that are not located by Requirement 2</a:t>
+            </a:r>
+            <a:r>
+              <a:rPr lang="en-US" i="1" dirty="0" smtClean="0"/>
+              <a:t>.)</a:t>
+            </a:r>
+          </a:p>
+          <a:p>
+            <a:r>
+              <a:rPr lang="en-US" dirty="0" smtClean="0"/>
+              <a:t>4. Users </a:t>
+            </a:r>
+            <a:r>
+              <a:rPr lang="en-US" dirty="0"/>
+              <a:t>will be able to validate whether an item is available at a sales price. </a:t>
+            </a:r>
+            <a:r>
+              <a:rPr lang="en-US" i="1" dirty="0"/>
+              <a:t>(This allows users to determine whether an item is still available</a:t>
+            </a:r>
+            <a:r>
+              <a:rPr lang="en-US" i="1" dirty="0" smtClean="0"/>
+              <a:t>.)</a:t>
+            </a:r>
+          </a:p>
+          <a:p>
+            <a:r>
+              <a:rPr lang="en-US" dirty="0"/>
+              <a:t>5. Expired user-created deals will not appear in search results.  </a:t>
+            </a:r>
+            <a:r>
+              <a:rPr lang="en-US" i="1" dirty="0"/>
+              <a:t>(This feature is necessary for ensuring that only valid deals appear.)</a:t>
+            </a:r>
+            <a:endParaRPr lang="en-US" dirty="0"/>
+          </a:p>
+          <a:p>
+            <a:endParaRPr lang="en-US" dirty="0"/>
+          </a:p>
+        </p:txBody>
+      </p:sp>
+    </p:spTree>
+    <p:extLst>
+      <p:ext uri="{BB962C8B-B14F-4D97-AF65-F5344CB8AC3E}">
+        <p14:creationId xmlns:p14="http://schemas.microsoft.com/office/powerpoint/2010/main" val="3002737573"/>
+      </p:ext>
+    </p:extLst>
+  </p:cSld>
+  <p:clrMapOvr>
+    <a:masterClrMapping/>
+  </p:clrMapOvr>
+  <p:timing>
+    <p:tnLst>
+      <p:par>
+        <p:cTn id="1" dur="indefinite" restart="never" nodeType="tmRoot"/>
+      </p:par>
+    </p:tnLst>
+  </p:timing>
+</p:sld>
+</file>
+
+<file path=ppt/slides/slide19.xml><?xml version="1.0" encoding="utf-8"?>
+<p:sld xmlns:a="http://schemas.openxmlformats.org/drawingml/2006/main" xmlns:r="http://schemas.openxmlformats.org/officeDocument/2006/relationships" xmlns:p="http://schemas.openxmlformats.org/presentationml/2006/main">
+  <p:cSld>
+    <p:spTree>
+      <p:nvGrpSpPr>
+        <p:cNvPr id="1" name=""/>
+        <p:cNvGrpSpPr/>
+        <p:nvPr/>
+      </p:nvGrpSpPr>
+      <p:grpSpPr>
+        <a:xfrm>
+          <a:off x="0" y="0"/>
+          <a:ext cx="0" cy="0"/>
+          <a:chOff x="0" y="0"/>
+          <a:chExt cx="0" cy="0"/>
+        </a:xfrm>
+      </p:grpSpPr>
+      <p:sp>
+        <p:nvSpPr>
+          <p:cNvPr id="2" name="Title 1"/>
+          <p:cNvSpPr>
+            <a:spLocks noGrp="1"/>
+          </p:cNvSpPr>
+          <p:nvPr>
+            <p:ph type="title"/>
+          </p:nvPr>
+        </p:nvSpPr>
+        <p:spPr>
+          <a:xfrm>
+            <a:off x="661632" y="156237"/>
+            <a:ext cx="8596668" cy="1320800"/>
+          </a:xfrm>
+        </p:spPr>
+        <p:txBody>
+          <a:bodyPr/>
+          <a:lstStyle/>
+          <a:p>
+            <a:r>
+              <a:rPr lang="en-US" dirty="0" smtClean="0"/>
               <a:t>User Deals, Add—Client Side Implementation</a:t>
             </a:r>
             <a:endParaRPr lang="en-US" dirty="0"/>
@@ -6868,15 +7488,59 @@
             <p:ph idx="1"/>
           </p:nvPr>
         </p:nvSpPr>
-        <p:spPr/>
-        <p:txBody>
-          <a:bodyPr/>
-          <a:lstStyle/>
-          <a:p>
-            <a:endParaRPr lang="en-US"/>
-          </a:p>
-        </p:txBody>
-      </p:sp>
+        <p:spPr>
+          <a:xfrm>
+            <a:off x="661632" y="1324847"/>
+            <a:ext cx="8596668" cy="3880773"/>
+          </a:xfrm>
+        </p:spPr>
+        <p:txBody>
+          <a:bodyPr/>
+          <a:lstStyle/>
+          <a:p>
+            <a:r>
+              <a:rPr lang="en-US" dirty="0" smtClean="0"/>
+              <a:t>Details of user deal are added into a JSON Object and posted to the database.</a:t>
+            </a:r>
+          </a:p>
+          <a:p>
+            <a:r>
+              <a:rPr lang="en-US" dirty="0" smtClean="0"/>
+              <a:t>Error checking is done for various categories to prevent posting deals with no name, no expiration date, etc.</a:t>
+            </a:r>
+          </a:p>
+          <a:p>
+            <a:pPr marL="0" indent="0">
+              <a:buNone/>
+            </a:pPr>
+            <a:endParaRPr lang="en-US" dirty="0"/>
+          </a:p>
+        </p:txBody>
+      </p:sp>
+      <p:pic>
+        <p:nvPicPr>
+          <p:cNvPr id="4" name="Picture 3"/>
+          <p:cNvPicPr>
+            <a:picLocks noChangeAspect="1"/>
+          </p:cNvPicPr>
+          <p:nvPr/>
+        </p:nvPicPr>
+        <p:blipFill>
+          <a:blip r:embed="rId2"/>
+          <a:stretch>
+            <a:fillRect/>
+          </a:stretch>
+        </p:blipFill>
+        <p:spPr>
+          <a:xfrm>
+            <a:off x="4388874" y="2119312"/>
+            <a:ext cx="6324600" cy="4448175"/>
+          </a:xfrm>
+          <a:prstGeom prst="rect">
+            <a:avLst/>
+          </a:prstGeom>
+        </p:spPr>
+      </p:pic>
     </p:spTree>
     <p:extLst>
       <p:ext uri="{BB962C8B-B14F-4D97-AF65-F5344CB8AC3E}">
@@ -6890,7 +7554,85 @@
 </p:sld>
 </file>
 
-<file path=ppt/slides/slide17.xml><?xml version="1.0" encoding="utf-8"?>
+<file path=ppt/slides/slide2.xml><?xml version="1.0" encoding="utf-8"?>
+<p:sld xmlns:a="http://schemas.openxmlformats.org/drawingml/2006/main" xmlns:r="http://schemas.openxmlformats.org/officeDocument/2006/relationships" xmlns:p="http://schemas.openxmlformats.org/presentationml/2006/main">
+  <p:cSld>
+    <p:spTree>
+      <p:nvGrpSpPr>
+        <p:cNvPr id="1" name=""/>
+        <p:cNvGrpSpPr/>
+        <p:nvPr/>
+      </p:nvGrpSpPr>
+      <p:grpSpPr>
+        <a:xfrm>
+          <a:off x="0" y="0"/>
+          <a:ext cx="0" cy="0"/>
+          <a:chOff x="0" y="0"/>
+          <a:chExt cx="0" cy="0"/>
+        </a:xfrm>
+      </p:grpSpPr>
+      <p:sp>
+        <p:nvSpPr>
+          <p:cNvPr id="2" name="Title 1"/>
+          <p:cNvSpPr>
+            <a:spLocks noGrp="1"/>
+          </p:cNvSpPr>
+          <p:nvPr>
+            <p:ph type="title"/>
+          </p:nvPr>
+        </p:nvSpPr>
+        <p:spPr/>
+        <p:txBody>
+          <a:bodyPr/>
+          <a:lstStyle/>
+          <a:p>
+            <a:r>
+              <a:rPr lang="en-US" dirty="0" smtClean="0"/>
+              <a:t>Non-Functional Requirement—Operating Systems</a:t>
+            </a:r>
+            <a:endParaRPr lang="en-US" dirty="0"/>
+          </a:p>
+        </p:txBody>
+      </p:sp>
+      <p:sp>
+        <p:nvSpPr>
+          <p:cNvPr id="3" name="Content Placeholder 2"/>
+          <p:cNvSpPr>
+            <a:spLocks noGrp="1"/>
+          </p:cNvSpPr>
+          <p:nvPr>
+            <p:ph idx="1"/>
+          </p:nvPr>
+        </p:nvSpPr>
+        <p:spPr/>
+        <p:txBody>
+          <a:bodyPr/>
+          <a:lstStyle/>
+          <a:p>
+            <a:r>
+              <a:rPr lang="en-US" dirty="0"/>
+              <a:t>6. Client application will use Java programming language on Android Operating System. </a:t>
+            </a:r>
+          </a:p>
+          <a:p>
+            <a:endParaRPr lang="en-US" dirty="0"/>
+          </a:p>
+        </p:txBody>
+      </p:sp>
+    </p:spTree>
+    <p:extLst>
+      <p:ext uri="{BB962C8B-B14F-4D97-AF65-F5344CB8AC3E}">
+        <p14:creationId xmlns:p14="http://schemas.microsoft.com/office/powerpoint/2010/main" val="97703906"/>
+      </p:ext>
+    </p:extLst>
+  </p:cSld>
+  <p:clrMapOvr>
+    <a:masterClrMapping/>
+  </p:clrMapOvr>
+</p:sld>
+</file>
+
+<file path=ppt/slides/slide20.xml><?xml version="1.0" encoding="utf-8"?>
 <p:sld xmlns:a="http://schemas.openxmlformats.org/drawingml/2006/main" xmlns:r="http://schemas.openxmlformats.org/officeDocument/2006/relationships" xmlns:p="http://schemas.openxmlformats.org/presentationml/2006/main">
   <p:cSld>
     <p:spTree>
@@ -7025,7 +7767,7 @@
 </p:sld>
 </file>
 
-<file path=ppt/slides/slide18.xml><?xml version="1.0" encoding="utf-8"?>
+<file path=ppt/slides/slide21.xml><?xml version="1.0" encoding="utf-8"?>
 <p:sld xmlns:a="http://schemas.openxmlformats.org/drawingml/2006/main" xmlns:r="http://schemas.openxmlformats.org/officeDocument/2006/relationships" xmlns:p="http://schemas.openxmlformats.org/presentationml/2006/main">
   <p:cSld>
     <p:spTree>
@@ -7080,10 +7822,43 @@
           <a:bodyPr/>
           <a:lstStyle/>
           <a:p>
-            <a:endParaRPr lang="en-US"/>
-          </a:p>
-        </p:txBody>
-      </p:sp>
+            <a:r>
+              <a:rPr lang="en-US" dirty="0" smtClean="0"/>
+              <a:t>A check for product names, expiration dates, and prices is done before posting a deal to the database:</a:t>
+            </a:r>
+          </a:p>
+          <a:p>
+            <a:pPr marL="0" indent="0">
+              <a:buNone/>
+            </a:pPr>
+            <a:endParaRPr lang="en-US" dirty="0"/>
+          </a:p>
+        </p:txBody>
+      </p:sp>
+      <p:pic>
+        <p:nvPicPr>
+          <p:cNvPr id="4" name="Picture 3"/>
+          <p:cNvPicPr>
+            <a:picLocks noChangeAspect="1"/>
+          </p:cNvPicPr>
+          <p:nvPr/>
+        </p:nvPicPr>
+        <p:blipFill>
+          <a:blip r:embed="rId2"/>
+          <a:stretch>
+            <a:fillRect/>
+          </a:stretch>
+        </p:blipFill>
+        <p:spPr>
+          <a:xfrm>
+            <a:off x="865238" y="2718726"/>
+            <a:ext cx="7561940" cy="4006539"/>
+          </a:xfrm>
+          <a:prstGeom prst="rect">
+            <a:avLst/>
+          </a:prstGeom>
+        </p:spPr>
+      </p:pic>
     </p:spTree>
     <p:extLst>
       <p:ext uri="{BB962C8B-B14F-4D97-AF65-F5344CB8AC3E}">
@@ -7097,7 +7872,7 @@
 </p:sld>
 </file>
 
-<file path=ppt/slides/slide19.xml><?xml version="1.0" encoding="utf-8"?>
+<file path=ppt/slides/slide22.xml><?xml version="1.0" encoding="utf-8"?>
 <p:sld xmlns:a="http://schemas.openxmlformats.org/drawingml/2006/main" xmlns:r="http://schemas.openxmlformats.org/officeDocument/2006/relationships" xmlns:p="http://schemas.openxmlformats.org/presentationml/2006/main">
   <p:cSld>
     <p:spTree>
@@ -7215,85 +7990,7 @@
 </p:sld>
 </file>
 
-<file path=ppt/slides/slide2.xml><?xml version="1.0" encoding="utf-8"?>
-<p:sld xmlns:a="http://schemas.openxmlformats.org/drawingml/2006/main" xmlns:r="http://schemas.openxmlformats.org/officeDocument/2006/relationships" xmlns:p="http://schemas.openxmlformats.org/presentationml/2006/main">
-  <p:cSld>
-    <p:spTree>
-      <p:nvGrpSpPr>
-        <p:cNvPr id="1" name=""/>
-        <p:cNvGrpSpPr/>
-        <p:nvPr/>
-      </p:nvGrpSpPr>
-      <p:grpSpPr>
-        <a:xfrm>
-          <a:off x="0" y="0"/>
-          <a:ext cx="0" cy="0"/>
-          <a:chOff x="0" y="0"/>
-          <a:chExt cx="0" cy="0"/>
-        </a:xfrm>
-      </p:grpSpPr>
-      <p:sp>
-        <p:nvSpPr>
-          <p:cNvPr id="2" name="Title 1"/>
-          <p:cNvSpPr>
-            <a:spLocks noGrp="1"/>
-          </p:cNvSpPr>
-          <p:nvPr>
-            <p:ph type="title"/>
-          </p:nvPr>
-        </p:nvSpPr>
-        <p:spPr/>
-        <p:txBody>
-          <a:bodyPr/>
-          <a:lstStyle/>
-          <a:p>
-            <a:r>
-              <a:rPr lang="en-US" dirty="0" smtClean="0"/>
-              <a:t>Non-Functional Requirement—Operating Systems</a:t>
-            </a:r>
-            <a:endParaRPr lang="en-US" dirty="0"/>
-          </a:p>
-        </p:txBody>
-      </p:sp>
-      <p:sp>
-        <p:nvSpPr>
-          <p:cNvPr id="3" name="Content Placeholder 2"/>
-          <p:cNvSpPr>
-            <a:spLocks noGrp="1"/>
-          </p:cNvSpPr>
-          <p:nvPr>
-            <p:ph idx="1"/>
-          </p:nvPr>
-        </p:nvSpPr>
-        <p:spPr/>
-        <p:txBody>
-          <a:bodyPr/>
-          <a:lstStyle/>
-          <a:p>
-            <a:r>
-              <a:rPr lang="en-US" dirty="0"/>
-              <a:t>6. Client application will use Java programming language on Android Operating System. </a:t>
-            </a:r>
-          </a:p>
-          <a:p>
-            <a:endParaRPr lang="en-US" dirty="0"/>
-          </a:p>
-        </p:txBody>
-      </p:sp>
-    </p:spTree>
-    <p:extLst>
-      <p:ext uri="{BB962C8B-B14F-4D97-AF65-F5344CB8AC3E}">
-        <p14:creationId xmlns:p14="http://schemas.microsoft.com/office/powerpoint/2010/main" val="97703906"/>
-      </p:ext>
-    </p:extLst>
-  </p:cSld>
-  <p:clrMapOvr>
-    <a:masterClrMapping/>
-  </p:clrMapOvr>
-</p:sld>
-</file>
-
-<file path=ppt/slides/slide20.xml><?xml version="1.0" encoding="utf-8"?>
+<file path=ppt/slides/slide23.xml><?xml version="1.0" encoding="utf-8"?>
 <p:sld xmlns:a="http://schemas.openxmlformats.org/drawingml/2006/main" xmlns:r="http://schemas.openxmlformats.org/officeDocument/2006/relationships" xmlns:p="http://schemas.openxmlformats.org/presentationml/2006/main">
   <p:cSld>
     <p:spTree>
@@ -7377,7 +8074,7 @@
 </p:sld>
 </file>
 
-<file path=ppt/slides/slide21.xml><?xml version="1.0" encoding="utf-8"?>
+<file path=ppt/slides/slide24.xml><?xml version="1.0" encoding="utf-8"?>
 <p:sld xmlns:a="http://schemas.openxmlformats.org/drawingml/2006/main" xmlns:r="http://schemas.openxmlformats.org/officeDocument/2006/relationships" xmlns:p="http://schemas.openxmlformats.org/presentationml/2006/main">
   <p:cSld>
     <p:spTree>
@@ -7413,7 +8110,6 @@
               <a:rPr lang="en-US" dirty="0"/>
               <a:t>User Deals, Expire—Server Side Implementation</a:t>
             </a:r>
-            <a:endParaRPr lang="en-US" dirty="0"/>
           </a:p>
         </p:txBody>
       </p:sp>
@@ -7520,7 +8216,7 @@
 </p:sld>
 </file>
 
-<file path=ppt/slides/slide22.xml><?xml version="1.0" encoding="utf-8"?>
+<file path=ppt/slides/slide25.xml><?xml version="1.0" encoding="utf-8"?>
 <p:sld xmlns:a="http://schemas.openxmlformats.org/drawingml/2006/main" xmlns:r="http://schemas.openxmlformats.org/officeDocument/2006/relationships" xmlns:p="http://schemas.openxmlformats.org/presentationml/2006/main">
   <p:cSld>
     <p:spTree>
@@ -7600,7 +8296,7 @@
 </p:sld>
 </file>
 
-<file path=ppt/slides/slide23.xml><?xml version="1.0" encoding="utf-8"?>
+<file path=ppt/slides/slide26.xml><?xml version="1.0" encoding="utf-8"?>
 <p:sld xmlns:a="http://schemas.openxmlformats.org/drawingml/2006/main" xmlns:r="http://schemas.openxmlformats.org/officeDocument/2006/relationships" xmlns:p="http://schemas.openxmlformats.org/presentationml/2006/main">
   <p:cSld>
     <p:spTree>
@@ -7655,10 +8351,153 @@
           <a:bodyPr/>
           <a:lstStyle/>
           <a:p>
-            <a:endParaRPr lang="en-US"/>
-          </a:p>
-        </p:txBody>
-      </p:sp>
+            <a:r>
+              <a:rPr lang="en-US" dirty="0" smtClean="0"/>
+              <a:t>Checks made for input upon Registration:</a:t>
+            </a:r>
+          </a:p>
+          <a:p>
+            <a:r>
+              <a:rPr lang="en-US" dirty="0" smtClean="0"/>
+              <a:t>Android’s built in email validator is used</a:t>
+            </a:r>
+          </a:p>
+          <a:p>
+            <a:pPr marL="0" indent="0">
+              <a:buNone/>
+            </a:pPr>
+            <a:r>
+              <a:rPr lang="en-US" dirty="0" smtClean="0"/>
+              <a:t>to check email addresses:</a:t>
+            </a:r>
+          </a:p>
+          <a:p>
+            <a:pPr marL="0" indent="0">
+              <a:buNone/>
+            </a:pPr>
+            <a:endParaRPr lang="en-US" dirty="0"/>
+          </a:p>
+          <a:p>
+            <a:pPr marL="0" indent="0">
+              <a:buNone/>
+            </a:pPr>
+            <a:endParaRPr lang="en-US" dirty="0" smtClean="0"/>
+          </a:p>
+          <a:p>
+            <a:r>
+              <a:rPr lang="en-US" dirty="0" smtClean="0"/>
+              <a:t>Used is allowed to log in and preferences are set upon a successful Registration:</a:t>
+            </a:r>
+          </a:p>
+          <a:p>
+            <a:pPr marL="0" indent="0">
+              <a:buNone/>
+            </a:pPr>
+            <a:endParaRPr lang="en-US" dirty="0" smtClean="0"/>
+          </a:p>
+          <a:p>
+            <a:pPr marL="0" indent="0">
+              <a:buNone/>
+            </a:pPr>
+            <a:endParaRPr lang="en-US" dirty="0"/>
+          </a:p>
+        </p:txBody>
+      </p:sp>
+      <p:pic>
+        <p:nvPicPr>
+          <p:cNvPr id="4" name="Picture 3"/>
+          <p:cNvPicPr>
+            <a:picLocks noChangeAspect="1"/>
+          </p:cNvPicPr>
+          <p:nvPr/>
+        </p:nvPicPr>
+        <p:blipFill>
+          <a:blip r:embed="rId2"/>
+          <a:stretch>
+            <a:fillRect/>
+          </a:stretch>
+        </p:blipFill>
+        <p:spPr>
+          <a:xfrm>
+            <a:off x="5698100" y="1122516"/>
+            <a:ext cx="6419850" cy="3162300"/>
+          </a:xfrm>
+          <a:prstGeom prst="rect">
+            <a:avLst/>
+          </a:prstGeom>
+        </p:spPr>
+      </p:pic>
+      <p:pic>
+        <p:nvPicPr>
+          <p:cNvPr id="5" name="Picture 4"/>
+          <p:cNvPicPr>
+            <a:picLocks noChangeAspect="1"/>
+          </p:cNvPicPr>
+          <p:nvPr/>
+        </p:nvPicPr>
+        <p:blipFill>
+          <a:blip r:embed="rId3"/>
+          <a:stretch>
+            <a:fillRect/>
+          </a:stretch>
+        </p:blipFill>
+        <p:spPr>
+          <a:xfrm>
+            <a:off x="0" y="3360175"/>
+            <a:ext cx="5830529" cy="637870"/>
+          </a:xfrm>
+          <a:prstGeom prst="rect">
+            <a:avLst/>
+          </a:prstGeom>
+        </p:spPr>
+      </p:pic>
+      <p:pic>
+        <p:nvPicPr>
+          <p:cNvPr id="6" name="Picture 5"/>
+          <p:cNvPicPr>
+            <a:picLocks noChangeAspect="1"/>
+          </p:cNvPicPr>
+          <p:nvPr/>
+        </p:nvPicPr>
+        <p:blipFill rotWithShape="1">
+          <a:blip r:embed="rId4"/>
+          <a:srcRect l="161" t="-47257" r="-161" b="47257"/>
+          <a:stretch/>
+        </p:blipFill>
+        <p:spPr>
+          <a:xfrm>
+            <a:off x="266239" y="3061365"/>
+            <a:ext cx="6124575" cy="3724275"/>
+          </a:xfrm>
+          <a:prstGeom prst="rect">
+            <a:avLst/>
+          </a:prstGeom>
+        </p:spPr>
+      </p:pic>
+      <p:pic>
+        <p:nvPicPr>
+          <p:cNvPr id="7" name="Picture 6"/>
+          <p:cNvPicPr>
+            <a:picLocks noChangeAspect="1"/>
+          </p:cNvPicPr>
+          <p:nvPr/>
+        </p:nvPicPr>
+        <p:blipFill>
+          <a:blip r:embed="rId5"/>
+          <a:stretch>
+            <a:fillRect/>
+          </a:stretch>
+        </p:blipFill>
+        <p:spPr>
+          <a:xfrm>
+            <a:off x="6390814" y="5185592"/>
+            <a:ext cx="3714750" cy="1466850"/>
+          </a:xfrm>
+          <a:prstGeom prst="rect">
+            <a:avLst/>
+          </a:prstGeom>
+        </p:spPr>
+      </p:pic>
     </p:spTree>
     <p:extLst>
       <p:ext uri="{BB962C8B-B14F-4D97-AF65-F5344CB8AC3E}">
@@ -7672,7 +8511,7 @@
 </p:sld>
 </file>
 
-<file path=ppt/slides/slide24.xml><?xml version="1.0" encoding="utf-8"?>
+<file path=ppt/slides/slide27.xml><?xml version="1.0" encoding="utf-8"?>
 <p:sld xmlns:a="http://schemas.openxmlformats.org/drawingml/2006/main" xmlns:r="http://schemas.openxmlformats.org/officeDocument/2006/relationships" xmlns:p="http://schemas.openxmlformats.org/presentationml/2006/main">
   <p:cSld>
     <p:spTree>
@@ -7743,11 +8582,7 @@
             </a:br>
             <a:r>
               <a:rPr lang="en-US" dirty="0" smtClean="0"/>
-              <a:t>http response 403 </a:t>
-            </a:r>
-            <a:r>
-              <a:rPr lang="en-US" dirty="0" smtClean="0"/>
-              <a:t>(forbidden) is </a:t>
+              <a:t>http response 403 (forbidden) is </a:t>
             </a:r>
             <a:br>
               <a:rPr lang="en-US" dirty="0" smtClean="0"/>
@@ -7840,7 +8675,7 @@
 </p:sld>
 </file>
 
-<file path=ppt/slides/slide25.xml><?xml version="1.0" encoding="utf-8"?>
+<file path=ppt/slides/slide28.xml><?xml version="1.0" encoding="utf-8"?>
 <p:sld xmlns:a="http://schemas.openxmlformats.org/drawingml/2006/main" xmlns:r="http://schemas.openxmlformats.org/officeDocument/2006/relationships" xmlns:p="http://schemas.openxmlformats.org/presentationml/2006/main">
   <p:cSld>
     <p:spTree>
@@ -7961,7 +8796,7 @@
 </p:sld>
 </file>
 
-<file path=ppt/slides/slide26.xml><?xml version="1.0" encoding="utf-8"?>
+<file path=ppt/slides/slide29.xml><?xml version="1.0" encoding="utf-8"?>
 <p:sld xmlns:a="http://schemas.openxmlformats.org/drawingml/2006/main" xmlns:r="http://schemas.openxmlformats.org/officeDocument/2006/relationships" xmlns:p="http://schemas.openxmlformats.org/presentationml/2006/main">
   <p:cSld>
     <p:spTree>
@@ -8016,10 +8851,129 @@
           <a:bodyPr/>
           <a:lstStyle/>
           <a:p>
-            <a:endParaRPr lang="en-US"/>
-          </a:p>
-        </p:txBody>
-      </p:sp>
+            <a:r>
+              <a:rPr lang="en-US" dirty="0" smtClean="0"/>
+              <a:t>User Deals are searched for be sending a request to the database</a:t>
+            </a:r>
+          </a:p>
+          <a:p>
+            <a:endParaRPr lang="en-US" dirty="0"/>
+          </a:p>
+          <a:p>
+            <a:endParaRPr lang="en-US" dirty="0" smtClean="0"/>
+          </a:p>
+          <a:p>
+            <a:endParaRPr lang="en-US" dirty="0"/>
+          </a:p>
+          <a:p>
+            <a:r>
+              <a:rPr lang="en-US" dirty="0" err="1" smtClean="0"/>
+              <a:t>queryText</a:t>
+            </a:r>
+            <a:r>
+              <a:rPr lang="en-US" dirty="0" smtClean="0"/>
+              <a:t> is the category (Product Name or Store Name), </a:t>
+            </a:r>
+            <a:r>
+              <a:rPr lang="en-US" dirty="0" err="1" smtClean="0"/>
+              <a:t>concatenatedText</a:t>
+            </a:r>
+            <a:r>
+              <a:rPr lang="en-US" dirty="0" smtClean="0"/>
+              <a:t> is the product or store we are searching for, formatted as, </a:t>
+            </a:r>
+            <a:r>
+              <a:rPr lang="en-US" dirty="0" err="1" smtClean="0"/>
+              <a:t>Bed+Bath+and+Beyond</a:t>
+            </a:r>
+            <a:endParaRPr lang="en-US" dirty="0" smtClean="0"/>
+          </a:p>
+          <a:p>
+            <a:r>
+              <a:rPr lang="en-US" dirty="0" smtClean="0"/>
+              <a:t>Requests return as a JSON array, and are parsed into individual products:</a:t>
+            </a:r>
+            <a:endParaRPr lang="en-US" dirty="0" smtClean="0"/>
+          </a:p>
+          <a:p>
+            <a:pPr marL="0" indent="0">
+              <a:buNone/>
+            </a:pPr>
+            <a:endParaRPr lang="en-US" dirty="0"/>
+          </a:p>
+        </p:txBody>
+      </p:sp>
+      <p:pic>
+        <p:nvPicPr>
+          <p:cNvPr id="4" name="Picture 3"/>
+          <p:cNvPicPr>
+            <a:picLocks noChangeAspect="1"/>
+          </p:cNvPicPr>
+          <p:nvPr/>
+        </p:nvPicPr>
+        <p:blipFill>
+          <a:blip r:embed="rId2"/>
+          <a:stretch>
+            <a:fillRect/>
+          </a:stretch>
+        </p:blipFill>
+        <p:spPr>
+          <a:xfrm>
+            <a:off x="677334" y="2620604"/>
+            <a:ext cx="6553200" cy="1085850"/>
+          </a:xfrm>
+          <a:prstGeom prst="rect">
+            <a:avLst/>
+          </a:prstGeom>
+        </p:spPr>
+      </p:pic>
+      <p:pic>
+        <p:nvPicPr>
+          <p:cNvPr id="6" name="Picture 5"/>
+          <p:cNvPicPr>
+            <a:picLocks noChangeAspect="1"/>
+          </p:cNvPicPr>
+          <p:nvPr/>
+        </p:nvPicPr>
+        <p:blipFill>
+          <a:blip r:embed="rId3"/>
+          <a:stretch>
+            <a:fillRect/>
+          </a:stretch>
+        </p:blipFill>
+        <p:spPr>
+          <a:xfrm>
+            <a:off x="96939" y="5070454"/>
+            <a:ext cx="5379629" cy="1588750"/>
+          </a:xfrm>
+          <a:prstGeom prst="rect">
+            <a:avLst/>
+          </a:prstGeom>
+        </p:spPr>
+      </p:pic>
+      <p:pic>
+        <p:nvPicPr>
+          <p:cNvPr id="7" name="Picture 6"/>
+          <p:cNvPicPr>
+            <a:picLocks noChangeAspect="1"/>
+          </p:cNvPicPr>
+          <p:nvPr/>
+        </p:nvPicPr>
+        <p:blipFill rotWithShape="1">
+          <a:blip r:embed="rId4"/>
+          <a:srcRect r="28403"/>
+          <a:stretch/>
+        </p:blipFill>
+        <p:spPr>
+          <a:xfrm>
+            <a:off x="5395751" y="5070454"/>
+            <a:ext cx="6796249" cy="1391318"/>
+          </a:xfrm>
+          <a:prstGeom prst="rect">
+            <a:avLst/>
+          </a:prstGeom>
+        </p:spPr>
+      </p:pic>
     </p:spTree>
     <p:extLst>
       <p:ext uri="{BB962C8B-B14F-4D97-AF65-F5344CB8AC3E}">
@@ -8033,7 +8987,187 @@
 </p:sld>
 </file>
 
-<file path=ppt/slides/slide27.xml><?xml version="1.0" encoding="utf-8"?>
+<file path=ppt/slides/slide3.xml><?xml version="1.0" encoding="utf-8"?>
+<p:sld xmlns:a="http://schemas.openxmlformats.org/drawingml/2006/main" xmlns:r="http://schemas.openxmlformats.org/officeDocument/2006/relationships" xmlns:p="http://schemas.openxmlformats.org/presentationml/2006/main">
+  <p:cSld>
+    <p:spTree>
+      <p:nvGrpSpPr>
+        <p:cNvPr id="1" name=""/>
+        <p:cNvGrpSpPr/>
+        <p:nvPr/>
+      </p:nvGrpSpPr>
+      <p:grpSpPr>
+        <a:xfrm>
+          <a:off x="0" y="0"/>
+          <a:ext cx="0" cy="0"/>
+          <a:chOff x="0" y="0"/>
+          <a:chExt cx="0" cy="0"/>
+        </a:xfrm>
+      </p:grpSpPr>
+      <p:sp>
+        <p:nvSpPr>
+          <p:cNvPr id="2" name="Title 1"/>
+          <p:cNvSpPr>
+            <a:spLocks noGrp="1"/>
+          </p:cNvSpPr>
+          <p:nvPr>
+            <p:ph type="title"/>
+          </p:nvPr>
+        </p:nvSpPr>
+        <p:spPr/>
+        <p:txBody>
+          <a:bodyPr/>
+          <a:lstStyle/>
+          <a:p>
+            <a:r>
+              <a:rPr lang="en-US" dirty="0" smtClean="0"/>
+              <a:t>Non-Functional Requirement—Operating Systems</a:t>
+            </a:r>
+            <a:endParaRPr lang="en-US" dirty="0"/>
+          </a:p>
+        </p:txBody>
+      </p:sp>
+      <p:sp>
+        <p:nvSpPr>
+          <p:cNvPr id="3" name="Content Placeholder 2"/>
+          <p:cNvSpPr>
+            <a:spLocks noGrp="1"/>
+          </p:cNvSpPr>
+          <p:nvPr>
+            <p:ph idx="1"/>
+          </p:nvPr>
+        </p:nvSpPr>
+        <p:spPr/>
+        <p:txBody>
+          <a:bodyPr>
+            <a:normAutofit fontScale="92500" lnSpcReduction="20000"/>
+          </a:bodyPr>
+          <a:lstStyle/>
+          <a:p>
+            <a:r>
+              <a:rPr lang="en-US" dirty="0" smtClean="0"/>
+              <a:t>7</a:t>
+            </a:r>
+            <a:r>
+              <a:rPr lang="en-US" dirty="0"/>
+              <a:t>. Server application will use JavaScript programming language with node.js on Linux Operating System. </a:t>
+            </a:r>
+            <a:endParaRPr lang="en-US" dirty="0" smtClean="0"/>
+          </a:p>
+          <a:p>
+            <a:pPr lvl="1"/>
+            <a:r>
+              <a:rPr lang="en-US" dirty="0" smtClean="0"/>
+              <a:t>Node.js is a cross-platform runtime environment for server-side applications using JavaScript</a:t>
+            </a:r>
+          </a:p>
+          <a:p>
+            <a:pPr lvl="1"/>
+            <a:r>
+              <a:rPr lang="en-US" dirty="0" smtClean="0"/>
+              <a:t>Our implementation includes:</a:t>
+            </a:r>
+          </a:p>
+          <a:p>
+            <a:pPr lvl="2"/>
+            <a:r>
+              <a:rPr lang="en-US" dirty="0" smtClean="0"/>
+              <a:t>Main server file (server.js)</a:t>
+            </a:r>
+          </a:p>
+          <a:p>
+            <a:pPr lvl="2"/>
+            <a:r>
+              <a:rPr lang="en-US" dirty="0" smtClean="0"/>
+              <a:t>models (user, deal)</a:t>
+            </a:r>
+          </a:p>
+          <a:p>
+            <a:pPr lvl="2"/>
+            <a:r>
+              <a:rPr lang="en-US" dirty="0" err="1" smtClean="0"/>
+              <a:t>node_modules</a:t>
+            </a:r>
+            <a:endParaRPr lang="en-US" dirty="0" smtClean="0"/>
+          </a:p>
+          <a:p>
+            <a:pPr lvl="3"/>
+            <a:r>
+              <a:rPr lang="en-US" dirty="0" smtClean="0"/>
+              <a:t>body-parser for parsing JSON</a:t>
+            </a:r>
+          </a:p>
+          <a:p>
+            <a:pPr lvl="3"/>
+            <a:r>
+              <a:rPr lang="en-US" dirty="0" err="1" smtClean="0"/>
+              <a:t>cron</a:t>
+            </a:r>
+            <a:r>
+              <a:rPr lang="en-US" dirty="0" smtClean="0"/>
+              <a:t> for scheduling tasks</a:t>
+            </a:r>
+          </a:p>
+          <a:p>
+            <a:pPr lvl="3"/>
+            <a:r>
+              <a:rPr lang="en-US" dirty="0" smtClean="0"/>
+              <a:t>express for handling HTTP methods</a:t>
+            </a:r>
+          </a:p>
+          <a:p>
+            <a:pPr lvl="3"/>
+            <a:r>
+              <a:rPr lang="en-US" dirty="0" smtClean="0"/>
+              <a:t>moment for formatting date objects</a:t>
+            </a:r>
+          </a:p>
+          <a:p>
+            <a:pPr lvl="3"/>
+            <a:r>
+              <a:rPr lang="en-US" dirty="0" smtClean="0"/>
+              <a:t>mongoose for handling </a:t>
+            </a:r>
+            <a:r>
+              <a:rPr lang="en-US" dirty="0" err="1" smtClean="0"/>
+              <a:t>mongodb</a:t>
+            </a:r>
+            <a:r>
+              <a:rPr lang="en-US" dirty="0" smtClean="0"/>
+              <a:t> database access</a:t>
+            </a:r>
+          </a:p>
+          <a:p>
+            <a:pPr lvl="3"/>
+            <a:r>
+              <a:rPr lang="en-US" dirty="0" err="1" smtClean="0"/>
+              <a:t>morgan</a:t>
+            </a:r>
+            <a:r>
+              <a:rPr lang="en-US" dirty="0" smtClean="0"/>
+              <a:t> for logging HTTP requests</a:t>
+            </a:r>
+            <a:endParaRPr lang="en-US" dirty="0"/>
+          </a:p>
+          <a:p>
+            <a:endParaRPr lang="en-US" dirty="0"/>
+          </a:p>
+        </p:txBody>
+      </p:sp>
+    </p:spTree>
+    <p:extLst>
+      <p:ext uri="{BB962C8B-B14F-4D97-AF65-F5344CB8AC3E}">
+        <p14:creationId xmlns:p14="http://schemas.microsoft.com/office/powerpoint/2010/main" val="3912614245"/>
+      </p:ext>
+    </p:extLst>
+  </p:cSld>
+  <p:clrMapOvr>
+    <a:masterClrMapping/>
+  </p:clrMapOvr>
+</p:sld>
+</file>
+
+<file path=ppt/slides/slide30.xml><?xml version="1.0" encoding="utf-8"?>
 <p:sld xmlns:a="http://schemas.openxmlformats.org/drawingml/2006/main" xmlns:r="http://schemas.openxmlformats.org/officeDocument/2006/relationships" xmlns:p="http://schemas.openxmlformats.org/presentationml/2006/main">
   <p:cSld>
     <p:spTree>
@@ -8147,7 +9281,7 @@
 </p:sld>
 </file>
 
-<file path=ppt/slides/slide28.xml><?xml version="1.0" encoding="utf-8"?>
+<file path=ppt/slides/slide31.xml><?xml version="1.0" encoding="utf-8"?>
 <p:sld xmlns:a="http://schemas.openxmlformats.org/drawingml/2006/main" xmlns:r="http://schemas.openxmlformats.org/officeDocument/2006/relationships" xmlns:p="http://schemas.openxmlformats.org/presentationml/2006/main">
   <p:cSld>
     <p:spTree>
@@ -8302,419 +9436,6 @@
 </p:sld>
 </file>
 
-<file path=ppt/slides/slide29.xml><?xml version="1.0" encoding="utf-8"?>
-<p:sld xmlns:a="http://schemas.openxmlformats.org/drawingml/2006/main" xmlns:r="http://schemas.openxmlformats.org/officeDocument/2006/relationships" xmlns:p="http://schemas.openxmlformats.org/presentationml/2006/main">
-  <p:cSld>
-    <p:spTree>
-      <p:nvGrpSpPr>
-        <p:cNvPr id="1" name=""/>
-        <p:cNvGrpSpPr/>
-        <p:nvPr/>
-      </p:nvGrpSpPr>
-      <p:grpSpPr>
-        <a:xfrm>
-          <a:off x="0" y="0"/>
-          <a:ext cx="0" cy="0"/>
-          <a:chOff x="0" y="0"/>
-          <a:chExt cx="0" cy="0"/>
-        </a:xfrm>
-      </p:grpSpPr>
-      <p:sp>
-        <p:nvSpPr>
-          <p:cNvPr id="2" name="Title 1"/>
-          <p:cNvSpPr>
-            <a:spLocks noGrp="1"/>
-          </p:cNvSpPr>
-          <p:nvPr>
-            <p:ph type="title"/>
-          </p:nvPr>
-        </p:nvSpPr>
-        <p:spPr/>
-        <p:txBody>
-          <a:bodyPr/>
-          <a:lstStyle/>
-          <a:p>
-            <a:r>
-              <a:rPr lang="en-US" dirty="0" smtClean="0"/>
-              <a:t>Functional Requirement—User Information</a:t>
-            </a:r>
-            <a:endParaRPr lang="en-US" dirty="0"/>
-          </a:p>
-        </p:txBody>
-      </p:sp>
-      <p:sp>
-        <p:nvSpPr>
-          <p:cNvPr id="3" name="Content Placeholder 2"/>
-          <p:cNvSpPr>
-            <a:spLocks noGrp="1"/>
-          </p:cNvSpPr>
-          <p:nvPr>
-            <p:ph idx="1"/>
-          </p:nvPr>
-        </p:nvSpPr>
-        <p:spPr/>
-        <p:txBody>
-          <a:bodyPr/>
-          <a:lstStyle/>
-          <a:p>
-            <a:r>
-              <a:rPr lang="en-US" dirty="0"/>
-              <a:t>7. Users shall be uniquely identified by a user name.  </a:t>
-            </a:r>
-            <a:r>
-              <a:rPr lang="en-US" i="1" dirty="0"/>
-              <a:t>(This prevents duplicate user names from existing in the system.)</a:t>
-            </a:r>
-            <a:endParaRPr lang="en-US" dirty="0"/>
-          </a:p>
-        </p:txBody>
-      </p:sp>
-    </p:spTree>
-    <p:extLst>
-      <p:ext uri="{BB962C8B-B14F-4D97-AF65-F5344CB8AC3E}">
-        <p14:creationId xmlns:p14="http://schemas.microsoft.com/office/powerpoint/2010/main" val="3350486513"/>
-      </p:ext>
-    </p:extLst>
-  </p:cSld>
-  <p:clrMapOvr>
-    <a:masterClrMapping/>
-  </p:clrMapOvr>
-</p:sld>
-</file>
-
-<file path=ppt/slides/slide3.xml><?xml version="1.0" encoding="utf-8"?>
-<p:sld xmlns:a="http://schemas.openxmlformats.org/drawingml/2006/main" xmlns:r="http://schemas.openxmlformats.org/officeDocument/2006/relationships" xmlns:p="http://schemas.openxmlformats.org/presentationml/2006/main">
-  <p:cSld>
-    <p:spTree>
-      <p:nvGrpSpPr>
-        <p:cNvPr id="1" name=""/>
-        <p:cNvGrpSpPr/>
-        <p:nvPr/>
-      </p:nvGrpSpPr>
-      <p:grpSpPr>
-        <a:xfrm>
-          <a:off x="0" y="0"/>
-          <a:ext cx="0" cy="0"/>
-          <a:chOff x="0" y="0"/>
-          <a:chExt cx="0" cy="0"/>
-        </a:xfrm>
-      </p:grpSpPr>
-      <p:sp>
-        <p:nvSpPr>
-          <p:cNvPr id="2" name="Title 1"/>
-          <p:cNvSpPr>
-            <a:spLocks noGrp="1"/>
-          </p:cNvSpPr>
-          <p:nvPr>
-            <p:ph type="title"/>
-          </p:nvPr>
-        </p:nvSpPr>
-        <p:spPr/>
-        <p:txBody>
-          <a:bodyPr/>
-          <a:lstStyle/>
-          <a:p>
-            <a:r>
-              <a:rPr lang="en-US" dirty="0" smtClean="0"/>
-              <a:t>Non-Functional Requirement—Operating Systems</a:t>
-            </a:r>
-            <a:endParaRPr lang="en-US" dirty="0"/>
-          </a:p>
-        </p:txBody>
-      </p:sp>
-      <p:sp>
-        <p:nvSpPr>
-          <p:cNvPr id="3" name="Content Placeholder 2"/>
-          <p:cNvSpPr>
-            <a:spLocks noGrp="1"/>
-          </p:cNvSpPr>
-          <p:nvPr>
-            <p:ph idx="1"/>
-          </p:nvPr>
-        </p:nvSpPr>
-        <p:spPr/>
-        <p:txBody>
-          <a:bodyPr>
-            <a:normAutofit fontScale="92500" lnSpcReduction="20000"/>
-          </a:bodyPr>
-          <a:lstStyle/>
-          <a:p>
-            <a:r>
-              <a:rPr lang="en-US" dirty="0" smtClean="0"/>
-              <a:t>7</a:t>
-            </a:r>
-            <a:r>
-              <a:rPr lang="en-US" dirty="0"/>
-              <a:t>. Server application will use JavaScript programming language with node.js on Linux Operating System. </a:t>
-            </a:r>
-            <a:endParaRPr lang="en-US" dirty="0" smtClean="0"/>
-          </a:p>
-          <a:p>
-            <a:pPr lvl="1"/>
-            <a:r>
-              <a:rPr lang="en-US" dirty="0" smtClean="0"/>
-              <a:t>Node.js is a cross-platform runtime environment for server-side applications using JavaScript</a:t>
-            </a:r>
-          </a:p>
-          <a:p>
-            <a:pPr lvl="1"/>
-            <a:r>
-              <a:rPr lang="en-US" dirty="0" smtClean="0"/>
-              <a:t>Our implementation includes:</a:t>
-            </a:r>
-          </a:p>
-          <a:p>
-            <a:pPr lvl="2"/>
-            <a:r>
-              <a:rPr lang="en-US" dirty="0" smtClean="0"/>
-              <a:t>Main server file (server.js)</a:t>
-            </a:r>
-          </a:p>
-          <a:p>
-            <a:pPr lvl="2"/>
-            <a:r>
-              <a:rPr lang="en-US" dirty="0" smtClean="0"/>
-              <a:t>models (user, deal)</a:t>
-            </a:r>
-          </a:p>
-          <a:p>
-            <a:pPr lvl="2"/>
-            <a:r>
-              <a:rPr lang="en-US" dirty="0" err="1" smtClean="0"/>
-              <a:t>node_modules</a:t>
-            </a:r>
-            <a:endParaRPr lang="en-US" dirty="0" smtClean="0"/>
-          </a:p>
-          <a:p>
-            <a:pPr lvl="3"/>
-            <a:r>
-              <a:rPr lang="en-US" dirty="0" smtClean="0"/>
-              <a:t>body-parser for parsing JSON</a:t>
-            </a:r>
-          </a:p>
-          <a:p>
-            <a:pPr lvl="3"/>
-            <a:r>
-              <a:rPr lang="en-US" dirty="0" err="1" smtClean="0"/>
-              <a:t>cron</a:t>
-            </a:r>
-            <a:r>
-              <a:rPr lang="en-US" dirty="0" smtClean="0"/>
-              <a:t> for scheduling tasks</a:t>
-            </a:r>
-          </a:p>
-          <a:p>
-            <a:pPr lvl="3"/>
-            <a:r>
-              <a:rPr lang="en-US" dirty="0" smtClean="0"/>
-              <a:t>express for handling HTTP methods</a:t>
-            </a:r>
-          </a:p>
-          <a:p>
-            <a:pPr lvl="3"/>
-            <a:r>
-              <a:rPr lang="en-US" dirty="0" smtClean="0"/>
-              <a:t>moment for formatting date objects</a:t>
-            </a:r>
-          </a:p>
-          <a:p>
-            <a:pPr lvl="3"/>
-            <a:r>
-              <a:rPr lang="en-US" dirty="0" smtClean="0"/>
-              <a:t>mongoose for handling </a:t>
-            </a:r>
-            <a:r>
-              <a:rPr lang="en-US" dirty="0" err="1" smtClean="0"/>
-              <a:t>mongodb</a:t>
-            </a:r>
-            <a:r>
-              <a:rPr lang="en-US" dirty="0" smtClean="0"/>
-              <a:t> database access</a:t>
-            </a:r>
-          </a:p>
-          <a:p>
-            <a:pPr lvl="3"/>
-            <a:r>
-              <a:rPr lang="en-US" dirty="0" err="1" smtClean="0"/>
-              <a:t>morgan</a:t>
-            </a:r>
-            <a:r>
-              <a:rPr lang="en-US" dirty="0" smtClean="0"/>
-              <a:t> for logging HTTP requests</a:t>
-            </a:r>
-            <a:endParaRPr lang="en-US" dirty="0"/>
-          </a:p>
-          <a:p>
-            <a:endParaRPr lang="en-US" dirty="0"/>
-          </a:p>
-        </p:txBody>
-      </p:sp>
-    </p:spTree>
-    <p:extLst>
-      <p:ext uri="{BB962C8B-B14F-4D97-AF65-F5344CB8AC3E}">
-        <p14:creationId xmlns:p14="http://schemas.microsoft.com/office/powerpoint/2010/main" val="3912614245"/>
-      </p:ext>
-    </p:extLst>
-  </p:cSld>
-  <p:clrMapOvr>
-    <a:masterClrMapping/>
-  </p:clrMapOvr>
-</p:sld>
-</file>
-
-<file path=ppt/slides/slide30.xml><?xml version="1.0" encoding="utf-8"?>
-<p:sld xmlns:a="http://schemas.openxmlformats.org/drawingml/2006/main" xmlns:r="http://schemas.openxmlformats.org/officeDocument/2006/relationships" xmlns:p="http://schemas.openxmlformats.org/presentationml/2006/main">
-  <p:cSld>
-    <p:spTree>
-      <p:nvGrpSpPr>
-        <p:cNvPr id="1" name=""/>
-        <p:cNvGrpSpPr/>
-        <p:nvPr/>
-      </p:nvGrpSpPr>
-      <p:grpSpPr>
-        <a:xfrm>
-          <a:off x="0" y="0"/>
-          <a:ext cx="0" cy="0"/>
-          <a:chOff x="0" y="0"/>
-          <a:chExt cx="0" cy="0"/>
-        </a:xfrm>
-      </p:grpSpPr>
-      <p:sp>
-        <p:nvSpPr>
-          <p:cNvPr id="2" name="Title 1"/>
-          <p:cNvSpPr>
-            <a:spLocks noGrp="1"/>
-          </p:cNvSpPr>
-          <p:nvPr>
-            <p:ph type="title"/>
-          </p:nvPr>
-        </p:nvSpPr>
-        <p:spPr/>
-        <p:txBody>
-          <a:bodyPr/>
-          <a:lstStyle/>
-          <a:p>
-            <a:r>
-              <a:rPr lang="en-US" dirty="0" smtClean="0"/>
-              <a:t>User Information—Client Side Implementation</a:t>
-            </a:r>
-            <a:endParaRPr lang="en-US" dirty="0"/>
-          </a:p>
-        </p:txBody>
-      </p:sp>
-      <p:sp>
-        <p:nvSpPr>
-          <p:cNvPr id="3" name="Content Placeholder 2"/>
-          <p:cNvSpPr>
-            <a:spLocks noGrp="1"/>
-          </p:cNvSpPr>
-          <p:nvPr>
-            <p:ph idx="1"/>
-          </p:nvPr>
-        </p:nvSpPr>
-        <p:spPr/>
-        <p:txBody>
-          <a:bodyPr/>
-          <a:lstStyle/>
-          <a:p>
-            <a:endParaRPr lang="en-US"/>
-          </a:p>
-        </p:txBody>
-      </p:sp>
-    </p:spTree>
-    <p:extLst>
-      <p:ext uri="{BB962C8B-B14F-4D97-AF65-F5344CB8AC3E}">
-        <p14:creationId xmlns:p14="http://schemas.microsoft.com/office/powerpoint/2010/main" val="2525138655"/>
-      </p:ext>
-    </p:extLst>
-  </p:cSld>
-  <p:clrMapOvr>
-    <a:masterClrMapping/>
-  </p:clrMapOvr>
-</p:sld>
-</file>
-
-<file path=ppt/slides/slide31.xml><?xml version="1.0" encoding="utf-8"?>
-<p:sld xmlns:a="http://schemas.openxmlformats.org/drawingml/2006/main" xmlns:r="http://schemas.openxmlformats.org/officeDocument/2006/relationships" xmlns:p="http://schemas.openxmlformats.org/presentationml/2006/main">
-  <p:cSld>
-    <p:spTree>
-      <p:nvGrpSpPr>
-        <p:cNvPr id="1" name=""/>
-        <p:cNvGrpSpPr/>
-        <p:nvPr/>
-      </p:nvGrpSpPr>
-      <p:grpSpPr>
-        <a:xfrm>
-          <a:off x="0" y="0"/>
-          <a:ext cx="0" cy="0"/>
-          <a:chOff x="0" y="0"/>
-          <a:chExt cx="0" cy="0"/>
-        </a:xfrm>
-      </p:grpSpPr>
-      <p:sp>
-        <p:nvSpPr>
-          <p:cNvPr id="2" name="Title 1"/>
-          <p:cNvSpPr>
-            <a:spLocks noGrp="1"/>
-          </p:cNvSpPr>
-          <p:nvPr>
-            <p:ph type="title"/>
-          </p:nvPr>
-        </p:nvSpPr>
-        <p:spPr/>
-        <p:txBody>
-          <a:bodyPr/>
-          <a:lstStyle/>
-          <a:p>
-            <a:r>
-              <a:rPr lang="en-US" dirty="0" smtClean="0"/>
-              <a:t>User Information—Server Side Implementation</a:t>
-            </a:r>
-            <a:endParaRPr lang="en-US" dirty="0"/>
-          </a:p>
-        </p:txBody>
-      </p:sp>
-      <p:sp>
-        <p:nvSpPr>
-          <p:cNvPr id="3" name="Content Placeholder 2"/>
-          <p:cNvSpPr>
-            <a:spLocks noGrp="1"/>
-          </p:cNvSpPr>
-          <p:nvPr>
-            <p:ph idx="1"/>
-          </p:nvPr>
-        </p:nvSpPr>
-        <p:spPr>
-          <a:xfrm>
-            <a:off x="677334" y="2170980"/>
-            <a:ext cx="8596668" cy="3880773"/>
-          </a:xfrm>
-        </p:spPr>
-        <p:txBody>
-          <a:bodyPr/>
-          <a:lstStyle/>
-          <a:p>
-            <a:r>
-              <a:rPr lang="en-US" dirty="0" smtClean="0"/>
-              <a:t>As seen previously, when attempting to add a user to the database, the mongoose find method is used to determine whether a user with the email already exists. </a:t>
-            </a:r>
-            <a:endParaRPr lang="en-US" dirty="0"/>
-          </a:p>
-        </p:txBody>
-      </p:sp>
-    </p:spTree>
-    <p:extLst>
-      <p:ext uri="{BB962C8B-B14F-4D97-AF65-F5344CB8AC3E}">
-        <p14:creationId xmlns:p14="http://schemas.microsoft.com/office/powerpoint/2010/main" val="500561990"/>
-      </p:ext>
-    </p:extLst>
-  </p:cSld>
-  <p:clrMapOvr>
-    <a:masterClrMapping/>
-  </p:clrMapOvr>
-</p:sld>
-</file>
-
 <file path=ppt/slides/slide32.xml><?xml version="1.0" encoding="utf-8"?>
 <p:sld xmlns:a="http://schemas.openxmlformats.org/drawingml/2006/main" xmlns:r="http://schemas.openxmlformats.org/officeDocument/2006/relationships" xmlns:p="http://schemas.openxmlformats.org/presentationml/2006/main">
   <p:cSld>
@@ -8749,6 +9470,272 @@
           <a:p>
             <a:r>
               <a:rPr lang="en-US" dirty="0" smtClean="0"/>
+              <a:t>Functional Requirement—User Information</a:t>
+            </a:r>
+            <a:endParaRPr lang="en-US" dirty="0"/>
+          </a:p>
+        </p:txBody>
+      </p:sp>
+      <p:sp>
+        <p:nvSpPr>
+          <p:cNvPr id="3" name="Content Placeholder 2"/>
+          <p:cNvSpPr>
+            <a:spLocks noGrp="1"/>
+          </p:cNvSpPr>
+          <p:nvPr>
+            <p:ph idx="1"/>
+          </p:nvPr>
+        </p:nvSpPr>
+        <p:spPr/>
+        <p:txBody>
+          <a:bodyPr/>
+          <a:lstStyle/>
+          <a:p>
+            <a:r>
+              <a:rPr lang="en-US" dirty="0"/>
+              <a:t>7. Users shall be uniquely identified by a user name.  </a:t>
+            </a:r>
+            <a:r>
+              <a:rPr lang="en-US" i="1" dirty="0"/>
+              <a:t>(This prevents duplicate user names from existing in the system.)</a:t>
+            </a:r>
+            <a:endParaRPr lang="en-US" dirty="0"/>
+          </a:p>
+        </p:txBody>
+      </p:sp>
+    </p:spTree>
+    <p:extLst>
+      <p:ext uri="{BB962C8B-B14F-4D97-AF65-F5344CB8AC3E}">
+        <p14:creationId xmlns:p14="http://schemas.microsoft.com/office/powerpoint/2010/main" val="3350486513"/>
+      </p:ext>
+    </p:extLst>
+  </p:cSld>
+  <p:clrMapOvr>
+    <a:masterClrMapping/>
+  </p:clrMapOvr>
+</p:sld>
+</file>
+
+<file path=ppt/slides/slide33.xml><?xml version="1.0" encoding="utf-8"?>
+<p:sld xmlns:a="http://schemas.openxmlformats.org/drawingml/2006/main" xmlns:r="http://schemas.openxmlformats.org/officeDocument/2006/relationships" xmlns:p="http://schemas.openxmlformats.org/presentationml/2006/main">
+  <p:cSld>
+    <p:spTree>
+      <p:nvGrpSpPr>
+        <p:cNvPr id="1" name=""/>
+        <p:cNvGrpSpPr/>
+        <p:nvPr/>
+      </p:nvGrpSpPr>
+      <p:grpSpPr>
+        <a:xfrm>
+          <a:off x="0" y="0"/>
+          <a:ext cx="0" cy="0"/>
+          <a:chOff x="0" y="0"/>
+          <a:chExt cx="0" cy="0"/>
+        </a:xfrm>
+      </p:grpSpPr>
+      <p:sp>
+        <p:nvSpPr>
+          <p:cNvPr id="2" name="Title 1"/>
+          <p:cNvSpPr>
+            <a:spLocks noGrp="1"/>
+          </p:cNvSpPr>
+          <p:nvPr>
+            <p:ph type="title"/>
+          </p:nvPr>
+        </p:nvSpPr>
+        <p:spPr/>
+        <p:txBody>
+          <a:bodyPr/>
+          <a:lstStyle/>
+          <a:p>
+            <a:r>
+              <a:rPr lang="en-US" dirty="0" smtClean="0"/>
+              <a:t>User Information—Client Side Implementation</a:t>
+            </a:r>
+            <a:endParaRPr lang="en-US" dirty="0"/>
+          </a:p>
+        </p:txBody>
+      </p:sp>
+      <p:sp>
+        <p:nvSpPr>
+          <p:cNvPr id="3" name="Content Placeholder 2"/>
+          <p:cNvSpPr>
+            <a:spLocks noGrp="1"/>
+          </p:cNvSpPr>
+          <p:nvPr>
+            <p:ph idx="1"/>
+          </p:nvPr>
+        </p:nvSpPr>
+        <p:spPr/>
+        <p:txBody>
+          <a:bodyPr/>
+          <a:lstStyle/>
+          <a:p>
+            <a:r>
+              <a:rPr lang="en-US" dirty="0" smtClean="0"/>
+              <a:t>When Registering a new user, if the Node backend replies with HTTP_FORBIDDEN, that is our sign that this is a repeat email.  This user is not permitted to register again.</a:t>
+            </a:r>
+          </a:p>
+          <a:p>
+            <a:pPr marL="0" indent="0">
+              <a:buNone/>
+            </a:pPr>
+            <a:endParaRPr lang="en-US" dirty="0"/>
+          </a:p>
+        </p:txBody>
+      </p:sp>
+      <p:pic>
+        <p:nvPicPr>
+          <p:cNvPr id="4" name="Picture 3"/>
+          <p:cNvPicPr>
+            <a:picLocks noChangeAspect="1"/>
+          </p:cNvPicPr>
+          <p:nvPr/>
+        </p:nvPicPr>
+        <p:blipFill>
+          <a:blip r:embed="rId2"/>
+          <a:stretch>
+            <a:fillRect/>
+          </a:stretch>
+        </p:blipFill>
+        <p:spPr>
+          <a:xfrm>
+            <a:off x="762768" y="3175512"/>
+            <a:ext cx="5997569" cy="1032694"/>
+          </a:xfrm>
+          <a:prstGeom prst="rect">
+            <a:avLst/>
+          </a:prstGeom>
+        </p:spPr>
+      </p:pic>
+    </p:spTree>
+    <p:extLst>
+      <p:ext uri="{BB962C8B-B14F-4D97-AF65-F5344CB8AC3E}">
+        <p14:creationId xmlns:p14="http://schemas.microsoft.com/office/powerpoint/2010/main" val="2525138655"/>
+      </p:ext>
+    </p:extLst>
+  </p:cSld>
+  <p:clrMapOvr>
+    <a:masterClrMapping/>
+  </p:clrMapOvr>
+</p:sld>
+</file>
+
+<file path=ppt/slides/slide34.xml><?xml version="1.0" encoding="utf-8"?>
+<p:sld xmlns:a="http://schemas.openxmlformats.org/drawingml/2006/main" xmlns:r="http://schemas.openxmlformats.org/officeDocument/2006/relationships" xmlns:p="http://schemas.openxmlformats.org/presentationml/2006/main">
+  <p:cSld>
+    <p:spTree>
+      <p:nvGrpSpPr>
+        <p:cNvPr id="1" name=""/>
+        <p:cNvGrpSpPr/>
+        <p:nvPr/>
+      </p:nvGrpSpPr>
+      <p:grpSpPr>
+        <a:xfrm>
+          <a:off x="0" y="0"/>
+          <a:ext cx="0" cy="0"/>
+          <a:chOff x="0" y="0"/>
+          <a:chExt cx="0" cy="0"/>
+        </a:xfrm>
+      </p:grpSpPr>
+      <p:sp>
+        <p:nvSpPr>
+          <p:cNvPr id="2" name="Title 1"/>
+          <p:cNvSpPr>
+            <a:spLocks noGrp="1"/>
+          </p:cNvSpPr>
+          <p:nvPr>
+            <p:ph type="title"/>
+          </p:nvPr>
+        </p:nvSpPr>
+        <p:spPr/>
+        <p:txBody>
+          <a:bodyPr/>
+          <a:lstStyle/>
+          <a:p>
+            <a:r>
+              <a:rPr lang="en-US" dirty="0" smtClean="0"/>
+              <a:t>User Information—Server Side Implementation</a:t>
+            </a:r>
+            <a:endParaRPr lang="en-US" dirty="0"/>
+          </a:p>
+        </p:txBody>
+      </p:sp>
+      <p:sp>
+        <p:nvSpPr>
+          <p:cNvPr id="3" name="Content Placeholder 2"/>
+          <p:cNvSpPr>
+            <a:spLocks noGrp="1"/>
+          </p:cNvSpPr>
+          <p:nvPr>
+            <p:ph idx="1"/>
+          </p:nvPr>
+        </p:nvSpPr>
+        <p:spPr>
+          <a:xfrm>
+            <a:off x="677334" y="2170980"/>
+            <a:ext cx="8596668" cy="3880773"/>
+          </a:xfrm>
+        </p:spPr>
+        <p:txBody>
+          <a:bodyPr/>
+          <a:lstStyle/>
+          <a:p>
+            <a:r>
+              <a:rPr lang="en-US" dirty="0" smtClean="0"/>
+              <a:t>As seen previously, when attempting to add a user to the database, the mongoose find method is used to determine whether a user with the email already exists. </a:t>
+            </a:r>
+            <a:endParaRPr lang="en-US" dirty="0"/>
+          </a:p>
+        </p:txBody>
+      </p:sp>
+    </p:spTree>
+    <p:extLst>
+      <p:ext uri="{BB962C8B-B14F-4D97-AF65-F5344CB8AC3E}">
+        <p14:creationId xmlns:p14="http://schemas.microsoft.com/office/powerpoint/2010/main" val="500561990"/>
+      </p:ext>
+    </p:extLst>
+  </p:cSld>
+  <p:clrMapOvr>
+    <a:masterClrMapping/>
+  </p:clrMapOvr>
+</p:sld>
+</file>
+
+<file path=ppt/slides/slide35.xml><?xml version="1.0" encoding="utf-8"?>
+<p:sld xmlns:a="http://schemas.openxmlformats.org/drawingml/2006/main" xmlns:r="http://schemas.openxmlformats.org/officeDocument/2006/relationships" xmlns:p="http://schemas.openxmlformats.org/presentationml/2006/main">
+  <p:cSld>
+    <p:spTree>
+      <p:nvGrpSpPr>
+        <p:cNvPr id="1" name=""/>
+        <p:cNvGrpSpPr/>
+        <p:nvPr/>
+      </p:nvGrpSpPr>
+      <p:grpSpPr>
+        <a:xfrm>
+          <a:off x="0" y="0"/>
+          <a:ext cx="0" cy="0"/>
+          <a:chOff x="0" y="0"/>
+          <a:chExt cx="0" cy="0"/>
+        </a:xfrm>
+      </p:grpSpPr>
+      <p:sp>
+        <p:nvSpPr>
+          <p:cNvPr id="2" name="Title 1"/>
+          <p:cNvSpPr>
+            <a:spLocks noGrp="1"/>
+          </p:cNvSpPr>
+          <p:nvPr>
+            <p:ph type="title"/>
+          </p:nvPr>
+        </p:nvSpPr>
+        <p:spPr/>
+        <p:txBody>
+          <a:bodyPr/>
+          <a:lstStyle/>
+          <a:p>
+            <a:r>
+              <a:rPr lang="en-US" dirty="0" smtClean="0"/>
               <a:t>Additional Features</a:t>
             </a:r>
             <a:endParaRPr lang="en-US" dirty="0"/>
@@ -8772,11 +9759,7 @@
           <a:p>
             <a:r>
               <a:rPr lang="en-US" dirty="0" smtClean="0"/>
-              <a:t>After a user registers, they have the option of loggin</a:t>
-            </a:r>
-            <a:r>
-              <a:rPr lang="en-US" dirty="0" smtClean="0"/>
-              <a:t>g in immediately</a:t>
+              <a:t>After a user registers, they have the option of logging in immediately</a:t>
             </a:r>
           </a:p>
           <a:p>
@@ -8824,7 +9807,6 @@
               <a:rPr lang="en-US" dirty="0" smtClean="0"/>
               <a:t>Capability of deleting user</a:t>
             </a:r>
-            <a:endParaRPr lang="en-US" dirty="0" smtClean="0"/>
           </a:p>
           <a:p>
             <a:endParaRPr lang="en-US" dirty="0" smtClean="0"/>
@@ -9336,25 +10318,32 @@
           </a:p>
         </p:txBody>
       </p:sp>
-      <p:sp>
-        <p:nvSpPr>
-          <p:cNvPr id="3" name="Content Placeholder 2"/>
-          <p:cNvSpPr>
-            <a:spLocks noGrp="1"/>
-          </p:cNvSpPr>
+      <p:pic>
+        <p:nvPicPr>
+          <p:cNvPr id="4" name="Content Placeholder 3"/>
+          <p:cNvPicPr>
+            <a:picLocks noGrp="1" noChangeAspect="1"/>
+          </p:cNvPicPr>
           <p:nvPr>
             <p:ph idx="1"/>
           </p:nvPr>
-        </p:nvSpPr>
-        <p:spPr/>
-        <p:txBody>
-          <a:bodyPr/>
-          <a:lstStyle/>
-          <a:p>
-            <a:endParaRPr lang="en-US"/>
-          </a:p>
-        </p:txBody>
-      </p:sp>
+        </p:nvPicPr>
+        <p:blipFill>
+          <a:blip r:embed="rId2"/>
+          <a:stretch>
+            <a:fillRect/>
+          </a:stretch>
+        </p:blipFill>
+        <p:spPr>
+          <a:xfrm>
+            <a:off x="677863" y="1769808"/>
+            <a:ext cx="10228416" cy="3953500"/>
+          </a:xfrm>
+          <a:prstGeom prst="rect">
+            <a:avLst/>
+          </a:prstGeom>
+        </p:spPr>
+      </p:pic>
     </p:spTree>
     <p:extLst>
       <p:ext uri="{BB962C8B-B14F-4D97-AF65-F5344CB8AC3E}">
@@ -9402,6 +10391,139 @@
           <a:p>
             <a:r>
               <a:rPr lang="en-US" dirty="0" smtClean="0"/>
+              <a:t>Shopping List, Add—Client Side Implementation</a:t>
+            </a:r>
+            <a:endParaRPr lang="en-US" dirty="0"/>
+          </a:p>
+        </p:txBody>
+      </p:sp>
+      <p:sp>
+        <p:nvSpPr>
+          <p:cNvPr id="3" name="Content Placeholder 2"/>
+          <p:cNvSpPr>
+            <a:spLocks noGrp="1"/>
+          </p:cNvSpPr>
+          <p:nvPr>
+            <p:ph idx="1"/>
+          </p:nvPr>
+        </p:nvSpPr>
+        <p:spPr>
+          <a:xfrm>
+            <a:off x="677334" y="4583625"/>
+            <a:ext cx="8596668" cy="2155828"/>
+          </a:xfrm>
+        </p:spPr>
+        <p:txBody>
+          <a:bodyPr/>
+          <a:lstStyle/>
+          <a:p>
+            <a:r>
+              <a:rPr lang="en-US" dirty="0" smtClean="0"/>
+              <a:t>Dialog fragment returns to the class that called it.</a:t>
+            </a:r>
+          </a:p>
+          <a:p>
+            <a:r>
+              <a:rPr lang="en-US" dirty="0" smtClean="0"/>
+              <a:t>“</a:t>
+            </a:r>
+            <a:r>
+              <a:rPr lang="en-US" dirty="0" err="1" smtClean="0"/>
+              <a:t>requestCode</a:t>
+            </a:r>
+            <a:r>
+              <a:rPr lang="en-US" dirty="0" smtClean="0"/>
+              <a:t>” is used by the Class to identify who is “reporting in”</a:t>
+            </a:r>
+          </a:p>
+          <a:p>
+            <a:r>
+              <a:rPr lang="en-US" dirty="0" smtClean="0"/>
+              <a:t>After a check is made to make sure the product name is not empty, we post the new contents of </a:t>
+            </a:r>
+            <a:r>
+              <a:rPr lang="en-US" dirty="0" err="1" smtClean="0"/>
+              <a:t>shoppingList</a:t>
+            </a:r>
+            <a:r>
+              <a:rPr lang="en-US" dirty="0" smtClean="0"/>
+              <a:t> to the database</a:t>
+            </a:r>
+            <a:endParaRPr lang="en-US" dirty="0"/>
+          </a:p>
+        </p:txBody>
+      </p:sp>
+      <p:pic>
+        <p:nvPicPr>
+          <p:cNvPr id="8" name="Picture 7"/>
+          <p:cNvPicPr>
+            <a:picLocks noChangeAspect="1"/>
+          </p:cNvPicPr>
+          <p:nvPr/>
+        </p:nvPicPr>
+        <p:blipFill>
+          <a:blip r:embed="rId2"/>
+          <a:stretch>
+            <a:fillRect/>
+          </a:stretch>
+        </p:blipFill>
+        <p:spPr>
+          <a:xfrm>
+            <a:off x="534782" y="1240350"/>
+            <a:ext cx="9686925" cy="3343275"/>
+          </a:xfrm>
+          <a:prstGeom prst="rect">
+            <a:avLst/>
+          </a:prstGeom>
+        </p:spPr>
+      </p:pic>
+    </p:spTree>
+    <p:extLst>
+      <p:ext uri="{BB962C8B-B14F-4D97-AF65-F5344CB8AC3E}">
+        <p14:creationId xmlns:p14="http://schemas.microsoft.com/office/powerpoint/2010/main" val="3593041712"/>
+      </p:ext>
+    </p:extLst>
+  </p:cSld>
+  <p:clrMapOvr>
+    <a:masterClrMapping/>
+  </p:clrMapOvr>
+</p:sld>
+</file>
+
+<file path=ppt/slides/slide9.xml><?xml version="1.0" encoding="utf-8"?>
+<p:sld xmlns:a="http://schemas.openxmlformats.org/drawingml/2006/main" xmlns:r="http://schemas.openxmlformats.org/officeDocument/2006/relationships" xmlns:p="http://schemas.openxmlformats.org/presentationml/2006/main">
+  <p:cSld>
+    <p:spTree>
+      <p:nvGrpSpPr>
+        <p:cNvPr id="1" name=""/>
+        <p:cNvGrpSpPr/>
+        <p:nvPr/>
+      </p:nvGrpSpPr>
+      <p:grpSpPr>
+        <a:xfrm>
+          <a:off x="0" y="0"/>
+          <a:ext cx="0" cy="0"/>
+          <a:chOff x="0" y="0"/>
+          <a:chExt cx="0" cy="0"/>
+        </a:xfrm>
+      </p:grpSpPr>
+      <p:sp>
+        <p:nvSpPr>
+          <p:cNvPr id="2" name="Title 1"/>
+          <p:cNvSpPr>
+            <a:spLocks noGrp="1"/>
+          </p:cNvSpPr>
+          <p:nvPr>
+            <p:ph type="title"/>
+          </p:nvPr>
+        </p:nvSpPr>
+        <p:spPr/>
+        <p:txBody>
+          <a:bodyPr/>
+          <a:lstStyle/>
+          <a:p>
+            <a:r>
+              <a:rPr lang="en-US" dirty="0" smtClean="0"/>
               <a:t>Shopping List, Add—Server Side Implementation</a:t>
             </a:r>
             <a:endParaRPr lang="en-US" dirty="0"/>
@@ -9495,7 +10617,6 @@
               <a:rPr lang="en-US" dirty="0" smtClean="0"/>
               <a:t>Returns error http response or returns http ok response</a:t>
             </a:r>
-            <a:endParaRPr lang="en-US" dirty="0" smtClean="0"/>
           </a:p>
         </p:txBody>
       </p:sp>
@@ -9551,78 +10672,6 @@
     <p:extLst>
       <p:ext uri="{BB962C8B-B14F-4D97-AF65-F5344CB8AC3E}">
         <p14:creationId xmlns:p14="http://schemas.microsoft.com/office/powerpoint/2010/main" val="431295959"/>
-      </p:ext>
-    </p:extLst>
-  </p:cSld>
-  <p:clrMapOvr>
-    <a:masterClrMapping/>
-  </p:clrMapOvr>
-</p:sld>
-</file>
-
-<file path=ppt/slides/slide9.xml><?xml version="1.0" encoding="utf-8"?>
-<p:sld xmlns:a="http://schemas.openxmlformats.org/drawingml/2006/main" xmlns:r="http://schemas.openxmlformats.org/officeDocument/2006/relationships" xmlns:p="http://schemas.openxmlformats.org/presentationml/2006/main">
-  <p:cSld>
-    <p:spTree>
-      <p:nvGrpSpPr>
-        <p:cNvPr id="1" name=""/>
-        <p:cNvGrpSpPr/>
-        <p:nvPr/>
-      </p:nvGrpSpPr>
-      <p:grpSpPr>
-        <a:xfrm>
-          <a:off x="0" y="0"/>
-          <a:ext cx="0" cy="0"/>
-          <a:chOff x="0" y="0"/>
-          <a:chExt cx="0" cy="0"/>
-        </a:xfrm>
-      </p:grpSpPr>
-      <p:sp>
-        <p:nvSpPr>
-          <p:cNvPr id="2" name="Title 1"/>
-          <p:cNvSpPr>
-            <a:spLocks noGrp="1"/>
-          </p:cNvSpPr>
-          <p:nvPr>
-            <p:ph type="title"/>
-          </p:nvPr>
-        </p:nvSpPr>
-        <p:spPr/>
-        <p:txBody>
-          <a:bodyPr/>
-          <a:lstStyle/>
-          <a:p>
-            <a:r>
-              <a:rPr lang="en-US" dirty="0" smtClean="0"/>
-              <a:t>Shopping List, Edit—Client Side Implementation</a:t>
-            </a:r>
-            <a:endParaRPr lang="en-US" dirty="0"/>
-          </a:p>
-        </p:txBody>
-      </p:sp>
-      <p:sp>
-        <p:nvSpPr>
-          <p:cNvPr id="3" name="Content Placeholder 2"/>
-          <p:cNvSpPr>
-            <a:spLocks noGrp="1"/>
-          </p:cNvSpPr>
-          <p:nvPr>
-            <p:ph idx="1"/>
-          </p:nvPr>
-        </p:nvSpPr>
-        <p:spPr/>
-        <p:txBody>
-          <a:bodyPr/>
-          <a:lstStyle/>
-          <a:p>
-            <a:endParaRPr lang="en-US"/>
-          </a:p>
-        </p:txBody>
-      </p:sp>
-    </p:spTree>
-    <p:extLst>
-      <p:ext uri="{BB962C8B-B14F-4D97-AF65-F5344CB8AC3E}">
-        <p14:creationId xmlns:p14="http://schemas.microsoft.com/office/powerpoint/2010/main" val="1454182423"/>
       </p:ext>
     </p:extLst>
   </p:cSld>
